--- a/BM/Geschichte/McCathyismus/McCarthyismus.pptx
+++ b/BM/Geschichte/McCathyismus/McCarthyismus.pptx
@@ -11,11 +11,12 @@
     <p:sldId id="258" r:id="rId5"/>
     <p:sldId id="263" r:id="rId6"/>
     <p:sldId id="259" r:id="rId7"/>
-    <p:sldId id="261" r:id="rId8"/>
-    <p:sldId id="262" r:id="rId9"/>
-    <p:sldId id="264" r:id="rId10"/>
-    <p:sldId id="265" r:id="rId11"/>
-    <p:sldId id="266" r:id="rId12"/>
+    <p:sldId id="262" r:id="rId8"/>
+    <p:sldId id="270" r:id="rId9"/>
+    <p:sldId id="265" r:id="rId10"/>
+    <p:sldId id="266" r:id="rId11"/>
+    <p:sldId id="268" r:id="rId12"/>
+    <p:sldId id="267" r:id="rId13"/>
   </p:sldIdLst>
   <p:sldSz cx="12192000" cy="6858000"/>
   <p:notesSz cx="6858000" cy="9144000"/>
@@ -114,6 +115,11 @@
       </a:defRPr>
     </a:lvl9pPr>
   </p:defaultTextStyle>
+  <p:extLst>
+    <p:ext uri="{EFAFB233-063F-42B5-8137-9DF3F51BA10A}">
+      <p15:sldGuideLst xmlns:p15="http://schemas.microsoft.com/office/powerpoint/2012/main"/>
+    </p:ext>
+  </p:extLst>
 </p:presentation>
 </file>
 
@@ -391,7 +397,7 @@
           <a:p>
             <a:fld id="{514D6AD0-04F7-4095-91EC-7936754F6515}" type="datetimeFigureOut">
               <a:rPr lang="de-CH" smtClean="0"/>
-              <a:t>02.03.2019</a:t>
+              <a:t>04.03.2019</a:t>
             </a:fld>
             <a:endParaRPr lang="de-CH"/>
           </a:p>
@@ -805,7 +811,7 @@
           <a:p>
             <a:fld id="{514D6AD0-04F7-4095-91EC-7936754F6515}" type="datetimeFigureOut">
               <a:rPr lang="de-CH" smtClean="0"/>
-              <a:t>02.03.2019</a:t>
+              <a:t>04.03.2019</a:t>
             </a:fld>
             <a:endParaRPr lang="de-CH"/>
           </a:p>
@@ -1141,7 +1147,7 @@
           <a:p>
             <a:fld id="{514D6AD0-04F7-4095-91EC-7936754F6515}" type="datetimeFigureOut">
               <a:rPr lang="de-CH" smtClean="0"/>
-              <a:t>02.03.2019</a:t>
+              <a:t>04.03.2019</a:t>
             </a:fld>
             <a:endParaRPr lang="de-CH"/>
           </a:p>
@@ -1546,7 +1552,7 @@
           <a:p>
             <a:fld id="{514D6AD0-04F7-4095-91EC-7936754F6515}" type="datetimeFigureOut">
               <a:rPr lang="de-CH" smtClean="0"/>
-              <a:t>02.03.2019</a:t>
+              <a:t>04.03.2019</a:t>
             </a:fld>
             <a:endParaRPr lang="de-CH"/>
           </a:p>
@@ -2114,7 +2120,7 @@
           <a:p>
             <a:fld id="{514D6AD0-04F7-4095-91EC-7936754F6515}" type="datetimeFigureOut">
               <a:rPr lang="de-CH" smtClean="0"/>
-              <a:t>02.03.2019</a:t>
+              <a:t>04.03.2019</a:t>
             </a:fld>
             <a:endParaRPr lang="de-CH"/>
           </a:p>
@@ -2795,7 +2801,7 @@
           <a:p>
             <a:fld id="{514D6AD0-04F7-4095-91EC-7936754F6515}" type="datetimeFigureOut">
               <a:rPr lang="de-CH" smtClean="0"/>
-              <a:t>02.03.2019</a:t>
+              <a:t>04.03.2019</a:t>
             </a:fld>
             <a:endParaRPr lang="de-CH"/>
           </a:p>
@@ -3708,7 +3714,7 @@
           <a:p>
             <a:fld id="{514D6AD0-04F7-4095-91EC-7936754F6515}" type="datetimeFigureOut">
               <a:rPr lang="de-CH" smtClean="0"/>
-              <a:t>02.03.2019</a:t>
+              <a:t>04.03.2019</a:t>
             </a:fld>
             <a:endParaRPr lang="de-CH"/>
           </a:p>
@@ -4021,7 +4027,7 @@
           <a:p>
             <a:fld id="{514D6AD0-04F7-4095-91EC-7936754F6515}" type="datetimeFigureOut">
               <a:rPr lang="de-CH" smtClean="0"/>
-              <a:t>02.03.2019</a:t>
+              <a:t>04.03.2019</a:t>
             </a:fld>
             <a:endParaRPr lang="de-CH"/>
           </a:p>
@@ -4285,7 +4291,7 @@
           <a:p>
             <a:fld id="{514D6AD0-04F7-4095-91EC-7936754F6515}" type="datetimeFigureOut">
               <a:rPr lang="de-CH" smtClean="0"/>
-              <a:t>02.03.2019</a:t>
+              <a:t>04.03.2019</a:t>
             </a:fld>
             <a:endParaRPr lang="de-CH"/>
           </a:p>
@@ -4608,7 +4614,7 @@
           <a:p>
             <a:fld id="{514D6AD0-04F7-4095-91EC-7936754F6515}" type="datetimeFigureOut">
               <a:rPr lang="de-CH" smtClean="0"/>
-              <a:t>02.03.2019</a:t>
+              <a:t>04.03.2019</a:t>
             </a:fld>
             <a:endParaRPr lang="de-CH"/>
           </a:p>
@@ -4997,7 +5003,7 @@
           <a:p>
             <a:fld id="{514D6AD0-04F7-4095-91EC-7936754F6515}" type="datetimeFigureOut">
               <a:rPr lang="de-CH" smtClean="0"/>
-              <a:t>02.03.2019</a:t>
+              <a:t>04.03.2019</a:t>
             </a:fld>
             <a:endParaRPr lang="de-CH"/>
           </a:p>
@@ -5373,7 +5379,7 @@
           <a:p>
             <a:fld id="{514D6AD0-04F7-4095-91EC-7936754F6515}" type="datetimeFigureOut">
               <a:rPr lang="de-CH" smtClean="0"/>
-              <a:t>02.03.2019</a:t>
+              <a:t>04.03.2019</a:t>
             </a:fld>
             <a:endParaRPr lang="de-CH"/>
           </a:p>
@@ -5879,7 +5885,7 @@
           <a:p>
             <a:fld id="{514D6AD0-04F7-4095-91EC-7936754F6515}" type="datetimeFigureOut">
               <a:rPr lang="de-CH" smtClean="0"/>
-              <a:t>02.03.2019</a:t>
+              <a:t>04.03.2019</a:t>
             </a:fld>
             <a:endParaRPr lang="de-CH"/>
           </a:p>
@@ -6136,7 +6142,7 @@
           <a:p>
             <a:fld id="{514D6AD0-04F7-4095-91EC-7936754F6515}" type="datetimeFigureOut">
               <a:rPr lang="de-CH" smtClean="0"/>
-              <a:t>02.03.2019</a:t>
+              <a:t>04.03.2019</a:t>
             </a:fld>
             <a:endParaRPr lang="de-CH"/>
           </a:p>
@@ -6299,7 +6305,7 @@
           <a:p>
             <a:fld id="{514D6AD0-04F7-4095-91EC-7936754F6515}" type="datetimeFigureOut">
               <a:rPr lang="de-CH" smtClean="0"/>
-              <a:t>02.03.2019</a:t>
+              <a:t>04.03.2019</a:t>
             </a:fld>
             <a:endParaRPr lang="de-CH"/>
           </a:p>
@@ -6689,7 +6695,7 @@
           <a:p>
             <a:fld id="{514D6AD0-04F7-4095-91EC-7936754F6515}" type="datetimeFigureOut">
               <a:rPr lang="de-CH" smtClean="0"/>
-              <a:t>02.03.2019</a:t>
+              <a:t>04.03.2019</a:t>
             </a:fld>
             <a:endParaRPr lang="de-CH"/>
           </a:p>
@@ -7098,7 +7104,7 @@
           <a:p>
             <a:fld id="{514D6AD0-04F7-4095-91EC-7936754F6515}" type="datetimeFigureOut">
               <a:rPr lang="de-CH" smtClean="0"/>
-              <a:t>02.03.2019</a:t>
+              <a:t>04.03.2019</a:t>
             </a:fld>
             <a:endParaRPr lang="de-CH"/>
           </a:p>
@@ -7342,7 +7348,7 @@
           <a:p>
             <a:fld id="{514D6AD0-04F7-4095-91EC-7936754F6515}" type="datetimeFigureOut">
               <a:rPr lang="de-CH" smtClean="0"/>
-              <a:t>02.03.2019</a:t>
+              <a:t>04.03.2019</a:t>
             </a:fld>
             <a:endParaRPr lang="de-CH"/>
           </a:p>
@@ -8108,6 +8114,41 @@
 <file path=ppt/slides/slide10.xml><?xml version="1.0" encoding="utf-8"?>
 <p:sld xmlns:a="http://schemas.openxmlformats.org/drawingml/2006/main" xmlns:r="http://schemas.openxmlformats.org/officeDocument/2006/relationships" xmlns:p="http://schemas.openxmlformats.org/presentationml/2006/main">
   <p:cSld>
+    <p:bg>
+      <p:bgPr>
+        <a:gradFill rotWithShape="1">
+          <a:gsLst>
+            <a:gs pos="0">
+              <a:schemeClr val="bg2">
+                <a:tint val="96000"/>
+                <a:shade val="100000"/>
+                <a:hueMod val="270000"/>
+                <a:satMod val="200000"/>
+                <a:lumMod val="128000"/>
+              </a:schemeClr>
+            </a:gs>
+            <a:gs pos="50000">
+              <a:schemeClr val="bg2">
+                <a:shade val="100000"/>
+                <a:hueMod val="100000"/>
+                <a:satMod val="110000"/>
+                <a:lumMod val="130000"/>
+              </a:schemeClr>
+            </a:gs>
+            <a:gs pos="100000">
+              <a:schemeClr val="bg2">
+                <a:shade val="78000"/>
+                <a:hueMod val="44000"/>
+                <a:satMod val="200000"/>
+                <a:lumMod val="69000"/>
+              </a:schemeClr>
+            </a:gs>
+          </a:gsLst>
+          <a:lin ang="2520000" scaled="0"/>
+        </a:gradFill>
+        <a:effectLst/>
+      </p:bgPr>
+    </p:bg>
     <p:spTree>
       <p:nvGrpSpPr>
         <p:cNvPr id="1" name=""/>
@@ -8122,12 +8163,474 @@
           <a:chExt cx="0" cy="0"/>
         </a:xfrm>
       </p:grpSpPr>
+      <p:pic>
+        <p:nvPicPr>
+          <p:cNvPr id="71" name="Picture 70">
+            <a:extLst>
+              <a:ext uri="{FF2B5EF4-FFF2-40B4-BE49-F238E27FC236}">
+                <a16:creationId xmlns:a16="http://schemas.microsoft.com/office/drawing/2014/main" id="{01CFC1BB-C5B3-4479-9752-C53221627F91}"/>
+              </a:ext>
+              <a:ext uri="{C183D7F6-B498-43B3-948B-1728B52AA6E4}">
+                <adec:decorative xmlns:adec="http://schemas.microsoft.com/office/drawing/2017/decorative" val="1"/>
+              </a:ext>
+            </a:extLst>
+          </p:cNvPr>
+          <p:cNvPicPr>
+            <a:picLocks noGrp="1" noRot="1" noChangeAspect="1" noMove="1" noResize="1" noEditPoints="1" noAdjustHandles="1" noChangeArrowheads="1" noChangeShapeType="1" noCrop="1"/>
+          </p:cNvPicPr>
+          <p:nvPr>
+            <p:extLst>
+              <p:ext uri="{386F3935-93C4-4BCD-93E2-E3B085C9AB24}">
+                <p16:designElem xmlns:p16="http://schemas.microsoft.com/office/powerpoint/2015/main" val="1"/>
+              </p:ext>
+            </p:extLst>
+          </p:nvPr>
+        </p:nvPicPr>
+        <p:blipFill>
+          <a:blip r:embed="rId2">
+            <a:alphaModFix amt="10000"/>
+            <a:extLst>
+              <a:ext uri="{28A0092B-C50C-407E-A947-70E740481C1C}">
+                <a14:useLocalDpi xmlns:a14="http://schemas.microsoft.com/office/drawing/2010/main" val="0"/>
+              </a:ext>
+            </a:extLst>
+          </a:blip>
+          <a:stretch>
+            <a:fillRect/>
+          </a:stretch>
+        </p:blipFill>
+        <p:spPr>
+          <a:xfrm>
+            <a:off x="0" y="0"/>
+            <a:ext cx="12192000" cy="6858000"/>
+          </a:xfrm>
+          <a:prstGeom prst="rect">
+            <a:avLst/>
+          </a:prstGeom>
+        </p:spPr>
+      </p:pic>
+      <p:pic>
+        <p:nvPicPr>
+          <p:cNvPr id="73" name="Picture 72">
+            <a:extLst>
+              <a:ext uri="{FF2B5EF4-FFF2-40B4-BE49-F238E27FC236}">
+                <a16:creationId xmlns:a16="http://schemas.microsoft.com/office/drawing/2014/main" id="{C56FCE19-3103-4473-A92E-E38D00FCD006}"/>
+              </a:ext>
+              <a:ext uri="{C183D7F6-B498-43B3-948B-1728B52AA6E4}">
+                <adec:decorative xmlns:adec="http://schemas.microsoft.com/office/drawing/2017/decorative" val="1"/>
+              </a:ext>
+            </a:extLst>
+          </p:cNvPr>
+          <p:cNvPicPr>
+            <a:picLocks noGrp="1" noRot="1" noChangeAspect="1" noMove="1" noResize="1" noEditPoints="1" noAdjustHandles="1" noChangeArrowheads="1" noChangeShapeType="1" noCrop="1"/>
+          </p:cNvPicPr>
+          <p:nvPr>
+            <p:extLst>
+              <p:ext uri="{386F3935-93C4-4BCD-93E2-E3B085C9AB24}">
+                <p16:designElem xmlns:p16="http://schemas.microsoft.com/office/powerpoint/2015/main" val="1"/>
+              </p:ext>
+            </p:extLst>
+          </p:nvPr>
+        </p:nvPicPr>
+        <p:blipFill>
+          <a:blip r:embed="rId3">
+            <a:extLst>
+              <a:ext uri="{28A0092B-C50C-407E-A947-70E740481C1C}">
+                <a14:useLocalDpi xmlns:a14="http://schemas.microsoft.com/office/drawing/2010/main" val="0"/>
+              </a:ext>
+            </a:extLst>
+          </a:blip>
+          <a:stretch>
+            <a:fillRect/>
+          </a:stretch>
+        </p:blipFill>
+        <p:spPr>
+          <a:xfrm>
+            <a:off x="1" y="1970240"/>
+            <a:ext cx="10437812" cy="321164"/>
+          </a:xfrm>
+          <a:prstGeom prst="rect">
+            <a:avLst/>
+          </a:prstGeom>
+        </p:spPr>
+      </p:pic>
+      <p:pic>
+        <p:nvPicPr>
+          <p:cNvPr id="75" name="Picture 74">
+            <a:extLst>
+              <a:ext uri="{FF2B5EF4-FFF2-40B4-BE49-F238E27FC236}">
+                <a16:creationId xmlns:a16="http://schemas.microsoft.com/office/drawing/2014/main" id="{E909C556-FC01-4870-ABC0-8D5C17BD0F3D}"/>
+              </a:ext>
+              <a:ext uri="{C183D7F6-B498-43B3-948B-1728B52AA6E4}">
+                <adec:decorative xmlns:adec="http://schemas.microsoft.com/office/drawing/2017/decorative" val="1"/>
+              </a:ext>
+            </a:extLst>
+          </p:cNvPr>
+          <p:cNvPicPr>
+            <a:picLocks noGrp="1" noRot="1" noChangeAspect="1" noMove="1" noResize="1" noEditPoints="1" noAdjustHandles="1" noChangeArrowheads="1" noChangeShapeType="1" noCrop="1"/>
+          </p:cNvPicPr>
+          <p:nvPr>
+            <p:extLst>
+              <p:ext uri="{386F3935-93C4-4BCD-93E2-E3B085C9AB24}">
+                <p16:designElem xmlns:p16="http://schemas.microsoft.com/office/powerpoint/2015/main" val="1"/>
+              </p:ext>
+            </p:extLst>
+          </p:nvPr>
+        </p:nvPicPr>
+        <p:blipFill>
+          <a:blip r:embed="rId4" cstate="print">
+            <a:extLst>
+              <a:ext uri="{28A0092B-C50C-407E-A947-70E740481C1C}">
+                <a14:useLocalDpi xmlns:a14="http://schemas.microsoft.com/office/drawing/2010/main" val="0"/>
+              </a:ext>
+            </a:extLst>
+          </a:blip>
+          <a:stretch>
+            <a:fillRect/>
+          </a:stretch>
+        </p:blipFill>
+        <p:spPr>
+          <a:xfrm>
+            <a:off x="10585826" y="1971234"/>
+            <a:ext cx="1602997" cy="144270"/>
+          </a:xfrm>
+          <a:prstGeom prst="rect">
+            <a:avLst/>
+          </a:prstGeom>
+        </p:spPr>
+      </p:pic>
+      <p:sp>
+        <p:nvSpPr>
+          <p:cNvPr id="77" name="Rectangle 76">
+            <a:extLst>
+              <a:ext uri="{FF2B5EF4-FFF2-40B4-BE49-F238E27FC236}">
+                <a16:creationId xmlns:a16="http://schemas.microsoft.com/office/drawing/2014/main" id="{C6DB8A24-0DF2-4AB3-9191-C02AB6937C1F}"/>
+              </a:ext>
+              <a:ext uri="{C183D7F6-B498-43B3-948B-1728B52AA6E4}">
+                <adec:decorative xmlns:adec="http://schemas.microsoft.com/office/drawing/2017/decorative" val="1"/>
+              </a:ext>
+            </a:extLst>
+          </p:cNvPr>
+          <p:cNvSpPr>
+            <a:spLocks noGrp="1" noRot="1" noChangeAspect="1" noMove="1" noResize="1" noEditPoints="1" noAdjustHandles="1" noChangeArrowheads="1" noChangeShapeType="1" noTextEdit="1"/>
+          </p:cNvSpPr>
+          <p:nvPr>
+            <p:extLst>
+              <p:ext uri="{386F3935-93C4-4BCD-93E2-E3B085C9AB24}">
+                <p16:designElem xmlns:p16="http://schemas.microsoft.com/office/powerpoint/2015/main" val="1"/>
+              </p:ext>
+            </p:extLst>
+          </p:nvPr>
+        </p:nvSpPr>
+        <p:spPr>
+          <a:xfrm>
+            <a:off x="0" y="609600"/>
+            <a:ext cx="10437812" cy="1368198"/>
+          </a:xfrm>
+          <a:prstGeom prst="rect">
+            <a:avLst/>
+          </a:prstGeom>
+          <a:solidFill>
+            <a:schemeClr val="bg1">
+              <a:lumMod val="85000"/>
+              <a:lumOff val="15000"/>
+            </a:schemeClr>
+          </a:solidFill>
+          <a:ln>
+            <a:noFill/>
+          </a:ln>
+        </p:spPr>
+        <p:style>
+          <a:lnRef idx="2">
+            <a:schemeClr val="accent1">
+              <a:shade val="50000"/>
+            </a:schemeClr>
+          </a:lnRef>
+          <a:fillRef idx="1">
+            <a:schemeClr val="accent1"/>
+          </a:fillRef>
+          <a:effectRef idx="0">
+            <a:schemeClr val="accent1"/>
+          </a:effectRef>
+          <a:fontRef idx="minor">
+            <a:schemeClr val="lt1"/>
+          </a:fontRef>
+        </p:style>
+      </p:sp>
+      <p:sp>
+        <p:nvSpPr>
+          <p:cNvPr id="79" name="Rectangle 78">
+            <a:extLst>
+              <a:ext uri="{FF2B5EF4-FFF2-40B4-BE49-F238E27FC236}">
+                <a16:creationId xmlns:a16="http://schemas.microsoft.com/office/drawing/2014/main" id="{6924F406-F250-4FCF-A28E-52F364A5AA1D}"/>
+              </a:ext>
+              <a:ext uri="{C183D7F6-B498-43B3-948B-1728B52AA6E4}">
+                <adec:decorative xmlns:adec="http://schemas.microsoft.com/office/drawing/2017/decorative" val="1"/>
+              </a:ext>
+            </a:extLst>
+          </p:cNvPr>
+          <p:cNvSpPr>
+            <a:spLocks noGrp="1" noRot="1" noChangeAspect="1" noMove="1" noResize="1" noEditPoints="1" noAdjustHandles="1" noChangeArrowheads="1" noChangeShapeType="1" noTextEdit="1"/>
+          </p:cNvSpPr>
+          <p:nvPr>
+            <p:extLst>
+              <p:ext uri="{386F3935-93C4-4BCD-93E2-E3B085C9AB24}">
+                <p16:designElem xmlns:p16="http://schemas.microsoft.com/office/powerpoint/2015/main" val="1"/>
+              </p:ext>
+            </p:extLst>
+          </p:nvPr>
+        </p:nvSpPr>
+        <p:spPr>
+          <a:xfrm>
+            <a:off x="10585827" y="609600"/>
+            <a:ext cx="1602997" cy="1368198"/>
+          </a:xfrm>
+          <a:prstGeom prst="rect">
+            <a:avLst/>
+          </a:prstGeom>
+          <a:solidFill>
+            <a:schemeClr val="accent1"/>
+          </a:solidFill>
+          <a:ln>
+            <a:noFill/>
+          </a:ln>
+        </p:spPr>
+        <p:style>
+          <a:lnRef idx="2">
+            <a:schemeClr val="accent1">
+              <a:shade val="50000"/>
+            </a:schemeClr>
+          </a:lnRef>
+          <a:fillRef idx="1">
+            <a:schemeClr val="accent1"/>
+          </a:fillRef>
+          <a:effectRef idx="0">
+            <a:schemeClr val="accent1"/>
+          </a:effectRef>
+          <a:fontRef idx="minor">
+            <a:schemeClr val="lt1"/>
+          </a:fontRef>
+        </p:style>
+      </p:sp>
+      <p:sp useBgFill="1">
+        <p:nvSpPr>
+          <p:cNvPr id="81" name="Rectangle 80">
+            <a:extLst>
+              <a:ext uri="{FF2B5EF4-FFF2-40B4-BE49-F238E27FC236}">
+                <a16:creationId xmlns:a16="http://schemas.microsoft.com/office/drawing/2014/main" id="{17341052-73F2-435C-A1F0-70961D11B477}"/>
+              </a:ext>
+              <a:ext uri="{C183D7F6-B498-43B3-948B-1728B52AA6E4}">
+                <adec:decorative xmlns:adec="http://schemas.microsoft.com/office/drawing/2017/decorative" val="1"/>
+              </a:ext>
+            </a:extLst>
+          </p:cNvPr>
+          <p:cNvSpPr>
+            <a:spLocks noGrp="1" noRot="1" noChangeAspect="1" noMove="1" noResize="1" noEditPoints="1" noAdjustHandles="1" noChangeArrowheads="1" noChangeShapeType="1" noTextEdit="1"/>
+          </p:cNvSpPr>
+          <p:nvPr>
+            <p:extLst>
+              <p:ext uri="{386F3935-93C4-4BCD-93E2-E3B085C9AB24}">
+                <p16:designElem xmlns:p16="http://schemas.microsoft.com/office/powerpoint/2015/main" val="1"/>
+              </p:ext>
+            </p:extLst>
+          </p:nvPr>
+        </p:nvSpPr>
+        <p:spPr>
+          <a:xfrm>
+            <a:off x="0" y="-1"/>
+            <a:ext cx="12188824" cy="6858001"/>
+          </a:xfrm>
+          <a:prstGeom prst="rect">
+            <a:avLst/>
+          </a:prstGeom>
+          <a:ln>
+            <a:noFill/>
+          </a:ln>
+        </p:spPr>
+        <p:style>
+          <a:lnRef idx="2">
+            <a:schemeClr val="accent1">
+              <a:shade val="50000"/>
+            </a:schemeClr>
+          </a:lnRef>
+          <a:fillRef idx="1">
+            <a:schemeClr val="accent1"/>
+          </a:fillRef>
+          <a:effectRef idx="0">
+            <a:schemeClr val="accent1"/>
+          </a:effectRef>
+          <a:fontRef idx="minor">
+            <a:schemeClr val="lt1"/>
+          </a:fontRef>
+        </p:style>
+        <p:txBody>
+          <a:bodyPr rtlCol="0" anchor="ctr"/>
+          <a:lstStyle/>
+          <a:p>
+            <a:pPr algn="ctr"/>
+            <a:endParaRPr lang="en-US"/>
+          </a:p>
+        </p:txBody>
+      </p:sp>
+      <p:pic>
+        <p:nvPicPr>
+          <p:cNvPr id="8194" name="Picture 2" descr="https://upload.wikimedia.org/wikipedia/commons/0/04/Dalton_and_Cleo_Trumbo_%281947_HUAC_hearings%29.png">
+            <a:extLst>
+              <a:ext uri="{FF2B5EF4-FFF2-40B4-BE49-F238E27FC236}">
+                <a16:creationId xmlns:a16="http://schemas.microsoft.com/office/drawing/2014/main" id="{7B179B32-F624-42DE-BD4D-E0ACF1665E24}"/>
+              </a:ext>
+            </a:extLst>
+          </p:cNvPr>
+          <p:cNvPicPr>
+            <a:picLocks noGrp="1" noChangeAspect="1" noChangeArrowheads="1"/>
+          </p:cNvPicPr>
+          <p:nvPr>
+            <p:ph sz="half" idx="2"/>
+          </p:nvPr>
+        </p:nvPicPr>
+        <p:blipFill rotWithShape="1">
+          <a:blip r:embed="rId5">
+            <a:alphaModFix amt="15000"/>
+            <a:grayscl/>
+            <a:extLst>
+              <a:ext uri="{28A0092B-C50C-407E-A947-70E740481C1C}">
+                <a14:useLocalDpi xmlns:a14="http://schemas.microsoft.com/office/drawing/2010/main" val="0"/>
+              </a:ext>
+            </a:extLst>
+          </a:blip>
+          <a:srcRect b="38350"/>
+          <a:stretch/>
+        </p:blipFill>
+        <p:spPr bwMode="auto">
+          <a:xfrm>
+            <a:off x="70831" y="609600"/>
+            <a:ext cx="12192000" cy="6248400"/>
+          </a:xfrm>
+          <a:prstGeom prst="rect">
+            <a:avLst/>
+          </a:prstGeom>
+          <a:noFill/>
+          <a:extLst>
+            <a:ext uri="{909E8E84-426E-40DD-AFC4-6F175D3DCCD1}">
+              <a14:hiddenFill xmlns:a14="http://schemas.microsoft.com/office/drawing/2010/main">
+                <a:solidFill>
+                  <a:srgbClr val="FFFFFF"/>
+                </a:solidFill>
+              </a14:hiddenFill>
+            </a:ext>
+          </a:extLst>
+        </p:spPr>
+      </p:pic>
+      <p:pic>
+        <p:nvPicPr>
+          <p:cNvPr id="83" name="Picture 82">
+            <a:extLst>
+              <a:ext uri="{FF2B5EF4-FFF2-40B4-BE49-F238E27FC236}">
+                <a16:creationId xmlns:a16="http://schemas.microsoft.com/office/drawing/2014/main" id="{A4D2D0F6-68B7-4A2F-B80D-B3AAC1F4DC24}"/>
+              </a:ext>
+              <a:ext uri="{C183D7F6-B498-43B3-948B-1728B52AA6E4}">
+                <adec:decorative xmlns:adec="http://schemas.microsoft.com/office/drawing/2017/decorative" val="1"/>
+              </a:ext>
+            </a:extLst>
+          </p:cNvPr>
+          <p:cNvPicPr>
+            <a:picLocks noGrp="1" noRot="1" noChangeAspect="1" noMove="1" noResize="1" noEditPoints="1" noAdjustHandles="1" noChangeArrowheads="1" noChangeShapeType="1" noCrop="1"/>
+          </p:cNvPicPr>
+          <p:nvPr>
+            <p:extLst>
+              <p:ext uri="{386F3935-93C4-4BCD-93E2-E3B085C9AB24}">
+                <p16:designElem xmlns:p16="http://schemas.microsoft.com/office/powerpoint/2015/main" val="1"/>
+              </p:ext>
+            </p:extLst>
+          </p:nvPr>
+        </p:nvPicPr>
+        <p:blipFill>
+          <a:blip r:embed="rId3">
+            <a:extLst>
+              <a:ext uri="{28A0092B-C50C-407E-A947-70E740481C1C}">
+                <a14:useLocalDpi xmlns:a14="http://schemas.microsoft.com/office/drawing/2010/main" val="0"/>
+              </a:ext>
+            </a:extLst>
+          </a:blip>
+          <a:stretch>
+            <a:fillRect/>
+          </a:stretch>
+        </p:blipFill>
+        <p:spPr>
+          <a:xfrm>
+            <a:off x="1" y="1970240"/>
+            <a:ext cx="10437812" cy="321164"/>
+          </a:xfrm>
+          <a:prstGeom prst="rect">
+            <a:avLst/>
+          </a:prstGeom>
+        </p:spPr>
+      </p:pic>
+      <p:sp>
+        <p:nvSpPr>
+          <p:cNvPr id="85" name="Rectangle 84">
+            <a:extLst>
+              <a:ext uri="{FF2B5EF4-FFF2-40B4-BE49-F238E27FC236}">
+                <a16:creationId xmlns:a16="http://schemas.microsoft.com/office/drawing/2014/main" id="{A0BCEF11-98AA-4EF8-91CF-8146F647932B}"/>
+              </a:ext>
+              <a:ext uri="{C183D7F6-B498-43B3-948B-1728B52AA6E4}">
+                <adec:decorative xmlns:adec="http://schemas.microsoft.com/office/drawing/2017/decorative" val="1"/>
+              </a:ext>
+            </a:extLst>
+          </p:cNvPr>
+          <p:cNvSpPr>
+            <a:spLocks noGrp="1" noRot="1" noChangeAspect="1" noMove="1" noResize="1" noEditPoints="1" noAdjustHandles="1" noChangeArrowheads="1" noChangeShapeType="1" noTextEdit="1"/>
+          </p:cNvSpPr>
+          <p:nvPr>
+            <p:extLst>
+              <p:ext uri="{386F3935-93C4-4BCD-93E2-E3B085C9AB24}">
+                <p16:designElem xmlns:p16="http://schemas.microsoft.com/office/powerpoint/2015/main" val="1"/>
+              </p:ext>
+            </p:extLst>
+          </p:nvPr>
+        </p:nvSpPr>
+        <p:spPr bwMode="grayWhite">
+          <a:xfrm>
+            <a:off x="0" y="609600"/>
+            <a:ext cx="10437812" cy="1368198"/>
+          </a:xfrm>
+          <a:prstGeom prst="rect">
+            <a:avLst/>
+          </a:prstGeom>
+          <a:solidFill>
+            <a:schemeClr val="bg1">
+              <a:lumMod val="95000"/>
+              <a:lumOff val="5000"/>
+              <a:alpha val="90000"/>
+            </a:schemeClr>
+          </a:solidFill>
+          <a:ln>
+            <a:noFill/>
+          </a:ln>
+        </p:spPr>
+        <p:style>
+          <a:lnRef idx="2">
+            <a:schemeClr val="accent1">
+              <a:shade val="50000"/>
+            </a:schemeClr>
+          </a:lnRef>
+          <a:fillRef idx="1">
+            <a:schemeClr val="accent1"/>
+          </a:fillRef>
+          <a:effectRef idx="0">
+            <a:schemeClr val="accent1"/>
+          </a:effectRef>
+          <a:fontRef idx="minor">
+            <a:schemeClr val="lt1"/>
+          </a:fontRef>
+        </p:style>
+      </p:sp>
       <p:sp>
         <p:nvSpPr>
           <p:cNvPr id="2" name="Titel 1">
             <a:extLst>
               <a:ext uri="{FF2B5EF4-FFF2-40B4-BE49-F238E27FC236}">
-                <a16:creationId xmlns:a16="http://schemas.microsoft.com/office/drawing/2014/main" id="{544C5491-5FE9-4087-9303-86003FC7F47C}"/>
+                <a16:creationId xmlns:a16="http://schemas.microsoft.com/office/drawing/2014/main" id="{ACE5C7F9-2B9B-48B8-B675-6EA7F6C07504}"/>
               </a:ext>
             </a:extLst>
           </p:cNvPr>
@@ -8138,97 +8641,252 @@
             <p:ph type="title"/>
           </p:nvPr>
         </p:nvSpPr>
-        <p:spPr/>
-        <p:txBody>
-          <a:bodyPr/>
+        <p:spPr>
+          <a:xfrm>
+            <a:off x="680321" y="753228"/>
+            <a:ext cx="9613861" cy="1080938"/>
+          </a:xfrm>
+        </p:spPr>
+        <p:txBody>
+          <a:bodyPr vert="horz" lIns="91440" tIns="45720" rIns="91440" bIns="45720" rtlCol="0" anchor="ctr">
+            <a:normAutofit/>
+          </a:bodyPr>
           <a:lstStyle/>
           <a:p>
             <a:r>
+              <a:rPr lang="en-US"/>
+              <a:t>Schlusswort</a:t>
+            </a:r>
+          </a:p>
+        </p:txBody>
+      </p:sp>
+      <p:pic>
+        <p:nvPicPr>
+          <p:cNvPr id="87" name="Picture 86">
+            <a:extLst>
+              <a:ext uri="{FF2B5EF4-FFF2-40B4-BE49-F238E27FC236}">
+                <a16:creationId xmlns:a16="http://schemas.microsoft.com/office/drawing/2014/main" id="{DB816C00-E2A2-4A28-A8CB-2E9E10E9FDF7}"/>
+              </a:ext>
+              <a:ext uri="{C183D7F6-B498-43B3-948B-1728B52AA6E4}">
+                <adec:decorative xmlns:adec="http://schemas.microsoft.com/office/drawing/2017/decorative" val="1"/>
+              </a:ext>
+            </a:extLst>
+          </p:cNvPr>
+          <p:cNvPicPr>
+            <a:picLocks noGrp="1" noRot="1" noChangeAspect="1" noMove="1" noResize="1" noEditPoints="1" noAdjustHandles="1" noChangeArrowheads="1" noChangeShapeType="1" noCrop="1"/>
+          </p:cNvPicPr>
+          <p:nvPr>
+            <p:extLst>
+              <p:ext uri="{386F3935-93C4-4BCD-93E2-E3B085C9AB24}">
+                <p16:designElem xmlns:p16="http://schemas.microsoft.com/office/powerpoint/2015/main" val="1"/>
+              </p:ext>
+            </p:extLst>
+          </p:nvPr>
+        </p:nvPicPr>
+        <p:blipFill>
+          <a:blip r:embed="rId4" cstate="print">
+            <a:extLst>
+              <a:ext uri="{28A0092B-C50C-407E-A947-70E740481C1C}">
+                <a14:useLocalDpi xmlns:a14="http://schemas.microsoft.com/office/drawing/2010/main" val="0"/>
+              </a:ext>
+            </a:extLst>
+          </a:blip>
+          <a:stretch>
+            <a:fillRect/>
+          </a:stretch>
+        </p:blipFill>
+        <p:spPr>
+          <a:xfrm>
+            <a:off x="10585826" y="1971234"/>
+            <a:ext cx="1602997" cy="144270"/>
+          </a:xfrm>
+          <a:prstGeom prst="rect">
+            <a:avLst/>
+          </a:prstGeom>
+        </p:spPr>
+      </p:pic>
+      <p:sp>
+        <p:nvSpPr>
+          <p:cNvPr id="89" name="Rectangle 88">
+            <a:extLst>
+              <a:ext uri="{FF2B5EF4-FFF2-40B4-BE49-F238E27FC236}">
+                <a16:creationId xmlns:a16="http://schemas.microsoft.com/office/drawing/2014/main" id="{B2892C6A-FAAA-49A9-B836-6ECC4D48D7E8}"/>
+              </a:ext>
+              <a:ext uri="{C183D7F6-B498-43B3-948B-1728B52AA6E4}">
+                <adec:decorative xmlns:adec="http://schemas.microsoft.com/office/drawing/2017/decorative" val="1"/>
+              </a:ext>
+            </a:extLst>
+          </p:cNvPr>
+          <p:cNvSpPr>
+            <a:spLocks noGrp="1" noRot="1" noChangeAspect="1" noMove="1" noResize="1" noEditPoints="1" noAdjustHandles="1" noChangeArrowheads="1" noChangeShapeType="1" noTextEdit="1"/>
+          </p:cNvSpPr>
+          <p:nvPr>
+            <p:extLst>
+              <p:ext uri="{386F3935-93C4-4BCD-93E2-E3B085C9AB24}">
+                <p16:designElem xmlns:p16="http://schemas.microsoft.com/office/powerpoint/2015/main" val="1"/>
+              </p:ext>
+            </p:extLst>
+          </p:nvPr>
+        </p:nvSpPr>
+        <p:spPr>
+          <a:xfrm>
+            <a:off x="10585827" y="609600"/>
+            <a:ext cx="1602997" cy="1368198"/>
+          </a:xfrm>
+          <a:prstGeom prst="rect">
+            <a:avLst/>
+          </a:prstGeom>
+          <a:solidFill>
+            <a:schemeClr val="accent1"/>
+          </a:solidFill>
+          <a:ln>
+            <a:noFill/>
+          </a:ln>
+        </p:spPr>
+        <p:style>
+          <a:lnRef idx="2">
+            <a:schemeClr val="accent1">
+              <a:shade val="50000"/>
+            </a:schemeClr>
+          </a:lnRef>
+          <a:fillRef idx="1">
+            <a:schemeClr val="accent1"/>
+          </a:fillRef>
+          <a:effectRef idx="0">
+            <a:schemeClr val="accent1"/>
+          </a:effectRef>
+          <a:fontRef idx="minor">
+            <a:schemeClr val="lt1"/>
+          </a:fontRef>
+        </p:style>
+      </p:sp>
+      <p:sp>
+        <p:nvSpPr>
+          <p:cNvPr id="3" name="Inhaltsplatzhalter 2">
+            <a:extLst>
+              <a:ext uri="{FF2B5EF4-FFF2-40B4-BE49-F238E27FC236}">
+                <a16:creationId xmlns:a16="http://schemas.microsoft.com/office/drawing/2014/main" id="{D91EB4F9-283E-4423-AD51-8BCF16B8D54F}"/>
+              </a:ext>
+            </a:extLst>
+          </p:cNvPr>
+          <p:cNvSpPr>
+            <a:spLocks noGrp="1"/>
+          </p:cNvSpPr>
+          <p:nvPr>
+            <p:ph sz="half" idx="1"/>
+          </p:nvPr>
+        </p:nvSpPr>
+        <p:spPr>
+          <a:xfrm>
+            <a:off x="680321" y="2336873"/>
+            <a:ext cx="9613861" cy="3087383"/>
+          </a:xfrm>
+        </p:spPr>
+        <p:txBody>
+          <a:bodyPr vert="horz" lIns="91440" tIns="45720" rIns="91440" bIns="45720" rtlCol="0" anchor="ctr">
+            <a:normAutofit/>
+          </a:bodyPr>
+          <a:lstStyle/>
+          <a:p>
+            <a:r>
               <a:rPr lang="de-CH" dirty="0"/>
-              <a:t>Das Ende des McCarthyismus</a:t>
-            </a:r>
-          </a:p>
-        </p:txBody>
-      </p:sp>
-      <p:sp>
-        <p:nvSpPr>
-          <p:cNvPr id="3" name="Inhaltsplatzhalter 2">
+              <a:t>Verurteilung ohne Beweise</a:t>
+            </a:r>
+          </a:p>
+          <a:p>
+            <a:r>
+              <a:rPr lang="de-CH" dirty="0"/>
+              <a:t>Tausende Leben ruiniert</a:t>
+            </a:r>
+          </a:p>
+          <a:p>
+            <a:r>
+              <a:rPr lang="de-CH" dirty="0"/>
+              <a:t>Einschränkung der Meinungsfreiheit</a:t>
+            </a:r>
+          </a:p>
+          <a:p>
+            <a:r>
+              <a:rPr lang="de-CH" dirty="0"/>
+              <a:t>Bevölkerung spielte eine grosse Rolle</a:t>
+            </a:r>
+          </a:p>
+        </p:txBody>
+      </p:sp>
+      <p:sp>
+        <p:nvSpPr>
+          <p:cNvPr id="16" name="Textfeld 15">
             <a:extLst>
               <a:ext uri="{FF2B5EF4-FFF2-40B4-BE49-F238E27FC236}">
-                <a16:creationId xmlns:a16="http://schemas.microsoft.com/office/drawing/2014/main" id="{A6E42750-9CAE-465D-8898-4C2BAEE625AA}"/>
+                <a16:creationId xmlns:a16="http://schemas.microsoft.com/office/drawing/2014/main" id="{FDD8FF1F-3E71-4748-81E4-5439F8964BB2}"/>
               </a:ext>
             </a:extLst>
           </p:cNvPr>
-          <p:cNvSpPr>
-            <a:spLocks noGrp="1"/>
-          </p:cNvSpPr>
-          <p:nvPr>
-            <p:ph sz="half" idx="1"/>
-          </p:nvPr>
-        </p:nvSpPr>
-        <p:spPr/>
-        <p:txBody>
-          <a:bodyPr/>
+          <p:cNvSpPr txBox="1"/>
+          <p:nvPr/>
+        </p:nvSpPr>
+        <p:spPr>
+          <a:xfrm>
+            <a:off x="0" y="6460805"/>
+            <a:ext cx="2043953" cy="369332"/>
+          </a:xfrm>
+          <a:prstGeom prst="rect">
+            <a:avLst/>
+          </a:prstGeom>
+          <a:noFill/>
+        </p:spPr>
+        <p:txBody>
+          <a:bodyPr wrap="square" rtlCol="0">
+            <a:spAutoFit/>
+          </a:bodyPr>
           <a:lstStyle/>
           <a:p>
             <a:r>
               <a:rPr lang="de-CH" dirty="0"/>
-              <a:t>1945 Vorladung hochrangiger Armee Mitglieder</a:t>
-            </a:r>
-          </a:p>
-          <a:p>
-            <a:r>
-              <a:rPr lang="de-CH" dirty="0" err="1"/>
-              <a:t>Krititik</a:t>
-            </a:r>
+              <a:t>Quellen 1,3</a:t>
+            </a:r>
+          </a:p>
+        </p:txBody>
+      </p:sp>
+      <p:sp>
+        <p:nvSpPr>
+          <p:cNvPr id="17" name="Textfeld 16">
+            <a:extLst>
+              <a:ext uri="{FF2B5EF4-FFF2-40B4-BE49-F238E27FC236}">
+                <a16:creationId xmlns:a16="http://schemas.microsoft.com/office/drawing/2014/main" id="{05A44316-3212-4491-8698-34AAC882F0C1}"/>
+              </a:ext>
+            </a:extLst>
+          </p:cNvPr>
+          <p:cNvSpPr txBox="1"/>
+          <p:nvPr/>
+        </p:nvSpPr>
+        <p:spPr>
+          <a:xfrm>
+            <a:off x="11082661" y="6488668"/>
+            <a:ext cx="1038508" cy="369332"/>
+          </a:xfrm>
+          <a:prstGeom prst="rect">
+            <a:avLst/>
+          </a:prstGeom>
+          <a:noFill/>
+        </p:spPr>
+        <p:txBody>
+          <a:bodyPr wrap="square" rtlCol="0">
+            <a:spAutoFit/>
+          </a:bodyPr>
+          <a:lstStyle/>
+          <a:p>
             <a:r>
               <a:rPr lang="de-CH" dirty="0"/>
-              <a:t> an McCarthy aus dem Fernsehen</a:t>
-            </a:r>
-          </a:p>
-          <a:p>
-            <a:r>
-              <a:rPr lang="de-CH" dirty="0"/>
-              <a:t>Antrag entmachtet McCarthy</a:t>
-            </a:r>
-          </a:p>
-          <a:p>
-            <a:r>
-              <a:rPr lang="de-CH" dirty="0"/>
-              <a:t>HUAC verliert über Zeit an Bedeutung</a:t>
-            </a:r>
-          </a:p>
-        </p:txBody>
-      </p:sp>
-      <p:sp>
-        <p:nvSpPr>
-          <p:cNvPr id="4" name="Inhaltsplatzhalter 3">
-            <a:extLst>
-              <a:ext uri="{FF2B5EF4-FFF2-40B4-BE49-F238E27FC236}">
-                <a16:creationId xmlns:a16="http://schemas.microsoft.com/office/drawing/2014/main" id="{B07D05E9-F050-454A-8C16-201206B3ADB7}"/>
-              </a:ext>
-            </a:extLst>
-          </p:cNvPr>
-          <p:cNvSpPr>
-            <a:spLocks noGrp="1"/>
-          </p:cNvSpPr>
-          <p:nvPr>
-            <p:ph sz="half" idx="2"/>
-          </p:nvPr>
-        </p:nvSpPr>
-        <p:spPr/>
-        <p:txBody>
-          <a:bodyPr/>
-          <a:lstStyle/>
-          <a:p>
-            <a:endParaRPr lang="de-CH"/>
+              <a:t>Abb.9</a:t>
+            </a:r>
           </a:p>
         </p:txBody>
       </p:sp>
     </p:spTree>
     <p:extLst>
       <p:ext uri="{BB962C8B-B14F-4D97-AF65-F5344CB8AC3E}">
-        <p14:creationId xmlns:p14="http://schemas.microsoft.com/office/powerpoint/2010/main" val="3720897668"/>
+        <p14:creationId xmlns:p14="http://schemas.microsoft.com/office/powerpoint/2010/main" val="2532099477"/>
       </p:ext>
     </p:extLst>
   </p:cSld>
@@ -8260,7 +8918,7 @@
           <p:cNvPr id="2" name="Titel 1">
             <a:extLst>
               <a:ext uri="{FF2B5EF4-FFF2-40B4-BE49-F238E27FC236}">
-                <a16:creationId xmlns:a16="http://schemas.microsoft.com/office/drawing/2014/main" id="{ACE5C7F9-2B9B-48B8-B675-6EA7F6C07504}"/>
+                <a16:creationId xmlns:a16="http://schemas.microsoft.com/office/drawing/2014/main" id="{667409F6-BA4C-4C89-BD13-FD046A61EC68}"/>
               </a:ext>
             </a:extLst>
           </p:cNvPr>
@@ -8278,7 +8936,7 @@
           <a:p>
             <a:r>
               <a:rPr lang="de-CH" dirty="0"/>
-              <a:t>Schlusswort</a:t>
+              <a:t>Literaturverzeichnis</a:t>
             </a:r>
           </a:p>
         </p:txBody>
@@ -8288,7 +8946,7 @@
           <p:cNvPr id="3" name="Inhaltsplatzhalter 2">
             <a:extLst>
               <a:ext uri="{FF2B5EF4-FFF2-40B4-BE49-F238E27FC236}">
-                <a16:creationId xmlns:a16="http://schemas.microsoft.com/office/drawing/2014/main" id="{D91EB4F9-283E-4423-AD51-8BCF16B8D54F}"/>
+                <a16:creationId xmlns:a16="http://schemas.microsoft.com/office/drawing/2014/main" id="{0A49C566-3DAD-4D61-960F-A6CECE1FEC30}"/>
               </a:ext>
             </a:extLst>
           </p:cNvPr>
@@ -8296,7 +8954,7 @@
             <a:spLocks noGrp="1"/>
           </p:cNvSpPr>
           <p:nvPr>
-            <p:ph sz="half" idx="1"/>
+            <p:ph idx="1"/>
           </p:nvPr>
         </p:nvSpPr>
         <p:spPr/>
@@ -8306,69 +8964,195 @@
           <a:p>
             <a:r>
               <a:rPr lang="de-CH" dirty="0"/>
-              <a:t>Meiste Verurteilung ohne Beweise</a:t>
+              <a:t>Quelle1: </a:t>
+            </a:r>
+            <a:r>
+              <a:rPr lang="en-US" dirty="0"/>
+              <a:t>https://de.wikipedia.org/wiki/McCarthy-%C3%84ra</a:t>
             </a:r>
           </a:p>
           <a:p>
             <a:r>
               <a:rPr lang="de-CH" dirty="0"/>
-              <a:t>Tausende Leben ruiniert</a:t>
-            </a:r>
+              <a:t>Quelle2: </a:t>
+            </a:r>
+            <a:r>
+              <a:rPr lang="en-US" dirty="0"/>
+              <a:t>https://en.wikipedia.org/wiki/McCarthyism</a:t>
+            </a:r>
+            <a:endParaRPr lang="de-CH" dirty="0"/>
           </a:p>
           <a:p>
             <a:r>
               <a:rPr lang="de-CH" dirty="0"/>
-              <a:t>Einschränkung der Meinungsfreiheit</a:t>
+              <a:t>Quelle3: https://www.youtube.com/watch?v=N35IugBYH04</a:t>
             </a:r>
           </a:p>
           <a:p>
             <a:r>
               <a:rPr lang="de-CH" dirty="0"/>
-              <a:t>Schaden an demokratischen Institutionen</a:t>
+              <a:t>Quelle4: https://www.duden.de/rechtschreibung/McCarthyismus</a:t>
             </a:r>
           </a:p>
           <a:p>
             <a:r>
               <a:rPr lang="de-CH" dirty="0"/>
-              <a:t>Bevölkerung spielte </a:t>
-            </a:r>
-            <a:r>
-              <a:rPr lang="de-CH"/>
-              <a:t>eine grosse Rolle</a:t>
-            </a:r>
-            <a:endParaRPr lang="de-CH" dirty="0"/>
-          </a:p>
-        </p:txBody>
-      </p:sp>
-      <p:sp>
-        <p:nvSpPr>
-          <p:cNvPr id="4" name="Inhaltsplatzhalter 3">
-            <a:extLst>
-              <a:ext uri="{FF2B5EF4-FFF2-40B4-BE49-F238E27FC236}">
-                <a16:creationId xmlns:a16="http://schemas.microsoft.com/office/drawing/2014/main" id="{81B5370F-7E39-4F43-98C2-6B2DF59B1646}"/>
-              </a:ext>
-            </a:extLst>
-          </p:cNvPr>
-          <p:cNvSpPr>
-            <a:spLocks noGrp="1"/>
-          </p:cNvSpPr>
-          <p:nvPr>
-            <p:ph sz="half" idx="2"/>
-          </p:nvPr>
-        </p:nvSpPr>
-        <p:spPr/>
-        <p:txBody>
-          <a:bodyPr/>
-          <a:lstStyle/>
-          <a:p>
-            <a:endParaRPr lang="de-CH"/>
+              <a:t>Quelle5: https://www.youtube.com/watch?v=nrrRu6Jb_Ug</a:t>
+            </a:r>
           </a:p>
         </p:txBody>
       </p:sp>
     </p:spTree>
     <p:extLst>
       <p:ext uri="{BB962C8B-B14F-4D97-AF65-F5344CB8AC3E}">
-        <p14:creationId xmlns:p14="http://schemas.microsoft.com/office/powerpoint/2010/main" val="2532099477"/>
+        <p14:creationId xmlns:p14="http://schemas.microsoft.com/office/powerpoint/2010/main" val="3119168149"/>
+      </p:ext>
+    </p:extLst>
+  </p:cSld>
+  <p:clrMapOvr>
+    <a:masterClrMapping/>
+  </p:clrMapOvr>
+</p:sld>
+</file>
+
+<file path=ppt/slides/slide12.xml><?xml version="1.0" encoding="utf-8"?>
+<p:sld xmlns:a="http://schemas.openxmlformats.org/drawingml/2006/main" xmlns:r="http://schemas.openxmlformats.org/officeDocument/2006/relationships" xmlns:p="http://schemas.openxmlformats.org/presentationml/2006/main">
+  <p:cSld>
+    <p:spTree>
+      <p:nvGrpSpPr>
+        <p:cNvPr id="1" name=""/>
+        <p:cNvGrpSpPr/>
+        <p:nvPr/>
+      </p:nvGrpSpPr>
+      <p:grpSpPr>
+        <a:xfrm>
+          <a:off x="0" y="0"/>
+          <a:ext cx="0" cy="0"/>
+          <a:chOff x="0" y="0"/>
+          <a:chExt cx="0" cy="0"/>
+        </a:xfrm>
+      </p:grpSpPr>
+      <p:sp>
+        <p:nvSpPr>
+          <p:cNvPr id="2" name="Titel 1">
+            <a:extLst>
+              <a:ext uri="{FF2B5EF4-FFF2-40B4-BE49-F238E27FC236}">
+                <a16:creationId xmlns:a16="http://schemas.microsoft.com/office/drawing/2014/main" id="{529DA98D-F1BE-4774-8712-F0B8EF943791}"/>
+              </a:ext>
+            </a:extLst>
+          </p:cNvPr>
+          <p:cNvSpPr>
+            <a:spLocks noGrp="1"/>
+          </p:cNvSpPr>
+          <p:nvPr>
+            <p:ph type="title"/>
+          </p:nvPr>
+        </p:nvSpPr>
+        <p:spPr/>
+        <p:txBody>
+          <a:bodyPr/>
+          <a:lstStyle/>
+          <a:p>
+            <a:r>
+              <a:rPr lang="de-CH" dirty="0"/>
+              <a:t>Abbildungsverzeichnis</a:t>
+            </a:r>
+          </a:p>
+        </p:txBody>
+      </p:sp>
+      <p:sp>
+        <p:nvSpPr>
+          <p:cNvPr id="3" name="Inhaltsplatzhalter 2">
+            <a:extLst>
+              <a:ext uri="{FF2B5EF4-FFF2-40B4-BE49-F238E27FC236}">
+                <a16:creationId xmlns:a16="http://schemas.microsoft.com/office/drawing/2014/main" id="{52834008-A688-49A8-AE3C-73B152FF3C11}"/>
+              </a:ext>
+            </a:extLst>
+          </p:cNvPr>
+          <p:cNvSpPr>
+            <a:spLocks noGrp="1"/>
+          </p:cNvSpPr>
+          <p:nvPr>
+            <p:ph idx="1"/>
+          </p:nvPr>
+        </p:nvSpPr>
+        <p:spPr>
+          <a:xfrm>
+            <a:off x="365760" y="2336873"/>
+            <a:ext cx="11370833" cy="3599316"/>
+          </a:xfrm>
+        </p:spPr>
+        <p:txBody>
+          <a:bodyPr>
+            <a:normAutofit fontScale="70000" lnSpcReduction="20000"/>
+          </a:bodyPr>
+          <a:lstStyle/>
+          <a:p>
+            <a:r>
+              <a:rPr lang="de-CH" dirty="0"/>
+              <a:t>Abb.1: http://www.amistadresource.org/LBimages/image_07_12_010_communism.jpg</a:t>
+            </a:r>
+          </a:p>
+          <a:p>
+            <a:r>
+              <a:rPr lang="de-CH" dirty="0"/>
+              <a:t>Abb.2: https://www.picclickimg.com/d/l400/pict/331314498518_/America-Anti-Socialism-1950%E2%80%99S-Era-Cold-War-Communist.jpg</a:t>
+            </a:r>
+          </a:p>
+          <a:p>
+            <a:r>
+              <a:rPr lang="de-CH" dirty="0"/>
+              <a:t>Abb.3: http://i1.wp.com/metrocosm.com/wp-content/uploads/2016/05/usa-immigration-percentage.png</a:t>
+            </a:r>
+          </a:p>
+          <a:p>
+            <a:r>
+              <a:rPr lang="de-CH" dirty="0"/>
+              <a:t>Abb.4: https://en.wikipedia.org/wiki/McCarthyism#/media/File:Dalton_and_Cleo_Trumbo_(1947_HUAC_hearings).png</a:t>
+            </a:r>
+          </a:p>
+          <a:p>
+            <a:r>
+              <a:rPr lang="de-CH" dirty="0"/>
+              <a:t>Abb.5: http://www.amistadresource.org/LBimages/image_07_12_010_communism.jpg</a:t>
+            </a:r>
+          </a:p>
+          <a:p>
+            <a:r>
+              <a:rPr lang="de-CH" dirty="0"/>
+              <a:t>Abb.6: https://upload.wikimedia.org/wikipedia/commons/thumb/b/b0/Hoover-JEdgar-LOC.jpg/800px-Hoover-JEdgar-LOC.jpg</a:t>
+            </a:r>
+          </a:p>
+          <a:p>
+            <a:r>
+              <a:rPr lang="de-CH" dirty="0"/>
+              <a:t>Abb.8: https://upload.wikimedia.org/wikipedia/commons/thumb/8/8b/Joseph_McCarthy_adjusted.jpg/220px-Joseph_McCarthy_adjusted.jpgAbb.9: https://ipswich.files.wordpress.com/2015/11/nytimes_mccarthy.png</a:t>
+            </a:r>
+          </a:p>
+          <a:p>
+            <a:r>
+              <a:rPr lang="de-CH" dirty="0"/>
+              <a:t>Abb.9: https://en.wikipedia.org/wiki/McCarthyism#/media/File:Dalton_and_Cleo_Trumbo_(1947_HUAC_hearings).pn</a:t>
+            </a:r>
+          </a:p>
+          <a:p>
+            <a:endParaRPr lang="de-CH" dirty="0"/>
+          </a:p>
+          <a:p>
+            <a:endParaRPr lang="de-CH" dirty="0"/>
+          </a:p>
+          <a:p>
+            <a:endParaRPr lang="de-CH" dirty="0"/>
+          </a:p>
+          <a:p>
+            <a:endParaRPr lang="de-CH" dirty="0"/>
+          </a:p>
+        </p:txBody>
+      </p:sp>
+    </p:spTree>
+    <p:extLst>
+      <p:ext uri="{BB962C8B-B14F-4D97-AF65-F5344CB8AC3E}">
+        <p14:creationId xmlns:p14="http://schemas.microsoft.com/office/powerpoint/2010/main" val="4183461242"/>
       </p:ext>
     </p:extLst>
   </p:cSld>
@@ -8503,6 +9287,41 @@
 <file path=ppt/slides/slide3.xml><?xml version="1.0" encoding="utf-8"?>
 <p:sld xmlns:a="http://schemas.openxmlformats.org/drawingml/2006/main" xmlns:r="http://schemas.openxmlformats.org/officeDocument/2006/relationships" xmlns:p="http://schemas.openxmlformats.org/presentationml/2006/main">
   <p:cSld>
+    <p:bg>
+      <p:bgPr>
+        <a:gradFill rotWithShape="1">
+          <a:gsLst>
+            <a:gs pos="0">
+              <a:schemeClr val="bg2">
+                <a:tint val="96000"/>
+                <a:shade val="100000"/>
+                <a:hueMod val="270000"/>
+                <a:satMod val="200000"/>
+                <a:lumMod val="128000"/>
+              </a:schemeClr>
+            </a:gs>
+            <a:gs pos="50000">
+              <a:schemeClr val="bg2">
+                <a:shade val="100000"/>
+                <a:hueMod val="100000"/>
+                <a:satMod val="110000"/>
+                <a:lumMod val="130000"/>
+              </a:schemeClr>
+            </a:gs>
+            <a:gs pos="100000">
+              <a:schemeClr val="bg2">
+                <a:shade val="78000"/>
+                <a:hueMod val="44000"/>
+                <a:satMod val="200000"/>
+                <a:lumMod val="69000"/>
+              </a:schemeClr>
+            </a:gs>
+          </a:gsLst>
+          <a:lin ang="2520000" scaled="0"/>
+        </a:gradFill>
+        <a:effectLst/>
+      </p:bgPr>
+    </p:bg>
     <p:spTree>
       <p:nvGrpSpPr>
         <p:cNvPr id="1" name=""/>
@@ -8517,6 +9336,479 @@
           <a:chExt cx="0" cy="0"/>
         </a:xfrm>
       </p:grpSpPr>
+      <p:pic>
+        <p:nvPicPr>
+          <p:cNvPr id="135" name="Picture 134">
+            <a:extLst>
+              <a:ext uri="{FF2B5EF4-FFF2-40B4-BE49-F238E27FC236}">
+                <a16:creationId xmlns:a16="http://schemas.microsoft.com/office/drawing/2014/main" id="{01A3CA1B-1530-4046-A299-90F41FE7FBFA}"/>
+              </a:ext>
+              <a:ext uri="{C183D7F6-B498-43B3-948B-1728B52AA6E4}">
+                <adec:decorative xmlns:adec="http://schemas.microsoft.com/office/drawing/2017/decorative" val="1"/>
+              </a:ext>
+            </a:extLst>
+          </p:cNvPr>
+          <p:cNvPicPr>
+            <a:picLocks noGrp="1" noRot="1" noChangeAspect="1" noMove="1" noResize="1" noEditPoints="1" noAdjustHandles="1" noChangeArrowheads="1" noChangeShapeType="1" noCrop="1"/>
+          </p:cNvPicPr>
+          <p:nvPr>
+            <p:extLst>
+              <p:ext uri="{386F3935-93C4-4BCD-93E2-E3B085C9AB24}">
+                <p16:designElem xmlns:p16="http://schemas.microsoft.com/office/powerpoint/2015/main" val="1"/>
+              </p:ext>
+            </p:extLst>
+          </p:nvPr>
+        </p:nvPicPr>
+        <p:blipFill>
+          <a:blip r:embed="rId2">
+            <a:alphaModFix amt="10000"/>
+            <a:extLst>
+              <a:ext uri="{28A0092B-C50C-407E-A947-70E740481C1C}">
+                <a14:useLocalDpi xmlns:a14="http://schemas.microsoft.com/office/drawing/2010/main" val="0"/>
+              </a:ext>
+            </a:extLst>
+          </a:blip>
+          <a:stretch>
+            <a:fillRect/>
+          </a:stretch>
+        </p:blipFill>
+        <p:spPr>
+          <a:xfrm>
+            <a:off x="0" y="0"/>
+            <a:ext cx="12192000" cy="6858000"/>
+          </a:xfrm>
+          <a:prstGeom prst="rect">
+            <a:avLst/>
+          </a:prstGeom>
+        </p:spPr>
+      </p:pic>
+      <p:pic>
+        <p:nvPicPr>
+          <p:cNvPr id="137" name="Picture 136">
+            <a:extLst>
+              <a:ext uri="{FF2B5EF4-FFF2-40B4-BE49-F238E27FC236}">
+                <a16:creationId xmlns:a16="http://schemas.microsoft.com/office/drawing/2014/main" id="{126A6064-3EEB-4D82-B8AB-85EC8287EF25}"/>
+              </a:ext>
+              <a:ext uri="{C183D7F6-B498-43B3-948B-1728B52AA6E4}">
+                <adec:decorative xmlns:adec="http://schemas.microsoft.com/office/drawing/2017/decorative" val="1"/>
+              </a:ext>
+            </a:extLst>
+          </p:cNvPr>
+          <p:cNvPicPr>
+            <a:picLocks noGrp="1" noRot="1" noChangeAspect="1" noMove="1" noResize="1" noEditPoints="1" noAdjustHandles="1" noChangeArrowheads="1" noChangeShapeType="1" noCrop="1"/>
+          </p:cNvPicPr>
+          <p:nvPr>
+            <p:extLst>
+              <p:ext uri="{386F3935-93C4-4BCD-93E2-E3B085C9AB24}">
+                <p16:designElem xmlns:p16="http://schemas.microsoft.com/office/powerpoint/2015/main" val="1"/>
+              </p:ext>
+            </p:extLst>
+          </p:nvPr>
+        </p:nvPicPr>
+        <p:blipFill>
+          <a:blip r:embed="rId3">
+            <a:extLst>
+              <a:ext uri="{28A0092B-C50C-407E-A947-70E740481C1C}">
+                <a14:useLocalDpi xmlns:a14="http://schemas.microsoft.com/office/drawing/2010/main" val="0"/>
+              </a:ext>
+            </a:extLst>
+          </a:blip>
+          <a:stretch>
+            <a:fillRect/>
+          </a:stretch>
+        </p:blipFill>
+        <p:spPr>
+          <a:xfrm>
+            <a:off x="1" y="1970240"/>
+            <a:ext cx="10437812" cy="321164"/>
+          </a:xfrm>
+          <a:prstGeom prst="rect">
+            <a:avLst/>
+          </a:prstGeom>
+        </p:spPr>
+      </p:pic>
+      <p:pic>
+        <p:nvPicPr>
+          <p:cNvPr id="139" name="Picture 138">
+            <a:extLst>
+              <a:ext uri="{FF2B5EF4-FFF2-40B4-BE49-F238E27FC236}">
+                <a16:creationId xmlns:a16="http://schemas.microsoft.com/office/drawing/2014/main" id="{70EB3F8A-0655-4D47-B546-F7EC731E02CF}"/>
+              </a:ext>
+              <a:ext uri="{C183D7F6-B498-43B3-948B-1728B52AA6E4}">
+                <adec:decorative xmlns:adec="http://schemas.microsoft.com/office/drawing/2017/decorative" val="1"/>
+              </a:ext>
+            </a:extLst>
+          </p:cNvPr>
+          <p:cNvPicPr>
+            <a:picLocks noGrp="1" noRot="1" noChangeAspect="1" noMove="1" noResize="1" noEditPoints="1" noAdjustHandles="1" noChangeArrowheads="1" noChangeShapeType="1" noCrop="1"/>
+          </p:cNvPicPr>
+          <p:nvPr>
+            <p:extLst>
+              <p:ext uri="{386F3935-93C4-4BCD-93E2-E3B085C9AB24}">
+                <p16:designElem xmlns:p16="http://schemas.microsoft.com/office/powerpoint/2015/main" val="1"/>
+              </p:ext>
+            </p:extLst>
+          </p:nvPr>
+        </p:nvPicPr>
+        <p:blipFill>
+          <a:blip r:embed="rId4" cstate="print">
+            <a:extLst>
+              <a:ext uri="{28A0092B-C50C-407E-A947-70E740481C1C}">
+                <a14:useLocalDpi xmlns:a14="http://schemas.microsoft.com/office/drawing/2010/main" val="0"/>
+              </a:ext>
+            </a:extLst>
+          </a:blip>
+          <a:stretch>
+            <a:fillRect/>
+          </a:stretch>
+        </p:blipFill>
+        <p:spPr>
+          <a:xfrm>
+            <a:off x="10585826" y="1971234"/>
+            <a:ext cx="1602997" cy="144270"/>
+          </a:xfrm>
+          <a:prstGeom prst="rect">
+            <a:avLst/>
+          </a:prstGeom>
+        </p:spPr>
+      </p:pic>
+      <p:sp>
+        <p:nvSpPr>
+          <p:cNvPr id="141" name="Rectangle 140">
+            <a:extLst>
+              <a:ext uri="{FF2B5EF4-FFF2-40B4-BE49-F238E27FC236}">
+                <a16:creationId xmlns:a16="http://schemas.microsoft.com/office/drawing/2014/main" id="{FC563705-9678-4052-A909-B5114B9A20BD}"/>
+              </a:ext>
+              <a:ext uri="{C183D7F6-B498-43B3-948B-1728B52AA6E4}">
+                <adec:decorative xmlns:adec="http://schemas.microsoft.com/office/drawing/2017/decorative" val="1"/>
+              </a:ext>
+            </a:extLst>
+          </p:cNvPr>
+          <p:cNvSpPr>
+            <a:spLocks noGrp="1" noRot="1" noChangeAspect="1" noMove="1" noResize="1" noEditPoints="1" noAdjustHandles="1" noChangeArrowheads="1" noChangeShapeType="1" noTextEdit="1"/>
+          </p:cNvSpPr>
+          <p:nvPr>
+            <p:extLst>
+              <p:ext uri="{386F3935-93C4-4BCD-93E2-E3B085C9AB24}">
+                <p16:designElem xmlns:p16="http://schemas.microsoft.com/office/powerpoint/2015/main" val="1"/>
+              </p:ext>
+            </p:extLst>
+          </p:nvPr>
+        </p:nvSpPr>
+        <p:spPr>
+          <a:xfrm>
+            <a:off x="0" y="609600"/>
+            <a:ext cx="10437812" cy="1368198"/>
+          </a:xfrm>
+          <a:prstGeom prst="rect">
+            <a:avLst/>
+          </a:prstGeom>
+          <a:solidFill>
+            <a:schemeClr val="bg1">
+              <a:lumMod val="85000"/>
+              <a:lumOff val="15000"/>
+            </a:schemeClr>
+          </a:solidFill>
+          <a:ln>
+            <a:noFill/>
+          </a:ln>
+        </p:spPr>
+        <p:style>
+          <a:lnRef idx="2">
+            <a:schemeClr val="accent1">
+              <a:shade val="50000"/>
+            </a:schemeClr>
+          </a:lnRef>
+          <a:fillRef idx="1">
+            <a:schemeClr val="accent1"/>
+          </a:fillRef>
+          <a:effectRef idx="0">
+            <a:schemeClr val="accent1"/>
+          </a:effectRef>
+          <a:fontRef idx="minor">
+            <a:schemeClr val="lt1"/>
+          </a:fontRef>
+        </p:style>
+      </p:sp>
+      <p:sp>
+        <p:nvSpPr>
+          <p:cNvPr id="143" name="Rectangle 142">
+            <a:extLst>
+              <a:ext uri="{FF2B5EF4-FFF2-40B4-BE49-F238E27FC236}">
+                <a16:creationId xmlns:a16="http://schemas.microsoft.com/office/drawing/2014/main" id="{22FEEF27-DE57-43BD-AD75-1F367403B6D4}"/>
+              </a:ext>
+              <a:ext uri="{C183D7F6-B498-43B3-948B-1728B52AA6E4}">
+                <adec:decorative xmlns:adec="http://schemas.microsoft.com/office/drawing/2017/decorative" val="1"/>
+              </a:ext>
+            </a:extLst>
+          </p:cNvPr>
+          <p:cNvSpPr>
+            <a:spLocks noGrp="1" noRot="1" noChangeAspect="1" noMove="1" noResize="1" noEditPoints="1" noAdjustHandles="1" noChangeArrowheads="1" noChangeShapeType="1" noTextEdit="1"/>
+          </p:cNvSpPr>
+          <p:nvPr>
+            <p:extLst>
+              <p:ext uri="{386F3935-93C4-4BCD-93E2-E3B085C9AB24}">
+                <p16:designElem xmlns:p16="http://schemas.microsoft.com/office/powerpoint/2015/main" val="1"/>
+              </p:ext>
+            </p:extLst>
+          </p:nvPr>
+        </p:nvSpPr>
+        <p:spPr>
+          <a:xfrm>
+            <a:off x="10585827" y="609600"/>
+            <a:ext cx="1602997" cy="1368198"/>
+          </a:xfrm>
+          <a:prstGeom prst="rect">
+            <a:avLst/>
+          </a:prstGeom>
+          <a:solidFill>
+            <a:schemeClr val="accent1"/>
+          </a:solidFill>
+          <a:ln>
+            <a:noFill/>
+          </a:ln>
+        </p:spPr>
+        <p:style>
+          <a:lnRef idx="2">
+            <a:schemeClr val="accent1">
+              <a:shade val="50000"/>
+            </a:schemeClr>
+          </a:lnRef>
+          <a:fillRef idx="1">
+            <a:schemeClr val="accent1"/>
+          </a:fillRef>
+          <a:effectRef idx="0">
+            <a:schemeClr val="accent1"/>
+          </a:effectRef>
+          <a:fontRef idx="minor">
+            <a:schemeClr val="lt1"/>
+          </a:fontRef>
+        </p:style>
+      </p:sp>
+      <p:sp useBgFill="1">
+        <p:nvSpPr>
+          <p:cNvPr id="145" name="Rectangle 144">
+            <a:extLst>
+              <a:ext uri="{FF2B5EF4-FFF2-40B4-BE49-F238E27FC236}">
+                <a16:creationId xmlns:a16="http://schemas.microsoft.com/office/drawing/2014/main" id="{E54517AE-487C-4EA9-971B-0CC193B00428}"/>
+              </a:ext>
+              <a:ext uri="{C183D7F6-B498-43B3-948B-1728B52AA6E4}">
+                <adec:decorative xmlns:adec="http://schemas.microsoft.com/office/drawing/2017/decorative" val="1"/>
+              </a:ext>
+            </a:extLst>
+          </p:cNvPr>
+          <p:cNvSpPr>
+            <a:spLocks noGrp="1" noRot="1" noChangeAspect="1" noMove="1" noResize="1" noEditPoints="1" noAdjustHandles="1" noChangeArrowheads="1" noChangeShapeType="1" noTextEdit="1"/>
+          </p:cNvSpPr>
+          <p:nvPr>
+            <p:extLst>
+              <p:ext uri="{386F3935-93C4-4BCD-93E2-E3B085C9AB24}">
+                <p16:designElem xmlns:p16="http://schemas.microsoft.com/office/powerpoint/2015/main" val="1"/>
+              </p:ext>
+            </p:extLst>
+          </p:nvPr>
+        </p:nvSpPr>
+        <p:spPr>
+          <a:xfrm>
+            <a:off x="0" y="-1"/>
+            <a:ext cx="12188824" cy="6858001"/>
+          </a:xfrm>
+          <a:prstGeom prst="rect">
+            <a:avLst/>
+          </a:prstGeom>
+          <a:ln>
+            <a:noFill/>
+          </a:ln>
+        </p:spPr>
+        <p:style>
+          <a:lnRef idx="2">
+            <a:schemeClr val="accent1">
+              <a:shade val="50000"/>
+            </a:schemeClr>
+          </a:lnRef>
+          <a:fillRef idx="1">
+            <a:schemeClr val="accent1"/>
+          </a:fillRef>
+          <a:effectRef idx="0">
+            <a:schemeClr val="accent1"/>
+          </a:effectRef>
+          <a:fontRef idx="minor">
+            <a:schemeClr val="lt1"/>
+          </a:fontRef>
+        </p:style>
+        <p:txBody>
+          <a:bodyPr rtlCol="0" anchor="ctr"/>
+          <a:lstStyle/>
+          <a:p>
+            <a:pPr algn="ctr"/>
+            <a:endParaRPr lang="en-US"/>
+          </a:p>
+        </p:txBody>
+      </p:sp>
+      <p:pic>
+        <p:nvPicPr>
+          <p:cNvPr id="147" name="Picture 146">
+            <a:extLst>
+              <a:ext uri="{FF2B5EF4-FFF2-40B4-BE49-F238E27FC236}">
+                <a16:creationId xmlns:a16="http://schemas.microsoft.com/office/drawing/2014/main" id="{BD93C34A-7F29-4123-9409-6603859D6097}"/>
+              </a:ext>
+              <a:ext uri="{C183D7F6-B498-43B3-948B-1728B52AA6E4}">
+                <adec:decorative xmlns:adec="http://schemas.microsoft.com/office/drawing/2017/decorative" val="1"/>
+              </a:ext>
+            </a:extLst>
+          </p:cNvPr>
+          <p:cNvPicPr>
+            <a:picLocks noGrp="1" noRot="1" noChangeAspect="1" noMove="1" noResize="1" noEditPoints="1" noAdjustHandles="1" noChangeArrowheads="1" noChangeShapeType="1" noCrop="1"/>
+          </p:cNvPicPr>
+          <p:nvPr>
+            <p:extLst>
+              <p:ext uri="{386F3935-93C4-4BCD-93E2-E3B085C9AB24}">
+                <p16:designElem xmlns:p16="http://schemas.microsoft.com/office/powerpoint/2015/main" val="1"/>
+              </p:ext>
+            </p:extLst>
+          </p:nvPr>
+        </p:nvPicPr>
+        <p:blipFill>
+          <a:blip r:embed="rId2">
+            <a:alphaModFix amt="10000"/>
+            <a:extLst>
+              <a:ext uri="{28A0092B-C50C-407E-A947-70E740481C1C}">
+                <a14:useLocalDpi xmlns:a14="http://schemas.microsoft.com/office/drawing/2010/main" val="0"/>
+              </a:ext>
+            </a:extLst>
+          </a:blip>
+          <a:stretch>
+            <a:fillRect/>
+          </a:stretch>
+        </p:blipFill>
+        <p:spPr>
+          <a:xfrm>
+            <a:off x="-3176" y="0"/>
+            <a:ext cx="12192000" cy="6858000"/>
+          </a:xfrm>
+          <a:prstGeom prst="rect">
+            <a:avLst/>
+          </a:prstGeom>
+        </p:spPr>
+      </p:pic>
+      <p:sp>
+        <p:nvSpPr>
+          <p:cNvPr id="149" name="Rectangle 148">
+            <a:extLst>
+              <a:ext uri="{FF2B5EF4-FFF2-40B4-BE49-F238E27FC236}">
+                <a16:creationId xmlns:a16="http://schemas.microsoft.com/office/drawing/2014/main" id="{734FCDD7-0991-4A44-9DEA-9E801BDC68DA}"/>
+              </a:ext>
+              <a:ext uri="{C183D7F6-B498-43B3-948B-1728B52AA6E4}">
+                <adec:decorative xmlns:adec="http://schemas.microsoft.com/office/drawing/2017/decorative" val="1"/>
+              </a:ext>
+            </a:extLst>
+          </p:cNvPr>
+          <p:cNvSpPr>
+            <a:spLocks noGrp="1" noRot="1" noChangeAspect="1" noMove="1" noResize="1" noEditPoints="1" noAdjustHandles="1" noChangeArrowheads="1" noChangeShapeType="1" noTextEdit="1"/>
+          </p:cNvSpPr>
+          <p:nvPr>
+            <p:extLst>
+              <p:ext uri="{386F3935-93C4-4BCD-93E2-E3B085C9AB24}">
+                <p16:designElem xmlns:p16="http://schemas.microsoft.com/office/powerpoint/2015/main" val="1"/>
+              </p:ext>
+            </p:extLst>
+          </p:nvPr>
+        </p:nvSpPr>
+        <p:spPr>
+          <a:xfrm>
+            <a:off x="6096000" y="0"/>
+            <a:ext cx="6096000" cy="6858001"/>
+          </a:xfrm>
+          <a:prstGeom prst="rect">
+            <a:avLst/>
+          </a:prstGeom>
+          <a:ln>
+            <a:noFill/>
+          </a:ln>
+        </p:spPr>
+        <p:style>
+          <a:lnRef idx="2">
+            <a:schemeClr val="accent1">
+              <a:shade val="50000"/>
+            </a:schemeClr>
+          </a:lnRef>
+          <a:fillRef idx="1">
+            <a:schemeClr val="accent1"/>
+          </a:fillRef>
+          <a:effectRef idx="0">
+            <a:schemeClr val="accent1"/>
+          </a:effectRef>
+          <a:fontRef idx="minor">
+            <a:schemeClr val="lt1"/>
+          </a:fontRef>
+        </p:style>
+        <p:txBody>
+          <a:bodyPr rtlCol="0" anchor="ctr"/>
+          <a:lstStyle/>
+          <a:p>
+            <a:pPr algn="ctr"/>
+            <a:endParaRPr lang="en-US"/>
+          </a:p>
+        </p:txBody>
+      </p:sp>
+      <p:sp>
+        <p:nvSpPr>
+          <p:cNvPr id="151" name="Rectangle 150">
+            <a:extLst>
+              <a:ext uri="{FF2B5EF4-FFF2-40B4-BE49-F238E27FC236}">
+                <a16:creationId xmlns:a16="http://schemas.microsoft.com/office/drawing/2014/main" id="{566137C5-CC33-411A-86CA-71F4AC350F58}"/>
+              </a:ext>
+              <a:ext uri="{C183D7F6-B498-43B3-948B-1728B52AA6E4}">
+                <adec:decorative xmlns:adec="http://schemas.microsoft.com/office/drawing/2017/decorative" val="1"/>
+              </a:ext>
+            </a:extLst>
+          </p:cNvPr>
+          <p:cNvSpPr>
+            <a:spLocks noGrp="1" noRot="1" noChangeAspect="1" noMove="1" noResize="1" noEditPoints="1" noAdjustHandles="1" noChangeArrowheads="1" noChangeShapeType="1" noTextEdit="1"/>
+          </p:cNvSpPr>
+          <p:nvPr>
+            <p:extLst>
+              <p:ext uri="{386F3935-93C4-4BCD-93E2-E3B085C9AB24}">
+                <p16:designElem xmlns:p16="http://schemas.microsoft.com/office/powerpoint/2015/main" val="1"/>
+              </p:ext>
+            </p:extLst>
+          </p:nvPr>
+        </p:nvSpPr>
+        <p:spPr bwMode="grayWhite">
+          <a:xfrm>
+            <a:off x="2" y="609600"/>
+            <a:ext cx="6412862" cy="1368198"/>
+          </a:xfrm>
+          <a:prstGeom prst="rect">
+            <a:avLst/>
+          </a:prstGeom>
+          <a:solidFill>
+            <a:schemeClr val="bg1">
+              <a:lumMod val="85000"/>
+              <a:lumOff val="15000"/>
+            </a:schemeClr>
+          </a:solidFill>
+          <a:ln>
+            <a:noFill/>
+          </a:ln>
+        </p:spPr>
+        <p:style>
+          <a:lnRef idx="2">
+            <a:schemeClr val="accent1">
+              <a:shade val="50000"/>
+            </a:schemeClr>
+          </a:lnRef>
+          <a:fillRef idx="1">
+            <a:schemeClr val="accent1"/>
+          </a:fillRef>
+          <a:effectRef idx="0">
+            <a:schemeClr val="accent1"/>
+          </a:effectRef>
+          <a:fontRef idx="minor">
+            <a:schemeClr val="lt1"/>
+          </a:fontRef>
+        </p:style>
+      </p:sp>
       <p:sp>
         <p:nvSpPr>
           <p:cNvPr id="2" name="Titel 1">
@@ -8533,18 +9825,70 @@
             <p:ph type="title"/>
           </p:nvPr>
         </p:nvSpPr>
-        <p:spPr/>
-        <p:txBody>
-          <a:bodyPr/>
+        <p:spPr>
+          <a:xfrm>
+            <a:off x="680321" y="753228"/>
+            <a:ext cx="5584677" cy="1080938"/>
+          </a:xfrm>
+        </p:spPr>
+        <p:txBody>
+          <a:bodyPr vert="horz" lIns="91440" tIns="45720" rIns="91440" bIns="45720" rtlCol="0" anchor="ctr">
+            <a:normAutofit/>
+          </a:bodyPr>
           <a:lstStyle/>
           <a:p>
             <a:r>
-              <a:rPr lang="de-CH" dirty="0"/>
+              <a:rPr lang="en-US" dirty="0"/>
               <a:t>Definition</a:t>
             </a:r>
           </a:p>
         </p:txBody>
       </p:sp>
+      <p:pic>
+        <p:nvPicPr>
+          <p:cNvPr id="153" name="Picture 152">
+            <a:extLst>
+              <a:ext uri="{FF2B5EF4-FFF2-40B4-BE49-F238E27FC236}">
+                <a16:creationId xmlns:a16="http://schemas.microsoft.com/office/drawing/2014/main" id="{6E4A315C-05D0-4BD5-8C9C-F1E2E2DBB74A}"/>
+              </a:ext>
+              <a:ext uri="{C183D7F6-B498-43B3-948B-1728B52AA6E4}">
+                <adec:decorative xmlns:adec="http://schemas.microsoft.com/office/drawing/2017/decorative" val="1"/>
+              </a:ext>
+            </a:extLst>
+          </p:cNvPr>
+          <p:cNvPicPr>
+            <a:picLocks noGrp="1" noRot="1" noChangeAspect="1" noMove="1" noResize="1" noEditPoints="1" noAdjustHandles="1" noChangeArrowheads="1" noChangeShapeType="1" noCrop="1"/>
+          </p:cNvPicPr>
+          <p:nvPr>
+            <p:extLst>
+              <p:ext uri="{386F3935-93C4-4BCD-93E2-E3B085C9AB24}">
+                <p16:designElem xmlns:p16="http://schemas.microsoft.com/office/powerpoint/2015/main" val="1"/>
+              </p:ext>
+            </p:extLst>
+          </p:nvPr>
+        </p:nvPicPr>
+        <p:blipFill>
+          <a:blip r:embed="rId3">
+            <a:extLst>
+              <a:ext uri="{28A0092B-C50C-407E-A947-70E740481C1C}">
+                <a14:useLocalDpi xmlns:a14="http://schemas.microsoft.com/office/drawing/2010/main" val="0"/>
+              </a:ext>
+            </a:extLst>
+          </a:blip>
+          <a:stretch>
+            <a:fillRect/>
+          </a:stretch>
+        </p:blipFill>
+        <p:spPr>
+          <a:xfrm>
+            <a:off x="2" y="1970241"/>
+            <a:ext cx="6409944" cy="258395"/>
+          </a:xfrm>
+          <a:prstGeom prst="rect">
+            <a:avLst/>
+          </a:prstGeom>
+        </p:spPr>
+      </p:pic>
       <p:sp>
         <p:nvSpPr>
           <p:cNvPr id="3" name="Inhaltsplatzhalter 2">
@@ -8561,9 +9905,16 @@
             <p:ph sz="half" idx="1"/>
           </p:nvPr>
         </p:nvSpPr>
-        <p:spPr/>
-        <p:txBody>
-          <a:bodyPr/>
+        <p:spPr>
+          <a:xfrm>
+            <a:off x="680321" y="2336873"/>
+            <a:ext cx="5104843" cy="3599316"/>
+          </a:xfrm>
+        </p:spPr>
+        <p:txBody>
+          <a:bodyPr vert="horz" lIns="91440" tIns="45720" rIns="91440" bIns="45720" rtlCol="0">
+            <a:normAutofit/>
+          </a:bodyPr>
           <a:lstStyle/>
           <a:p>
             <a:r>
@@ -8590,32 +9941,474 @@
             </a:r>
           </a:p>
           <a:p>
-            <a:endParaRPr lang="de-CH" dirty="0"/>
-          </a:p>
-        </p:txBody>
-      </p:sp>
-      <p:sp>
-        <p:nvSpPr>
-          <p:cNvPr id="4" name="Inhaltsplatzhalter 3">
+            <a:r>
+              <a:rPr lang="de-CH" dirty="0"/>
+              <a:t>Durch Propaganda unterstützt</a:t>
+            </a:r>
+          </a:p>
+          <a:p>
+            <a:endParaRPr lang="en-US" sz="2000" dirty="0"/>
+          </a:p>
+        </p:txBody>
+      </p:sp>
+      <p:sp>
+        <p:nvSpPr>
+          <p:cNvPr id="155" name="Rectangle 154">
             <a:extLst>
               <a:ext uri="{FF2B5EF4-FFF2-40B4-BE49-F238E27FC236}">
-                <a16:creationId xmlns:a16="http://schemas.microsoft.com/office/drawing/2014/main" id="{64837584-4BE0-4A13-9749-89EA0F53D41C}"/>
+                <a16:creationId xmlns:a16="http://schemas.microsoft.com/office/drawing/2014/main" id="{90AFE437-7BA8-4824-AC1D-AB01EAF7CE87}"/>
+              </a:ext>
+              <a:ext uri="{C183D7F6-B498-43B3-948B-1728B52AA6E4}">
+                <adec:decorative xmlns:adec="http://schemas.microsoft.com/office/drawing/2017/decorative" val="1"/>
               </a:ext>
             </a:extLst>
           </p:cNvPr>
           <p:cNvSpPr>
-            <a:spLocks noGrp="1"/>
-          </p:cNvSpPr>
+            <a:spLocks noGrp="1" noRot="1" noChangeAspect="1" noMove="1" noResize="1" noEditPoints="1" noAdjustHandles="1" noChangeArrowheads="1" noChangeShapeType="1" noTextEdit="1"/>
+          </p:cNvSpPr>
+          <p:nvPr>
+            <p:extLst>
+              <p:ext uri="{386F3935-93C4-4BCD-93E2-E3B085C9AB24}">
+                <p16:designElem xmlns:p16="http://schemas.microsoft.com/office/powerpoint/2015/main" val="1"/>
+              </p:ext>
+            </p:extLst>
+          </p:nvPr>
+        </p:nvSpPr>
+        <p:spPr>
+          <a:xfrm>
+            <a:off x="6631608" y="488844"/>
+            <a:ext cx="2687741" cy="3506830"/>
+          </a:xfrm>
+          <a:prstGeom prst="rect">
+            <a:avLst/>
+          </a:prstGeom>
+          <a:solidFill>
+            <a:srgbClr val="FFFFFF"/>
+          </a:solidFill>
+          <a:ln>
+            <a:noFill/>
+          </a:ln>
+          <a:effectLst>
+            <a:outerShdw blurRad="76200" dist="63500" dir="5040000" algn="t" rotWithShape="0">
+              <a:prstClr val="black">
+                <a:alpha val="41000"/>
+              </a:prstClr>
+            </a:outerShdw>
+          </a:effectLst>
+        </p:spPr>
+        <p:style>
+          <a:lnRef idx="2">
+            <a:schemeClr val="accent1">
+              <a:shade val="50000"/>
+            </a:schemeClr>
+          </a:lnRef>
+          <a:fillRef idx="1">
+            <a:schemeClr val="accent1"/>
+          </a:fillRef>
+          <a:effectRef idx="0">
+            <a:schemeClr val="accent1"/>
+          </a:effectRef>
+          <a:fontRef idx="minor">
+            <a:schemeClr val="lt1"/>
+          </a:fontRef>
+        </p:style>
+        <p:txBody>
+          <a:bodyPr rtlCol="0" anchor="ctr"/>
+          <a:lstStyle/>
+          <a:p>
+            <a:pPr algn="ctr"/>
+            <a:endParaRPr lang="en-US"/>
+          </a:p>
+        </p:txBody>
+      </p:sp>
+      <p:pic>
+        <p:nvPicPr>
+          <p:cNvPr id="2050" name="Picture 2" descr="http://www.amistadresource.org/LBimages/image_07_12_010_communism.jpg">
+            <a:extLst>
+              <a:ext uri="{FF2B5EF4-FFF2-40B4-BE49-F238E27FC236}">
+                <a16:creationId xmlns:a16="http://schemas.microsoft.com/office/drawing/2014/main" id="{7DBDF9D8-8FD4-4963-B71D-862854B3AA9E}"/>
+              </a:ext>
+            </a:extLst>
+          </p:cNvPr>
+          <p:cNvPicPr>
+            <a:picLocks noGrp="1" noChangeAspect="1" noChangeArrowheads="1"/>
+          </p:cNvPicPr>
           <p:nvPr>
             <p:ph sz="half" idx="2"/>
           </p:nvPr>
-        </p:nvSpPr>
-        <p:spPr/>
-        <p:txBody>
-          <a:bodyPr/>
+        </p:nvPicPr>
+        <p:blipFill>
+          <a:blip r:embed="rId5">
+            <a:extLst>
+              <a:ext uri="{28A0092B-C50C-407E-A947-70E740481C1C}">
+                <a14:useLocalDpi xmlns:a14="http://schemas.microsoft.com/office/drawing/2010/main" val="0"/>
+              </a:ext>
+            </a:extLst>
+          </a:blip>
+          <a:srcRect/>
+          <a:stretch>
+            <a:fillRect/>
+          </a:stretch>
+        </p:blipFill>
+        <p:spPr bwMode="auto">
+          <a:xfrm>
+            <a:off x="6871408" y="633592"/>
+            <a:ext cx="2228003" cy="3217333"/>
+          </a:xfrm>
+          <a:prstGeom prst="rect">
+            <a:avLst/>
+          </a:prstGeom>
+          <a:noFill/>
+          <a:extLst>
+            <a:ext uri="{909E8E84-426E-40DD-AFC4-6F175D3DCCD1}">
+              <a14:hiddenFill xmlns:a14="http://schemas.microsoft.com/office/drawing/2010/main">
+                <a:solidFill>
+                  <a:srgbClr val="FFFFFF"/>
+                </a:solidFill>
+              </a14:hiddenFill>
+            </a:ext>
+          </a:extLst>
+        </p:spPr>
+      </p:pic>
+      <p:sp useBgFill="1">
+        <p:nvSpPr>
+          <p:cNvPr id="157" name="Rectangle 156">
+            <a:extLst>
+              <a:ext uri="{FF2B5EF4-FFF2-40B4-BE49-F238E27FC236}">
+                <a16:creationId xmlns:a16="http://schemas.microsoft.com/office/drawing/2014/main" id="{CCB56162-164A-462A-A889-F8A5630F208F}"/>
+              </a:ext>
+              <a:ext uri="{C183D7F6-B498-43B3-948B-1728B52AA6E4}">
+                <adec:decorative xmlns:adec="http://schemas.microsoft.com/office/drawing/2017/decorative" val="1"/>
+              </a:ext>
+            </a:extLst>
+          </p:cNvPr>
+          <p:cNvSpPr>
+            <a:spLocks noGrp="1" noRot="1" noChangeAspect="1" noMove="1" noResize="1" noEditPoints="1" noAdjustHandles="1" noChangeArrowheads="1" noChangeShapeType="1" noTextEdit="1"/>
+          </p:cNvSpPr>
+          <p:nvPr>
+            <p:extLst>
+              <p:ext uri="{386F3935-93C4-4BCD-93E2-E3B085C9AB24}">
+                <p16:designElem xmlns:p16="http://schemas.microsoft.com/office/powerpoint/2015/main" val="1"/>
+              </p:ext>
+            </p:extLst>
+          </p:nvPr>
+        </p:nvSpPr>
+        <p:spPr>
+          <a:xfrm>
+            <a:off x="9486569" y="488844"/>
+            <a:ext cx="2220800" cy="2441670"/>
+          </a:xfrm>
+          <a:prstGeom prst="rect">
+            <a:avLst/>
+          </a:prstGeom>
+          <a:ln>
+            <a:noFill/>
+          </a:ln>
+        </p:spPr>
+        <p:style>
+          <a:lnRef idx="2">
+            <a:schemeClr val="accent1">
+              <a:shade val="50000"/>
+            </a:schemeClr>
+          </a:lnRef>
+          <a:fillRef idx="1">
+            <a:schemeClr val="accent1"/>
+          </a:fillRef>
+          <a:effectRef idx="0">
+            <a:schemeClr val="accent1"/>
+          </a:effectRef>
+          <a:fontRef idx="minor">
+            <a:schemeClr val="lt1"/>
+          </a:fontRef>
+        </p:style>
+        <p:txBody>
+          <a:bodyPr rtlCol="0" anchor="ctr"/>
           <a:lstStyle/>
           <a:p>
-            <a:endParaRPr lang="de-CH" dirty="0"/>
+            <a:pPr algn="ctr"/>
+            <a:endParaRPr lang="en-US"/>
+          </a:p>
+        </p:txBody>
+      </p:sp>
+      <p:sp useBgFill="1">
+        <p:nvSpPr>
+          <p:cNvPr id="159" name="Rectangle 158">
+            <a:extLst>
+              <a:ext uri="{FF2B5EF4-FFF2-40B4-BE49-F238E27FC236}">
+                <a16:creationId xmlns:a16="http://schemas.microsoft.com/office/drawing/2014/main" id="{EE0954D9-982C-4862-B03C-B6DE7754FB38}"/>
+              </a:ext>
+              <a:ext uri="{C183D7F6-B498-43B3-948B-1728B52AA6E4}">
+                <adec:decorative xmlns:adec="http://schemas.microsoft.com/office/drawing/2017/decorative" val="1"/>
+              </a:ext>
+            </a:extLst>
+          </p:cNvPr>
+          <p:cNvSpPr>
+            <a:spLocks noGrp="1" noRot="1" noChangeAspect="1" noMove="1" noResize="1" noEditPoints="1" noAdjustHandles="1" noChangeArrowheads="1" noChangeShapeType="1" noTextEdit="1"/>
+          </p:cNvSpPr>
+          <p:nvPr>
+            <p:extLst>
+              <p:ext uri="{386F3935-93C4-4BCD-93E2-E3B085C9AB24}">
+                <p16:designElem xmlns:p16="http://schemas.microsoft.com/office/powerpoint/2015/main" val="1"/>
+              </p:ext>
+            </p:extLst>
+          </p:nvPr>
+        </p:nvSpPr>
+        <p:spPr>
+          <a:xfrm>
+            <a:off x="6634479" y="4164748"/>
+            <a:ext cx="2684871" cy="2172123"/>
+          </a:xfrm>
+          <a:prstGeom prst="rect">
+            <a:avLst/>
+          </a:prstGeom>
+          <a:ln>
+            <a:noFill/>
+          </a:ln>
+        </p:spPr>
+        <p:style>
+          <a:lnRef idx="2">
+            <a:schemeClr val="accent1">
+              <a:shade val="50000"/>
+            </a:schemeClr>
+          </a:lnRef>
+          <a:fillRef idx="1">
+            <a:schemeClr val="accent1"/>
+          </a:fillRef>
+          <a:effectRef idx="0">
+            <a:schemeClr val="accent1"/>
+          </a:effectRef>
+          <a:fontRef idx="minor">
+            <a:schemeClr val="lt1"/>
+          </a:fontRef>
+        </p:style>
+        <p:txBody>
+          <a:bodyPr rtlCol="0" anchor="ctr"/>
+          <a:lstStyle/>
+          <a:p>
+            <a:pPr algn="ctr"/>
+            <a:endParaRPr lang="en-US"/>
+          </a:p>
+        </p:txBody>
+      </p:sp>
+      <p:sp>
+        <p:nvSpPr>
+          <p:cNvPr id="161" name="Rectangle 160">
+            <a:extLst>
+              <a:ext uri="{FF2B5EF4-FFF2-40B4-BE49-F238E27FC236}">
+                <a16:creationId xmlns:a16="http://schemas.microsoft.com/office/drawing/2014/main" id="{5977B758-3028-404D-82D1-5EAE2D909374}"/>
+              </a:ext>
+              <a:ext uri="{C183D7F6-B498-43B3-948B-1728B52AA6E4}">
+                <adec:decorative xmlns:adec="http://schemas.microsoft.com/office/drawing/2017/decorative" val="1"/>
+              </a:ext>
+            </a:extLst>
+          </p:cNvPr>
+          <p:cNvSpPr>
+            <a:spLocks noGrp="1" noRot="1" noChangeAspect="1" noMove="1" noResize="1" noEditPoints="1" noAdjustHandles="1" noChangeArrowheads="1" noChangeShapeType="1" noTextEdit="1"/>
+          </p:cNvSpPr>
+          <p:nvPr>
+            <p:extLst>
+              <p:ext uri="{386F3935-93C4-4BCD-93E2-E3B085C9AB24}">
+                <p16:designElem xmlns:p16="http://schemas.microsoft.com/office/powerpoint/2015/main" val="1"/>
+              </p:ext>
+            </p:extLst>
+          </p:nvPr>
+        </p:nvSpPr>
+        <p:spPr>
+          <a:xfrm>
+            <a:off x="9486569" y="3108997"/>
+            <a:ext cx="2220800" cy="3219666"/>
+          </a:xfrm>
+          <a:prstGeom prst="rect">
+            <a:avLst/>
+          </a:prstGeom>
+          <a:solidFill>
+            <a:srgbClr val="FFFFFF"/>
+          </a:solidFill>
+          <a:ln>
+            <a:noFill/>
+          </a:ln>
+          <a:effectLst>
+            <a:outerShdw blurRad="76200" dist="63500" dir="5040000" algn="t" rotWithShape="0">
+              <a:prstClr val="black">
+                <a:alpha val="41000"/>
+              </a:prstClr>
+            </a:outerShdw>
+          </a:effectLst>
+        </p:spPr>
+        <p:style>
+          <a:lnRef idx="2">
+            <a:schemeClr val="accent1">
+              <a:shade val="50000"/>
+            </a:schemeClr>
+          </a:lnRef>
+          <a:fillRef idx="1">
+            <a:schemeClr val="accent1"/>
+          </a:fillRef>
+          <a:effectRef idx="0">
+            <a:schemeClr val="accent1"/>
+          </a:effectRef>
+          <a:fontRef idx="minor">
+            <a:schemeClr val="lt1"/>
+          </a:fontRef>
+        </p:style>
+        <p:txBody>
+          <a:bodyPr rtlCol="0" anchor="ctr"/>
+          <a:lstStyle/>
+          <a:p>
+            <a:pPr algn="ctr"/>
+            <a:endParaRPr lang="en-US"/>
+          </a:p>
+        </p:txBody>
+      </p:sp>
+      <p:pic>
+        <p:nvPicPr>
+          <p:cNvPr id="40" name="Picture 4" descr="https://www.picclickimg.com/d/l400/pict/331314498518_/America-Anti-Socialism-1950%E2%80%99S-Era-Cold-War-Communist.jpg">
+            <a:extLst>
+              <a:ext uri="{FF2B5EF4-FFF2-40B4-BE49-F238E27FC236}">
+                <a16:creationId xmlns:a16="http://schemas.microsoft.com/office/drawing/2014/main" id="{20E1D127-6276-483F-BED4-D9B6CDB23527}"/>
+              </a:ext>
+            </a:extLst>
+          </p:cNvPr>
+          <p:cNvPicPr>
+            <a:picLocks noChangeAspect="1" noChangeArrowheads="1"/>
+          </p:cNvPicPr>
+          <p:nvPr/>
+        </p:nvPicPr>
+        <p:blipFill>
+          <a:blip r:embed="rId6">
+            <a:extLst>
+              <a:ext uri="{28A0092B-C50C-407E-A947-70E740481C1C}">
+                <a14:useLocalDpi xmlns:a14="http://schemas.microsoft.com/office/drawing/2010/main" val="0"/>
+              </a:ext>
+            </a:extLst>
+          </a:blip>
+          <a:srcRect/>
+          <a:stretch>
+            <a:fillRect/>
+          </a:stretch>
+        </p:blipFill>
+        <p:spPr bwMode="auto">
+          <a:xfrm>
+            <a:off x="9647435" y="3343628"/>
+            <a:ext cx="1887366" cy="2765371"/>
+          </a:xfrm>
+          <a:prstGeom prst="rect">
+            <a:avLst/>
+          </a:prstGeom>
+          <a:noFill/>
+          <a:extLst>
+            <a:ext uri="{909E8E84-426E-40DD-AFC4-6F175D3DCCD1}">
+              <a14:hiddenFill xmlns:a14="http://schemas.microsoft.com/office/drawing/2010/main">
+                <a:solidFill>
+                  <a:srgbClr val="FFFFFF"/>
+                </a:solidFill>
+              </a14:hiddenFill>
+            </a:ext>
+          </a:extLst>
+        </p:spPr>
+      </p:pic>
+      <p:sp>
+        <p:nvSpPr>
+          <p:cNvPr id="6" name="Textfeld 5">
+            <a:extLst>
+              <a:ext uri="{FF2B5EF4-FFF2-40B4-BE49-F238E27FC236}">
+                <a16:creationId xmlns:a16="http://schemas.microsoft.com/office/drawing/2014/main" id="{C7476D99-4261-4ACC-9B05-7052B075831E}"/>
+              </a:ext>
+            </a:extLst>
+          </p:cNvPr>
+          <p:cNvSpPr txBox="1"/>
+          <p:nvPr/>
+        </p:nvSpPr>
+        <p:spPr>
+          <a:xfrm>
+            <a:off x="0" y="6460805"/>
+            <a:ext cx="2043953" cy="369332"/>
+          </a:xfrm>
+          <a:prstGeom prst="rect">
+            <a:avLst/>
+          </a:prstGeom>
+          <a:noFill/>
+        </p:spPr>
+        <p:txBody>
+          <a:bodyPr wrap="square" rtlCol="0">
+            <a:spAutoFit/>
+          </a:bodyPr>
+          <a:lstStyle/>
+          <a:p>
+            <a:r>
+              <a:rPr lang="de-CH" dirty="0"/>
+              <a:t>Quellen 1,3,4</a:t>
+            </a:r>
+          </a:p>
+        </p:txBody>
+      </p:sp>
+      <p:sp>
+        <p:nvSpPr>
+          <p:cNvPr id="46" name="Textfeld 45">
+            <a:extLst>
+              <a:ext uri="{FF2B5EF4-FFF2-40B4-BE49-F238E27FC236}">
+                <a16:creationId xmlns:a16="http://schemas.microsoft.com/office/drawing/2014/main" id="{DFDAC051-E868-46E2-A1C6-9D520494C013}"/>
+              </a:ext>
+            </a:extLst>
+          </p:cNvPr>
+          <p:cNvSpPr txBox="1"/>
+          <p:nvPr/>
+        </p:nvSpPr>
+        <p:spPr>
+          <a:xfrm>
+            <a:off x="6631303" y="4164747"/>
+            <a:ext cx="2043953" cy="646331"/>
+          </a:xfrm>
+          <a:prstGeom prst="rect">
+            <a:avLst/>
+          </a:prstGeom>
+          <a:noFill/>
+        </p:spPr>
+        <p:txBody>
+          <a:bodyPr wrap="square" rtlCol="0">
+            <a:spAutoFit/>
+          </a:bodyPr>
+          <a:lstStyle/>
+          <a:p>
+            <a:r>
+              <a:rPr lang="de-CH" dirty="0"/>
+              <a:t>Abb.1 Propaganda Antikommunismus</a:t>
+            </a:r>
+          </a:p>
+        </p:txBody>
+      </p:sp>
+      <p:sp>
+        <p:nvSpPr>
+          <p:cNvPr id="47" name="Textfeld 46">
+            <a:extLst>
+              <a:ext uri="{FF2B5EF4-FFF2-40B4-BE49-F238E27FC236}">
+                <a16:creationId xmlns:a16="http://schemas.microsoft.com/office/drawing/2014/main" id="{0E41E200-AFFC-4F2F-B385-2764482D3FD6}"/>
+              </a:ext>
+            </a:extLst>
+          </p:cNvPr>
+          <p:cNvSpPr txBox="1"/>
+          <p:nvPr/>
+        </p:nvSpPr>
+        <p:spPr>
+          <a:xfrm>
+            <a:off x="9706833" y="2306917"/>
+            <a:ext cx="2043953" cy="646331"/>
+          </a:xfrm>
+          <a:prstGeom prst="rect">
+            <a:avLst/>
+          </a:prstGeom>
+          <a:noFill/>
+        </p:spPr>
+        <p:txBody>
+          <a:bodyPr wrap="square" rtlCol="0">
+            <a:spAutoFit/>
+          </a:bodyPr>
+          <a:lstStyle/>
+          <a:p>
+            <a:r>
+              <a:rPr lang="de-CH" dirty="0"/>
+              <a:t>Abb.2 Propaganda Antisozialismus</a:t>
+            </a:r>
           </a:p>
         </p:txBody>
       </p:sp>
@@ -8635,6 +10428,41 @@
 <file path=ppt/slides/slide4.xml><?xml version="1.0" encoding="utf-8"?>
 <p:sld xmlns:a="http://schemas.openxmlformats.org/drawingml/2006/main" xmlns:r="http://schemas.openxmlformats.org/officeDocument/2006/relationships" xmlns:p="http://schemas.openxmlformats.org/presentationml/2006/main">
   <p:cSld>
+    <p:bg>
+      <p:bgPr>
+        <a:gradFill rotWithShape="1">
+          <a:gsLst>
+            <a:gs pos="0">
+              <a:schemeClr val="bg2">
+                <a:tint val="96000"/>
+                <a:shade val="100000"/>
+                <a:hueMod val="270000"/>
+                <a:satMod val="200000"/>
+                <a:lumMod val="128000"/>
+              </a:schemeClr>
+            </a:gs>
+            <a:gs pos="50000">
+              <a:schemeClr val="bg2">
+                <a:shade val="100000"/>
+                <a:hueMod val="100000"/>
+                <a:satMod val="110000"/>
+                <a:lumMod val="130000"/>
+              </a:schemeClr>
+            </a:gs>
+            <a:gs pos="100000">
+              <a:schemeClr val="bg2">
+                <a:shade val="78000"/>
+                <a:hueMod val="44000"/>
+                <a:satMod val="200000"/>
+                <a:lumMod val="69000"/>
+              </a:schemeClr>
+            </a:gs>
+          </a:gsLst>
+          <a:lin ang="2520000" scaled="0"/>
+        </a:gradFill>
+        <a:effectLst/>
+      </p:bgPr>
+    </p:bg>
     <p:spTree>
       <p:nvGrpSpPr>
         <p:cNvPr id="1" name=""/>
@@ -8649,6 +10477,255 @@
           <a:chExt cx="0" cy="0"/>
         </a:xfrm>
       </p:grpSpPr>
+      <p:pic>
+        <p:nvPicPr>
+          <p:cNvPr id="71" name="Picture 70">
+            <a:extLst>
+              <a:ext uri="{FF2B5EF4-FFF2-40B4-BE49-F238E27FC236}">
+                <a16:creationId xmlns:a16="http://schemas.microsoft.com/office/drawing/2014/main" id="{5321D838-2C7E-4177-9DD3-DAC78324A2B2}"/>
+              </a:ext>
+              <a:ext uri="{C183D7F6-B498-43B3-948B-1728B52AA6E4}">
+                <adec:decorative xmlns:adec="http://schemas.microsoft.com/office/drawing/2017/decorative" val="1"/>
+              </a:ext>
+            </a:extLst>
+          </p:cNvPr>
+          <p:cNvPicPr>
+            <a:picLocks noGrp="1" noRot="1" noChangeAspect="1" noMove="1" noResize="1" noEditPoints="1" noAdjustHandles="1" noChangeArrowheads="1" noChangeShapeType="1" noCrop="1"/>
+          </p:cNvPicPr>
+          <p:nvPr>
+            <p:extLst>
+              <p:ext uri="{386F3935-93C4-4BCD-93E2-E3B085C9AB24}">
+                <p16:designElem xmlns:p16="http://schemas.microsoft.com/office/powerpoint/2015/main" val="1"/>
+              </p:ext>
+            </p:extLst>
+          </p:nvPr>
+        </p:nvPicPr>
+        <p:blipFill>
+          <a:blip r:embed="rId2">
+            <a:alphaModFix amt="10000"/>
+            <a:extLst>
+              <a:ext uri="{28A0092B-C50C-407E-A947-70E740481C1C}">
+                <a14:useLocalDpi xmlns:a14="http://schemas.microsoft.com/office/drawing/2010/main" val="0"/>
+              </a:ext>
+            </a:extLst>
+          </a:blip>
+          <a:stretch>
+            <a:fillRect/>
+          </a:stretch>
+        </p:blipFill>
+        <p:spPr>
+          <a:xfrm>
+            <a:off x="0" y="0"/>
+            <a:ext cx="12192000" cy="6858000"/>
+          </a:xfrm>
+          <a:prstGeom prst="rect">
+            <a:avLst/>
+          </a:prstGeom>
+        </p:spPr>
+      </p:pic>
+      <p:pic>
+        <p:nvPicPr>
+          <p:cNvPr id="73" name="Picture 72">
+            <a:extLst>
+              <a:ext uri="{FF2B5EF4-FFF2-40B4-BE49-F238E27FC236}">
+                <a16:creationId xmlns:a16="http://schemas.microsoft.com/office/drawing/2014/main" id="{224C28B3-E902-49D1-98A0-582D277A0E00}"/>
+              </a:ext>
+              <a:ext uri="{C183D7F6-B498-43B3-948B-1728B52AA6E4}">
+                <adec:decorative xmlns:adec="http://schemas.microsoft.com/office/drawing/2017/decorative" val="1"/>
+              </a:ext>
+            </a:extLst>
+          </p:cNvPr>
+          <p:cNvPicPr>
+            <a:picLocks noGrp="1" noRot="1" noChangeAspect="1" noMove="1" noResize="1" noEditPoints="1" noAdjustHandles="1" noChangeArrowheads="1" noChangeShapeType="1" noCrop="1"/>
+          </p:cNvPicPr>
+          <p:nvPr>
+            <p:extLst>
+              <p:ext uri="{386F3935-93C4-4BCD-93E2-E3B085C9AB24}">
+                <p16:designElem xmlns:p16="http://schemas.microsoft.com/office/powerpoint/2015/main" val="1"/>
+              </p:ext>
+            </p:extLst>
+          </p:nvPr>
+        </p:nvPicPr>
+        <p:blipFill>
+          <a:blip r:embed="rId3">
+            <a:extLst>
+              <a:ext uri="{28A0092B-C50C-407E-A947-70E740481C1C}">
+                <a14:useLocalDpi xmlns:a14="http://schemas.microsoft.com/office/drawing/2010/main" val="0"/>
+              </a:ext>
+            </a:extLst>
+          </a:blip>
+          <a:stretch>
+            <a:fillRect/>
+          </a:stretch>
+        </p:blipFill>
+        <p:spPr>
+          <a:xfrm>
+            <a:off x="1" y="1970240"/>
+            <a:ext cx="10437812" cy="321164"/>
+          </a:xfrm>
+          <a:prstGeom prst="rect">
+            <a:avLst/>
+          </a:prstGeom>
+        </p:spPr>
+      </p:pic>
+      <p:pic>
+        <p:nvPicPr>
+          <p:cNvPr id="75" name="Picture 74">
+            <a:extLst>
+              <a:ext uri="{FF2B5EF4-FFF2-40B4-BE49-F238E27FC236}">
+                <a16:creationId xmlns:a16="http://schemas.microsoft.com/office/drawing/2014/main" id="{F3A6C14C-E755-4A02-821B-6EA2D4C9F20D}"/>
+              </a:ext>
+              <a:ext uri="{C183D7F6-B498-43B3-948B-1728B52AA6E4}">
+                <adec:decorative xmlns:adec="http://schemas.microsoft.com/office/drawing/2017/decorative" val="1"/>
+              </a:ext>
+            </a:extLst>
+          </p:cNvPr>
+          <p:cNvPicPr>
+            <a:picLocks noGrp="1" noRot="1" noChangeAspect="1" noMove="1" noResize="1" noEditPoints="1" noAdjustHandles="1" noChangeArrowheads="1" noChangeShapeType="1" noCrop="1"/>
+          </p:cNvPicPr>
+          <p:nvPr>
+            <p:extLst>
+              <p:ext uri="{386F3935-93C4-4BCD-93E2-E3B085C9AB24}">
+                <p16:designElem xmlns:p16="http://schemas.microsoft.com/office/powerpoint/2015/main" val="1"/>
+              </p:ext>
+            </p:extLst>
+          </p:nvPr>
+        </p:nvPicPr>
+        <p:blipFill>
+          <a:blip r:embed="rId4" cstate="print">
+            <a:extLst>
+              <a:ext uri="{28A0092B-C50C-407E-A947-70E740481C1C}">
+                <a14:useLocalDpi xmlns:a14="http://schemas.microsoft.com/office/drawing/2010/main" val="0"/>
+              </a:ext>
+            </a:extLst>
+          </a:blip>
+          <a:stretch>
+            <a:fillRect/>
+          </a:stretch>
+        </p:blipFill>
+        <p:spPr>
+          <a:xfrm>
+            <a:off x="10585826" y="1971234"/>
+            <a:ext cx="1602997" cy="144270"/>
+          </a:xfrm>
+          <a:prstGeom prst="rect">
+            <a:avLst/>
+          </a:prstGeom>
+        </p:spPr>
+      </p:pic>
+      <p:sp>
+        <p:nvSpPr>
+          <p:cNvPr id="77" name="Rectangle 76">
+            <a:extLst>
+              <a:ext uri="{FF2B5EF4-FFF2-40B4-BE49-F238E27FC236}">
+                <a16:creationId xmlns:a16="http://schemas.microsoft.com/office/drawing/2014/main" id="{6478287C-E119-4E9C-95B0-518478BD9D07}"/>
+              </a:ext>
+              <a:ext uri="{C183D7F6-B498-43B3-948B-1728B52AA6E4}">
+                <adec:decorative xmlns:adec="http://schemas.microsoft.com/office/drawing/2017/decorative" val="1"/>
+              </a:ext>
+            </a:extLst>
+          </p:cNvPr>
+          <p:cNvSpPr>
+            <a:spLocks noGrp="1" noRot="1" noChangeAspect="1" noMove="1" noResize="1" noEditPoints="1" noAdjustHandles="1" noChangeArrowheads="1" noChangeShapeType="1" noTextEdit="1"/>
+          </p:cNvSpPr>
+          <p:nvPr>
+            <p:extLst>
+              <p:ext uri="{386F3935-93C4-4BCD-93E2-E3B085C9AB24}">
+                <p16:designElem xmlns:p16="http://schemas.microsoft.com/office/powerpoint/2015/main" val="1"/>
+              </p:ext>
+            </p:extLst>
+          </p:nvPr>
+        </p:nvSpPr>
+        <p:spPr>
+          <a:xfrm>
+            <a:off x="0" y="609600"/>
+            <a:ext cx="10437812" cy="1368198"/>
+          </a:xfrm>
+          <a:prstGeom prst="rect">
+            <a:avLst/>
+          </a:prstGeom>
+          <a:solidFill>
+            <a:schemeClr val="bg1">
+              <a:lumMod val="85000"/>
+              <a:lumOff val="15000"/>
+            </a:schemeClr>
+          </a:solidFill>
+          <a:ln>
+            <a:noFill/>
+          </a:ln>
+        </p:spPr>
+        <p:style>
+          <a:lnRef idx="2">
+            <a:schemeClr val="accent1">
+              <a:shade val="50000"/>
+            </a:schemeClr>
+          </a:lnRef>
+          <a:fillRef idx="1">
+            <a:schemeClr val="accent1"/>
+          </a:fillRef>
+          <a:effectRef idx="0">
+            <a:schemeClr val="accent1"/>
+          </a:effectRef>
+          <a:fontRef idx="minor">
+            <a:schemeClr val="lt1"/>
+          </a:fontRef>
+        </p:style>
+      </p:sp>
+      <p:sp>
+        <p:nvSpPr>
+          <p:cNvPr id="79" name="Rectangle 78">
+            <a:extLst>
+              <a:ext uri="{FF2B5EF4-FFF2-40B4-BE49-F238E27FC236}">
+                <a16:creationId xmlns:a16="http://schemas.microsoft.com/office/drawing/2014/main" id="{EA4A294F-6D36-425B-8632-27FD6A284D09}"/>
+              </a:ext>
+              <a:ext uri="{C183D7F6-B498-43B3-948B-1728B52AA6E4}">
+                <adec:decorative xmlns:adec="http://schemas.microsoft.com/office/drawing/2017/decorative" val="1"/>
+              </a:ext>
+            </a:extLst>
+          </p:cNvPr>
+          <p:cNvSpPr>
+            <a:spLocks noGrp="1" noRot="1" noChangeAspect="1" noMove="1" noResize="1" noEditPoints="1" noAdjustHandles="1" noChangeArrowheads="1" noChangeShapeType="1" noTextEdit="1"/>
+          </p:cNvSpPr>
+          <p:nvPr>
+            <p:extLst>
+              <p:ext uri="{386F3935-93C4-4BCD-93E2-E3B085C9AB24}">
+                <p16:designElem xmlns:p16="http://schemas.microsoft.com/office/powerpoint/2015/main" val="1"/>
+              </p:ext>
+            </p:extLst>
+          </p:nvPr>
+        </p:nvSpPr>
+        <p:spPr>
+          <a:xfrm>
+            <a:off x="10585827" y="609600"/>
+            <a:ext cx="1602997" cy="1368198"/>
+          </a:xfrm>
+          <a:prstGeom prst="rect">
+            <a:avLst/>
+          </a:prstGeom>
+          <a:solidFill>
+            <a:schemeClr val="accent1"/>
+          </a:solidFill>
+          <a:ln>
+            <a:noFill/>
+          </a:ln>
+        </p:spPr>
+        <p:style>
+          <a:lnRef idx="2">
+            <a:schemeClr val="accent1">
+              <a:shade val="50000"/>
+            </a:schemeClr>
+          </a:lnRef>
+          <a:fillRef idx="1">
+            <a:schemeClr val="accent1"/>
+          </a:fillRef>
+          <a:effectRef idx="0">
+            <a:schemeClr val="accent1"/>
+          </a:effectRef>
+          <a:fontRef idx="minor">
+            <a:schemeClr val="lt1"/>
+          </a:fontRef>
+        </p:style>
+      </p:sp>
       <p:sp>
         <p:nvSpPr>
           <p:cNvPr id="2" name="Titel 1">
@@ -8665,13 +10742,20 @@
             <p:ph type="title"/>
           </p:nvPr>
         </p:nvSpPr>
-        <p:spPr/>
-        <p:txBody>
-          <a:bodyPr/>
+        <p:spPr>
+          <a:xfrm>
+            <a:off x="680321" y="753228"/>
+            <a:ext cx="9613861" cy="1080938"/>
+          </a:xfrm>
+        </p:spPr>
+        <p:txBody>
+          <a:bodyPr vert="horz" lIns="91440" tIns="45720" rIns="91440" bIns="45720" rtlCol="0" anchor="ctr">
+            <a:normAutofit/>
+          </a:bodyPr>
           <a:lstStyle/>
           <a:p>
             <a:r>
-              <a:rPr lang="de-CH" dirty="0"/>
+              <a:rPr lang="en-US"/>
               <a:t>Vorgeschichte</a:t>
             </a:r>
           </a:p>
@@ -8693,10 +10777,15 @@
             <p:ph sz="half" idx="1"/>
           </p:nvPr>
         </p:nvSpPr>
-        <p:spPr/>
-        <p:txBody>
-          <a:bodyPr>
-            <a:normAutofit lnSpcReduction="10000"/>
+        <p:spPr>
+          <a:xfrm>
+            <a:off x="680322" y="2336873"/>
+            <a:ext cx="5078161" cy="3599316"/>
+          </a:xfrm>
+        </p:spPr>
+        <p:txBody>
+          <a:bodyPr vert="horz" lIns="91440" tIns="45720" rIns="91440" bIns="45720" rtlCol="0">
+            <a:normAutofit/>
           </a:bodyPr>
           <a:lstStyle/>
           <a:p>
@@ -8726,41 +10815,137 @@
           <a:p>
             <a:r>
               <a:rPr lang="de-CH" dirty="0"/>
-              <a:t>Spionagefälle der UdSSR </a:t>
-            </a:r>
-          </a:p>
-          <a:p>
-            <a:r>
-              <a:rPr lang="de-CH" dirty="0"/>
-              <a:t>China wird Kommunistisch</a:t>
-            </a:r>
-          </a:p>
-        </p:txBody>
-      </p:sp>
-      <p:sp>
-        <p:nvSpPr>
-          <p:cNvPr id="5" name="Inhaltsplatzhalter 4">
+              <a:t>Angst vor russischen Spionen und Verbreitung des Kommunismus</a:t>
+            </a:r>
+          </a:p>
+        </p:txBody>
+      </p:sp>
+      <p:pic>
+        <p:nvPicPr>
+          <p:cNvPr id="3074" name="Picture 2" descr="http://i1.wp.com/metrocosm.com/wp-content/uploads/2016/05/usa-immigration-percentage.png">
             <a:extLst>
               <a:ext uri="{FF2B5EF4-FFF2-40B4-BE49-F238E27FC236}">
-                <a16:creationId xmlns:a16="http://schemas.microsoft.com/office/drawing/2014/main" id="{F720479C-6922-4905-B70F-B71A989AE531}"/>
+                <a16:creationId xmlns:a16="http://schemas.microsoft.com/office/drawing/2014/main" id="{365A9D72-8B3A-41B1-BD1F-24C2CAD1261E}"/>
               </a:ext>
             </a:extLst>
           </p:cNvPr>
-          <p:cNvSpPr>
-            <a:spLocks noGrp="1"/>
-          </p:cNvSpPr>
+          <p:cNvPicPr>
+            <a:picLocks noGrp="1" noChangeAspect="1" noChangeArrowheads="1"/>
+          </p:cNvPicPr>
           <p:nvPr>
             <p:ph sz="half" idx="2"/>
           </p:nvPr>
-        </p:nvSpPr>
-        <p:spPr/>
-        <p:txBody>
-          <a:bodyPr>
-            <a:normAutofit lnSpcReduction="10000"/>
+        </p:nvPicPr>
+        <p:blipFill>
+          <a:blip r:embed="rId5">
+            <a:extLst>
+              <a:ext uri="{28A0092B-C50C-407E-A947-70E740481C1C}">
+                <a14:useLocalDpi xmlns:a14="http://schemas.microsoft.com/office/drawing/2010/main" val="0"/>
+              </a:ext>
+            </a:extLst>
+          </a:blip>
+          <a:srcRect/>
+          <a:stretch>
+            <a:fillRect/>
+          </a:stretch>
+        </p:blipFill>
+        <p:spPr bwMode="auto">
+          <a:xfrm>
+            <a:off x="5871792" y="2798989"/>
+            <a:ext cx="5639886" cy="2810543"/>
+          </a:xfrm>
+          <a:prstGeom prst="rect">
+            <a:avLst/>
+          </a:prstGeom>
+          <a:noFill/>
+          <a:ln>
+            <a:noFill/>
+          </a:ln>
+          <a:effectLst>
+            <a:outerShdw blurRad="76200" dist="63500" dir="5040000" algn="tl" rotWithShape="0">
+              <a:srgbClr val="000000">
+                <a:alpha val="41000"/>
+              </a:srgbClr>
+            </a:outerShdw>
+          </a:effectLst>
+          <a:extLst>
+            <a:ext uri="{909E8E84-426E-40DD-AFC4-6F175D3DCCD1}">
+              <a14:hiddenFill xmlns:a14="http://schemas.microsoft.com/office/drawing/2010/main">
+                <a:solidFill>
+                  <a:srgbClr val="FFFFFF"/>
+                </a:solidFill>
+              </a14:hiddenFill>
+            </a:ext>
+          </a:extLst>
+        </p:spPr>
+      </p:pic>
+      <p:sp>
+        <p:nvSpPr>
+          <p:cNvPr id="11" name="Textfeld 10">
+            <a:extLst>
+              <a:ext uri="{FF2B5EF4-FFF2-40B4-BE49-F238E27FC236}">
+                <a16:creationId xmlns:a16="http://schemas.microsoft.com/office/drawing/2014/main" id="{DD318F71-A659-4E78-941D-37BFA01C4729}"/>
+              </a:ext>
+            </a:extLst>
+          </p:cNvPr>
+          <p:cNvSpPr txBox="1"/>
+          <p:nvPr/>
+        </p:nvSpPr>
+        <p:spPr>
+          <a:xfrm>
+            <a:off x="0" y="6460805"/>
+            <a:ext cx="2043953" cy="369332"/>
+          </a:xfrm>
+          <a:prstGeom prst="rect">
+            <a:avLst/>
+          </a:prstGeom>
+          <a:noFill/>
+        </p:spPr>
+        <p:txBody>
+          <a:bodyPr wrap="square" rtlCol="0">
+            <a:spAutoFit/>
           </a:bodyPr>
           <a:lstStyle/>
           <a:p>
-            <a:endParaRPr lang="de-CH" dirty="0"/>
+            <a:r>
+              <a:rPr lang="de-CH" dirty="0"/>
+              <a:t>Quellen 1,2</a:t>
+            </a:r>
+          </a:p>
+        </p:txBody>
+      </p:sp>
+      <p:sp>
+        <p:nvSpPr>
+          <p:cNvPr id="12" name="Textfeld 11">
+            <a:extLst>
+              <a:ext uri="{FF2B5EF4-FFF2-40B4-BE49-F238E27FC236}">
+                <a16:creationId xmlns:a16="http://schemas.microsoft.com/office/drawing/2014/main" id="{4A3E7A7C-3E42-4CE5-9921-B33886037FBB}"/>
+              </a:ext>
+            </a:extLst>
+          </p:cNvPr>
+          <p:cNvSpPr txBox="1"/>
+          <p:nvPr/>
+        </p:nvSpPr>
+        <p:spPr>
+          <a:xfrm>
+            <a:off x="5758484" y="5587434"/>
+            <a:ext cx="3622183" cy="369332"/>
+          </a:xfrm>
+          <a:prstGeom prst="rect">
+            <a:avLst/>
+          </a:prstGeom>
+          <a:noFill/>
+        </p:spPr>
+        <p:txBody>
+          <a:bodyPr wrap="square" rtlCol="0">
+            <a:spAutoFit/>
+          </a:bodyPr>
+          <a:lstStyle/>
+          <a:p>
+            <a:r>
+              <a:rPr lang="de-CH" dirty="0"/>
+              <a:t>Abb.3 Statistik Immigration USA</a:t>
+            </a:r>
           </a:p>
         </p:txBody>
       </p:sp>
@@ -8780,6 +10965,41 @@
 <file path=ppt/slides/slide5.xml><?xml version="1.0" encoding="utf-8"?>
 <p:sld xmlns:a="http://schemas.openxmlformats.org/drawingml/2006/main" xmlns:r="http://schemas.openxmlformats.org/officeDocument/2006/relationships" xmlns:p="http://schemas.openxmlformats.org/presentationml/2006/main">
   <p:cSld>
+    <p:bg>
+      <p:bgPr>
+        <a:gradFill rotWithShape="1">
+          <a:gsLst>
+            <a:gs pos="0">
+              <a:schemeClr val="bg2">
+                <a:tint val="96000"/>
+                <a:shade val="100000"/>
+                <a:hueMod val="270000"/>
+                <a:satMod val="200000"/>
+                <a:lumMod val="128000"/>
+              </a:schemeClr>
+            </a:gs>
+            <a:gs pos="50000">
+              <a:schemeClr val="bg2">
+                <a:shade val="100000"/>
+                <a:hueMod val="100000"/>
+                <a:satMod val="110000"/>
+                <a:lumMod val="130000"/>
+              </a:schemeClr>
+            </a:gs>
+            <a:gs pos="100000">
+              <a:schemeClr val="bg2">
+                <a:shade val="78000"/>
+                <a:hueMod val="44000"/>
+                <a:satMod val="200000"/>
+                <a:lumMod val="69000"/>
+              </a:schemeClr>
+            </a:gs>
+          </a:gsLst>
+          <a:lin ang="2520000" scaled="0"/>
+        </a:gradFill>
+        <a:effectLst/>
+      </p:bgPr>
+    </p:bg>
     <p:spTree>
       <p:nvGrpSpPr>
         <p:cNvPr id="1" name=""/>
@@ -8794,6 +11014,255 @@
           <a:chExt cx="0" cy="0"/>
         </a:xfrm>
       </p:grpSpPr>
+      <p:pic>
+        <p:nvPicPr>
+          <p:cNvPr id="71" name="Picture 70">
+            <a:extLst>
+              <a:ext uri="{FF2B5EF4-FFF2-40B4-BE49-F238E27FC236}">
+                <a16:creationId xmlns:a16="http://schemas.microsoft.com/office/drawing/2014/main" id="{5321D838-2C7E-4177-9DD3-DAC78324A2B2}"/>
+              </a:ext>
+              <a:ext uri="{C183D7F6-B498-43B3-948B-1728B52AA6E4}">
+                <adec:decorative xmlns:adec="http://schemas.microsoft.com/office/drawing/2017/decorative" val="1"/>
+              </a:ext>
+            </a:extLst>
+          </p:cNvPr>
+          <p:cNvPicPr>
+            <a:picLocks noGrp="1" noRot="1" noChangeAspect="1" noMove="1" noResize="1" noEditPoints="1" noAdjustHandles="1" noChangeArrowheads="1" noChangeShapeType="1" noCrop="1"/>
+          </p:cNvPicPr>
+          <p:nvPr>
+            <p:extLst>
+              <p:ext uri="{386F3935-93C4-4BCD-93E2-E3B085C9AB24}">
+                <p16:designElem xmlns:p16="http://schemas.microsoft.com/office/powerpoint/2015/main" val="1"/>
+              </p:ext>
+            </p:extLst>
+          </p:nvPr>
+        </p:nvPicPr>
+        <p:blipFill>
+          <a:blip r:embed="rId2">
+            <a:alphaModFix amt="10000"/>
+            <a:extLst>
+              <a:ext uri="{28A0092B-C50C-407E-A947-70E740481C1C}">
+                <a14:useLocalDpi xmlns:a14="http://schemas.microsoft.com/office/drawing/2010/main" val="0"/>
+              </a:ext>
+            </a:extLst>
+          </a:blip>
+          <a:stretch>
+            <a:fillRect/>
+          </a:stretch>
+        </p:blipFill>
+        <p:spPr>
+          <a:xfrm>
+            <a:off x="0" y="0"/>
+            <a:ext cx="12192000" cy="6858000"/>
+          </a:xfrm>
+          <a:prstGeom prst="rect">
+            <a:avLst/>
+          </a:prstGeom>
+        </p:spPr>
+      </p:pic>
+      <p:pic>
+        <p:nvPicPr>
+          <p:cNvPr id="73" name="Picture 72">
+            <a:extLst>
+              <a:ext uri="{FF2B5EF4-FFF2-40B4-BE49-F238E27FC236}">
+                <a16:creationId xmlns:a16="http://schemas.microsoft.com/office/drawing/2014/main" id="{224C28B3-E902-49D1-98A0-582D277A0E00}"/>
+              </a:ext>
+              <a:ext uri="{C183D7F6-B498-43B3-948B-1728B52AA6E4}">
+                <adec:decorative xmlns:adec="http://schemas.microsoft.com/office/drawing/2017/decorative" val="1"/>
+              </a:ext>
+            </a:extLst>
+          </p:cNvPr>
+          <p:cNvPicPr>
+            <a:picLocks noGrp="1" noRot="1" noChangeAspect="1" noMove="1" noResize="1" noEditPoints="1" noAdjustHandles="1" noChangeArrowheads="1" noChangeShapeType="1" noCrop="1"/>
+          </p:cNvPicPr>
+          <p:nvPr>
+            <p:extLst>
+              <p:ext uri="{386F3935-93C4-4BCD-93E2-E3B085C9AB24}">
+                <p16:designElem xmlns:p16="http://schemas.microsoft.com/office/powerpoint/2015/main" val="1"/>
+              </p:ext>
+            </p:extLst>
+          </p:nvPr>
+        </p:nvPicPr>
+        <p:blipFill>
+          <a:blip r:embed="rId3">
+            <a:extLst>
+              <a:ext uri="{28A0092B-C50C-407E-A947-70E740481C1C}">
+                <a14:useLocalDpi xmlns:a14="http://schemas.microsoft.com/office/drawing/2010/main" val="0"/>
+              </a:ext>
+            </a:extLst>
+          </a:blip>
+          <a:stretch>
+            <a:fillRect/>
+          </a:stretch>
+        </p:blipFill>
+        <p:spPr>
+          <a:xfrm>
+            <a:off x="1" y="1970240"/>
+            <a:ext cx="10437812" cy="321164"/>
+          </a:xfrm>
+          <a:prstGeom prst="rect">
+            <a:avLst/>
+          </a:prstGeom>
+        </p:spPr>
+      </p:pic>
+      <p:pic>
+        <p:nvPicPr>
+          <p:cNvPr id="75" name="Picture 74">
+            <a:extLst>
+              <a:ext uri="{FF2B5EF4-FFF2-40B4-BE49-F238E27FC236}">
+                <a16:creationId xmlns:a16="http://schemas.microsoft.com/office/drawing/2014/main" id="{F3A6C14C-E755-4A02-821B-6EA2D4C9F20D}"/>
+              </a:ext>
+              <a:ext uri="{C183D7F6-B498-43B3-948B-1728B52AA6E4}">
+                <adec:decorative xmlns:adec="http://schemas.microsoft.com/office/drawing/2017/decorative" val="1"/>
+              </a:ext>
+            </a:extLst>
+          </p:cNvPr>
+          <p:cNvPicPr>
+            <a:picLocks noGrp="1" noRot="1" noChangeAspect="1" noMove="1" noResize="1" noEditPoints="1" noAdjustHandles="1" noChangeArrowheads="1" noChangeShapeType="1" noCrop="1"/>
+          </p:cNvPicPr>
+          <p:nvPr>
+            <p:extLst>
+              <p:ext uri="{386F3935-93C4-4BCD-93E2-E3B085C9AB24}">
+                <p16:designElem xmlns:p16="http://schemas.microsoft.com/office/powerpoint/2015/main" val="1"/>
+              </p:ext>
+            </p:extLst>
+          </p:nvPr>
+        </p:nvPicPr>
+        <p:blipFill>
+          <a:blip r:embed="rId4" cstate="print">
+            <a:extLst>
+              <a:ext uri="{28A0092B-C50C-407E-A947-70E740481C1C}">
+                <a14:useLocalDpi xmlns:a14="http://schemas.microsoft.com/office/drawing/2010/main" val="0"/>
+              </a:ext>
+            </a:extLst>
+          </a:blip>
+          <a:stretch>
+            <a:fillRect/>
+          </a:stretch>
+        </p:blipFill>
+        <p:spPr>
+          <a:xfrm>
+            <a:off x="10585826" y="1971234"/>
+            <a:ext cx="1602997" cy="144270"/>
+          </a:xfrm>
+          <a:prstGeom prst="rect">
+            <a:avLst/>
+          </a:prstGeom>
+        </p:spPr>
+      </p:pic>
+      <p:sp>
+        <p:nvSpPr>
+          <p:cNvPr id="77" name="Rectangle 76">
+            <a:extLst>
+              <a:ext uri="{FF2B5EF4-FFF2-40B4-BE49-F238E27FC236}">
+                <a16:creationId xmlns:a16="http://schemas.microsoft.com/office/drawing/2014/main" id="{6478287C-E119-4E9C-95B0-518478BD9D07}"/>
+              </a:ext>
+              <a:ext uri="{C183D7F6-B498-43B3-948B-1728B52AA6E4}">
+                <adec:decorative xmlns:adec="http://schemas.microsoft.com/office/drawing/2017/decorative" val="1"/>
+              </a:ext>
+            </a:extLst>
+          </p:cNvPr>
+          <p:cNvSpPr>
+            <a:spLocks noGrp="1" noRot="1" noChangeAspect="1" noMove="1" noResize="1" noEditPoints="1" noAdjustHandles="1" noChangeArrowheads="1" noChangeShapeType="1" noTextEdit="1"/>
+          </p:cNvSpPr>
+          <p:nvPr>
+            <p:extLst>
+              <p:ext uri="{386F3935-93C4-4BCD-93E2-E3B085C9AB24}">
+                <p16:designElem xmlns:p16="http://schemas.microsoft.com/office/powerpoint/2015/main" val="1"/>
+              </p:ext>
+            </p:extLst>
+          </p:nvPr>
+        </p:nvSpPr>
+        <p:spPr>
+          <a:xfrm>
+            <a:off x="0" y="609600"/>
+            <a:ext cx="10437812" cy="1368198"/>
+          </a:xfrm>
+          <a:prstGeom prst="rect">
+            <a:avLst/>
+          </a:prstGeom>
+          <a:solidFill>
+            <a:schemeClr val="bg1">
+              <a:lumMod val="85000"/>
+              <a:lumOff val="15000"/>
+            </a:schemeClr>
+          </a:solidFill>
+          <a:ln>
+            <a:noFill/>
+          </a:ln>
+        </p:spPr>
+        <p:style>
+          <a:lnRef idx="2">
+            <a:schemeClr val="accent1">
+              <a:shade val="50000"/>
+            </a:schemeClr>
+          </a:lnRef>
+          <a:fillRef idx="1">
+            <a:schemeClr val="accent1"/>
+          </a:fillRef>
+          <a:effectRef idx="0">
+            <a:schemeClr val="accent1"/>
+          </a:effectRef>
+          <a:fontRef idx="minor">
+            <a:schemeClr val="lt1"/>
+          </a:fontRef>
+        </p:style>
+      </p:sp>
+      <p:sp>
+        <p:nvSpPr>
+          <p:cNvPr id="79" name="Rectangle 78">
+            <a:extLst>
+              <a:ext uri="{FF2B5EF4-FFF2-40B4-BE49-F238E27FC236}">
+                <a16:creationId xmlns:a16="http://schemas.microsoft.com/office/drawing/2014/main" id="{EA4A294F-6D36-425B-8632-27FD6A284D09}"/>
+              </a:ext>
+              <a:ext uri="{C183D7F6-B498-43B3-948B-1728B52AA6E4}">
+                <adec:decorative xmlns:adec="http://schemas.microsoft.com/office/drawing/2017/decorative" val="1"/>
+              </a:ext>
+            </a:extLst>
+          </p:cNvPr>
+          <p:cNvSpPr>
+            <a:spLocks noGrp="1" noRot="1" noChangeAspect="1" noMove="1" noResize="1" noEditPoints="1" noAdjustHandles="1" noChangeArrowheads="1" noChangeShapeType="1" noTextEdit="1"/>
+          </p:cNvSpPr>
+          <p:nvPr>
+            <p:extLst>
+              <p:ext uri="{386F3935-93C4-4BCD-93E2-E3B085C9AB24}">
+                <p16:designElem xmlns:p16="http://schemas.microsoft.com/office/powerpoint/2015/main" val="1"/>
+              </p:ext>
+            </p:extLst>
+          </p:nvPr>
+        </p:nvSpPr>
+        <p:spPr>
+          <a:xfrm>
+            <a:off x="10585827" y="609600"/>
+            <a:ext cx="1602997" cy="1368198"/>
+          </a:xfrm>
+          <a:prstGeom prst="rect">
+            <a:avLst/>
+          </a:prstGeom>
+          <a:solidFill>
+            <a:schemeClr val="accent1"/>
+          </a:solidFill>
+          <a:ln>
+            <a:noFill/>
+          </a:ln>
+        </p:spPr>
+        <p:style>
+          <a:lnRef idx="2">
+            <a:schemeClr val="accent1">
+              <a:shade val="50000"/>
+            </a:schemeClr>
+          </a:lnRef>
+          <a:fillRef idx="1">
+            <a:schemeClr val="accent1"/>
+          </a:fillRef>
+          <a:effectRef idx="0">
+            <a:schemeClr val="accent1"/>
+          </a:effectRef>
+          <a:fontRef idx="minor">
+            <a:schemeClr val="lt1"/>
+          </a:fontRef>
+        </p:style>
+      </p:sp>
       <p:sp>
         <p:nvSpPr>
           <p:cNvPr id="2" name="Titel 1">
@@ -8810,13 +11279,20 @@
             <p:ph type="title"/>
           </p:nvPr>
         </p:nvSpPr>
-        <p:spPr/>
-        <p:txBody>
-          <a:bodyPr/>
+        <p:spPr>
+          <a:xfrm>
+            <a:off x="680321" y="753228"/>
+            <a:ext cx="9613861" cy="1080938"/>
+          </a:xfrm>
+        </p:spPr>
+        <p:txBody>
+          <a:bodyPr vert="horz" lIns="91440" tIns="45720" rIns="91440" bIns="45720" rtlCol="0" anchor="ctr">
+            <a:normAutofit/>
+          </a:bodyPr>
           <a:lstStyle/>
           <a:p>
             <a:r>
-              <a:rPr lang="de-CH" dirty="0"/>
+              <a:rPr lang="en-US"/>
               <a:t>Betroffene Personen</a:t>
             </a:r>
           </a:p>
@@ -8838,9 +11314,16 @@
             <p:ph sz="half" idx="1"/>
           </p:nvPr>
         </p:nvSpPr>
-        <p:spPr/>
-        <p:txBody>
-          <a:bodyPr/>
+        <p:spPr>
+          <a:xfrm>
+            <a:off x="680322" y="2336873"/>
+            <a:ext cx="5225626" cy="3599316"/>
+          </a:xfrm>
+        </p:spPr>
+        <p:txBody>
+          <a:bodyPr vert="horz" lIns="91440" tIns="45720" rIns="91440" bIns="45720" rtlCol="0">
+            <a:normAutofit/>
+          </a:bodyPr>
           <a:lstStyle/>
           <a:p>
             <a:pPr lvl="0"/>
@@ -8863,50 +11346,134 @@
               <a:t>Künstler</a:t>
             </a:r>
           </a:p>
-          <a:p>
-            <a:pPr lvl="0"/>
+        </p:txBody>
+      </p:sp>
+      <p:pic>
+        <p:nvPicPr>
+          <p:cNvPr id="9218" name="Picture 2" descr="https://upload.wikimedia.org/wikipedia/commons/0/04/Dalton_and_Cleo_Trumbo_%281947_HUAC_hearings%29.png">
+            <a:extLst>
+              <a:ext uri="{FF2B5EF4-FFF2-40B4-BE49-F238E27FC236}">
+                <a16:creationId xmlns:a16="http://schemas.microsoft.com/office/drawing/2014/main" id="{FC79E42B-8A02-4366-ADC4-C323DDE6F3DB}"/>
+              </a:ext>
+            </a:extLst>
+          </p:cNvPr>
+          <p:cNvPicPr>
+            <a:picLocks noGrp="1" noChangeAspect="1" noChangeArrowheads="1"/>
+          </p:cNvPicPr>
+          <p:nvPr>
+            <p:ph sz="half" idx="2"/>
+          </p:nvPr>
+        </p:nvPicPr>
+        <p:blipFill>
+          <a:blip r:embed="rId5">
+            <a:extLst>
+              <a:ext uri="{28A0092B-C50C-407E-A947-70E740481C1C}">
+                <a14:useLocalDpi xmlns:a14="http://schemas.microsoft.com/office/drawing/2010/main" val="0"/>
+              </a:ext>
+            </a:extLst>
+          </a:blip>
+          <a:srcRect/>
+          <a:stretch>
+            <a:fillRect/>
+          </a:stretch>
+        </p:blipFill>
+        <p:spPr bwMode="auto">
+          <a:xfrm>
+            <a:off x="6949883" y="2396970"/>
+            <a:ext cx="4198182" cy="3379536"/>
+          </a:xfrm>
+          <a:prstGeom prst="rect">
+            <a:avLst/>
+          </a:prstGeom>
+          <a:noFill/>
+          <a:ln>
+            <a:noFill/>
+          </a:ln>
+          <a:effectLst>
+            <a:outerShdw blurRad="76200" dist="63500" dir="5040000" algn="tl" rotWithShape="0">
+              <a:srgbClr val="000000">
+                <a:alpha val="41000"/>
+              </a:srgbClr>
+            </a:outerShdw>
+          </a:effectLst>
+          <a:extLst>
+            <a:ext uri="{909E8E84-426E-40DD-AFC4-6F175D3DCCD1}">
+              <a14:hiddenFill xmlns:a14="http://schemas.microsoft.com/office/drawing/2010/main">
+                <a:solidFill>
+                  <a:srgbClr val="FFFFFF"/>
+                </a:solidFill>
+              </a14:hiddenFill>
+            </a:ext>
+          </a:extLst>
+        </p:spPr>
+      </p:pic>
+      <p:sp>
+        <p:nvSpPr>
+          <p:cNvPr id="11" name="Textfeld 10">
+            <a:extLst>
+              <a:ext uri="{FF2B5EF4-FFF2-40B4-BE49-F238E27FC236}">
+                <a16:creationId xmlns:a16="http://schemas.microsoft.com/office/drawing/2014/main" id="{19CDE25A-9FF1-463D-A16E-76DC313D7E70}"/>
+              </a:ext>
+            </a:extLst>
+          </p:cNvPr>
+          <p:cNvSpPr txBox="1"/>
+          <p:nvPr/>
+        </p:nvSpPr>
+        <p:spPr>
+          <a:xfrm>
+            <a:off x="0" y="6460805"/>
+            <a:ext cx="2043953" cy="369332"/>
+          </a:xfrm>
+          <a:prstGeom prst="rect">
+            <a:avLst/>
+          </a:prstGeom>
+          <a:noFill/>
+        </p:spPr>
+        <p:txBody>
+          <a:bodyPr wrap="square" rtlCol="0">
+            <a:spAutoFit/>
+          </a:bodyPr>
+          <a:lstStyle/>
+          <a:p>
             <a:r>
               <a:rPr lang="de-CH" dirty="0"/>
-              <a:t>Kommunistische Partei Mitglieder</a:t>
-            </a:r>
-          </a:p>
-          <a:p>
-            <a:pPr lvl="0"/>
+              <a:t>Quellen 1</a:t>
+            </a:r>
+          </a:p>
+        </p:txBody>
+      </p:sp>
+      <p:sp>
+        <p:nvSpPr>
+          <p:cNvPr id="12" name="Textfeld 11">
+            <a:extLst>
+              <a:ext uri="{FF2B5EF4-FFF2-40B4-BE49-F238E27FC236}">
+                <a16:creationId xmlns:a16="http://schemas.microsoft.com/office/drawing/2014/main" id="{DB8C75CA-37A1-405F-9B2F-2B1EA3C25FE0}"/>
+              </a:ext>
+            </a:extLst>
+          </p:cNvPr>
+          <p:cNvSpPr txBox="1"/>
+          <p:nvPr/>
+        </p:nvSpPr>
+        <p:spPr>
+          <a:xfrm>
+            <a:off x="6815629" y="5763255"/>
+            <a:ext cx="4332436" cy="369332"/>
+          </a:xfrm>
+          <a:prstGeom prst="rect">
+            <a:avLst/>
+          </a:prstGeom>
+          <a:noFill/>
+        </p:spPr>
+        <p:txBody>
+          <a:bodyPr wrap="square" rtlCol="0">
+            <a:spAutoFit/>
+          </a:bodyPr>
+          <a:lstStyle/>
+          <a:p>
             <a:r>
               <a:rPr lang="de-CH" dirty="0"/>
-              <a:t>Kommunistische Sympathisanten </a:t>
-            </a:r>
-          </a:p>
-          <a:p>
-            <a:pPr marL="0" indent="0">
-              <a:buNone/>
-            </a:pPr>
-            <a:endParaRPr lang="de-CH" dirty="0"/>
-          </a:p>
-        </p:txBody>
-      </p:sp>
-      <p:sp>
-        <p:nvSpPr>
-          <p:cNvPr id="4" name="Inhaltsplatzhalter 3">
-            <a:extLst>
-              <a:ext uri="{FF2B5EF4-FFF2-40B4-BE49-F238E27FC236}">
-                <a16:creationId xmlns:a16="http://schemas.microsoft.com/office/drawing/2014/main" id="{D8F71520-A397-453B-BA27-6CF4D9202CF8}"/>
-              </a:ext>
-            </a:extLst>
-          </p:cNvPr>
-          <p:cNvSpPr>
-            <a:spLocks noGrp="1"/>
-          </p:cNvSpPr>
-          <p:nvPr>
-            <p:ph sz="half" idx="2"/>
-          </p:nvPr>
-        </p:nvSpPr>
-        <p:spPr/>
-        <p:txBody>
-          <a:bodyPr/>
-          <a:lstStyle/>
-          <a:p>
-            <a:endParaRPr lang="de-CH"/>
+              <a:t>Abb.4 Dalton Trumbo (Filmschaffender)</a:t>
+            </a:r>
           </a:p>
         </p:txBody>
       </p:sp>
@@ -8926,6 +11493,41 @@
 <file path=ppt/slides/slide6.xml><?xml version="1.0" encoding="utf-8"?>
 <p:sld xmlns:a="http://schemas.openxmlformats.org/drawingml/2006/main" xmlns:r="http://schemas.openxmlformats.org/officeDocument/2006/relationships" xmlns:p="http://schemas.openxmlformats.org/presentationml/2006/main">
   <p:cSld>
+    <p:bg>
+      <p:bgPr>
+        <a:gradFill rotWithShape="1">
+          <a:gsLst>
+            <a:gs pos="0">
+              <a:schemeClr val="bg2">
+                <a:tint val="96000"/>
+                <a:shade val="100000"/>
+                <a:hueMod val="270000"/>
+                <a:satMod val="200000"/>
+                <a:lumMod val="128000"/>
+              </a:schemeClr>
+            </a:gs>
+            <a:gs pos="50000">
+              <a:schemeClr val="bg2">
+                <a:shade val="100000"/>
+                <a:hueMod val="100000"/>
+                <a:satMod val="110000"/>
+                <a:lumMod val="130000"/>
+              </a:schemeClr>
+            </a:gs>
+            <a:gs pos="100000">
+              <a:schemeClr val="bg2">
+                <a:shade val="78000"/>
+                <a:hueMod val="44000"/>
+                <a:satMod val="200000"/>
+                <a:lumMod val="69000"/>
+              </a:schemeClr>
+            </a:gs>
+          </a:gsLst>
+          <a:lin ang="2520000" scaled="0"/>
+        </a:gradFill>
+        <a:effectLst/>
+      </p:bgPr>
+    </p:bg>
     <p:spTree>
       <p:nvGrpSpPr>
         <p:cNvPr id="1" name=""/>
@@ -8940,6 +11542,255 @@
           <a:chExt cx="0" cy="0"/>
         </a:xfrm>
       </p:grpSpPr>
+      <p:pic>
+        <p:nvPicPr>
+          <p:cNvPr id="4111" name="Picture 145">
+            <a:extLst>
+              <a:ext uri="{FF2B5EF4-FFF2-40B4-BE49-F238E27FC236}">
+                <a16:creationId xmlns:a16="http://schemas.microsoft.com/office/drawing/2014/main" id="{5321D838-2C7E-4177-9DD3-DAC78324A2B2}"/>
+              </a:ext>
+              <a:ext uri="{C183D7F6-B498-43B3-948B-1728B52AA6E4}">
+                <adec:decorative xmlns:adec="http://schemas.microsoft.com/office/drawing/2017/decorative" val="1"/>
+              </a:ext>
+            </a:extLst>
+          </p:cNvPr>
+          <p:cNvPicPr>
+            <a:picLocks noGrp="1" noRot="1" noChangeAspect="1" noMove="1" noResize="1" noEditPoints="1" noAdjustHandles="1" noChangeArrowheads="1" noChangeShapeType="1" noCrop="1"/>
+          </p:cNvPicPr>
+          <p:nvPr>
+            <p:extLst>
+              <p:ext uri="{386F3935-93C4-4BCD-93E2-E3B085C9AB24}">
+                <p16:designElem xmlns:p16="http://schemas.microsoft.com/office/powerpoint/2015/main" val="1"/>
+              </p:ext>
+            </p:extLst>
+          </p:nvPr>
+        </p:nvPicPr>
+        <p:blipFill>
+          <a:blip r:embed="rId2">
+            <a:alphaModFix amt="10000"/>
+            <a:extLst>
+              <a:ext uri="{28A0092B-C50C-407E-A947-70E740481C1C}">
+                <a14:useLocalDpi xmlns:a14="http://schemas.microsoft.com/office/drawing/2010/main" val="0"/>
+              </a:ext>
+            </a:extLst>
+          </a:blip>
+          <a:stretch>
+            <a:fillRect/>
+          </a:stretch>
+        </p:blipFill>
+        <p:spPr>
+          <a:xfrm>
+            <a:off x="0" y="0"/>
+            <a:ext cx="12192000" cy="6858000"/>
+          </a:xfrm>
+          <a:prstGeom prst="rect">
+            <a:avLst/>
+          </a:prstGeom>
+        </p:spPr>
+      </p:pic>
+      <p:pic>
+        <p:nvPicPr>
+          <p:cNvPr id="4112" name="Picture 147">
+            <a:extLst>
+              <a:ext uri="{FF2B5EF4-FFF2-40B4-BE49-F238E27FC236}">
+                <a16:creationId xmlns:a16="http://schemas.microsoft.com/office/drawing/2014/main" id="{224C28B3-E902-49D1-98A0-582D277A0E00}"/>
+              </a:ext>
+              <a:ext uri="{C183D7F6-B498-43B3-948B-1728B52AA6E4}">
+                <adec:decorative xmlns:adec="http://schemas.microsoft.com/office/drawing/2017/decorative" val="1"/>
+              </a:ext>
+            </a:extLst>
+          </p:cNvPr>
+          <p:cNvPicPr>
+            <a:picLocks noGrp="1" noRot="1" noChangeAspect="1" noMove="1" noResize="1" noEditPoints="1" noAdjustHandles="1" noChangeArrowheads="1" noChangeShapeType="1" noCrop="1"/>
+          </p:cNvPicPr>
+          <p:nvPr>
+            <p:extLst>
+              <p:ext uri="{386F3935-93C4-4BCD-93E2-E3B085C9AB24}">
+                <p16:designElem xmlns:p16="http://schemas.microsoft.com/office/powerpoint/2015/main" val="1"/>
+              </p:ext>
+            </p:extLst>
+          </p:nvPr>
+        </p:nvPicPr>
+        <p:blipFill>
+          <a:blip r:embed="rId3">
+            <a:extLst>
+              <a:ext uri="{28A0092B-C50C-407E-A947-70E740481C1C}">
+                <a14:useLocalDpi xmlns:a14="http://schemas.microsoft.com/office/drawing/2010/main" val="0"/>
+              </a:ext>
+            </a:extLst>
+          </a:blip>
+          <a:stretch>
+            <a:fillRect/>
+          </a:stretch>
+        </p:blipFill>
+        <p:spPr>
+          <a:xfrm>
+            <a:off x="1" y="1970240"/>
+            <a:ext cx="10437812" cy="321164"/>
+          </a:xfrm>
+          <a:prstGeom prst="rect">
+            <a:avLst/>
+          </a:prstGeom>
+        </p:spPr>
+      </p:pic>
+      <p:pic>
+        <p:nvPicPr>
+          <p:cNvPr id="4113" name="Picture 149">
+            <a:extLst>
+              <a:ext uri="{FF2B5EF4-FFF2-40B4-BE49-F238E27FC236}">
+                <a16:creationId xmlns:a16="http://schemas.microsoft.com/office/drawing/2014/main" id="{F3A6C14C-E755-4A02-821B-6EA2D4C9F20D}"/>
+              </a:ext>
+              <a:ext uri="{C183D7F6-B498-43B3-948B-1728B52AA6E4}">
+                <adec:decorative xmlns:adec="http://schemas.microsoft.com/office/drawing/2017/decorative" val="1"/>
+              </a:ext>
+            </a:extLst>
+          </p:cNvPr>
+          <p:cNvPicPr>
+            <a:picLocks noGrp="1" noRot="1" noChangeAspect="1" noMove="1" noResize="1" noEditPoints="1" noAdjustHandles="1" noChangeArrowheads="1" noChangeShapeType="1" noCrop="1"/>
+          </p:cNvPicPr>
+          <p:nvPr>
+            <p:extLst>
+              <p:ext uri="{386F3935-93C4-4BCD-93E2-E3B085C9AB24}">
+                <p16:designElem xmlns:p16="http://schemas.microsoft.com/office/powerpoint/2015/main" val="1"/>
+              </p:ext>
+            </p:extLst>
+          </p:nvPr>
+        </p:nvPicPr>
+        <p:blipFill>
+          <a:blip r:embed="rId4" cstate="print">
+            <a:extLst>
+              <a:ext uri="{28A0092B-C50C-407E-A947-70E740481C1C}">
+                <a14:useLocalDpi xmlns:a14="http://schemas.microsoft.com/office/drawing/2010/main" val="0"/>
+              </a:ext>
+            </a:extLst>
+          </a:blip>
+          <a:stretch>
+            <a:fillRect/>
+          </a:stretch>
+        </p:blipFill>
+        <p:spPr>
+          <a:xfrm>
+            <a:off x="10585826" y="1971234"/>
+            <a:ext cx="1602997" cy="144270"/>
+          </a:xfrm>
+          <a:prstGeom prst="rect">
+            <a:avLst/>
+          </a:prstGeom>
+        </p:spPr>
+      </p:pic>
+      <p:sp>
+        <p:nvSpPr>
+          <p:cNvPr id="4114" name="Rectangle 151">
+            <a:extLst>
+              <a:ext uri="{FF2B5EF4-FFF2-40B4-BE49-F238E27FC236}">
+                <a16:creationId xmlns:a16="http://schemas.microsoft.com/office/drawing/2014/main" id="{6478287C-E119-4E9C-95B0-518478BD9D07}"/>
+              </a:ext>
+              <a:ext uri="{C183D7F6-B498-43B3-948B-1728B52AA6E4}">
+                <adec:decorative xmlns:adec="http://schemas.microsoft.com/office/drawing/2017/decorative" val="1"/>
+              </a:ext>
+            </a:extLst>
+          </p:cNvPr>
+          <p:cNvSpPr>
+            <a:spLocks noGrp="1" noRot="1" noChangeAspect="1" noMove="1" noResize="1" noEditPoints="1" noAdjustHandles="1" noChangeArrowheads="1" noChangeShapeType="1" noTextEdit="1"/>
+          </p:cNvSpPr>
+          <p:nvPr>
+            <p:extLst>
+              <p:ext uri="{386F3935-93C4-4BCD-93E2-E3B085C9AB24}">
+                <p16:designElem xmlns:p16="http://schemas.microsoft.com/office/powerpoint/2015/main" val="1"/>
+              </p:ext>
+            </p:extLst>
+          </p:nvPr>
+        </p:nvSpPr>
+        <p:spPr>
+          <a:xfrm>
+            <a:off x="0" y="609600"/>
+            <a:ext cx="10437812" cy="1368198"/>
+          </a:xfrm>
+          <a:prstGeom prst="rect">
+            <a:avLst/>
+          </a:prstGeom>
+          <a:solidFill>
+            <a:schemeClr val="bg1">
+              <a:lumMod val="85000"/>
+              <a:lumOff val="15000"/>
+            </a:schemeClr>
+          </a:solidFill>
+          <a:ln>
+            <a:noFill/>
+          </a:ln>
+        </p:spPr>
+        <p:style>
+          <a:lnRef idx="2">
+            <a:schemeClr val="accent1">
+              <a:shade val="50000"/>
+            </a:schemeClr>
+          </a:lnRef>
+          <a:fillRef idx="1">
+            <a:schemeClr val="accent1"/>
+          </a:fillRef>
+          <a:effectRef idx="0">
+            <a:schemeClr val="accent1"/>
+          </a:effectRef>
+          <a:fontRef idx="minor">
+            <a:schemeClr val="lt1"/>
+          </a:fontRef>
+        </p:style>
+      </p:sp>
+      <p:sp>
+        <p:nvSpPr>
+          <p:cNvPr id="4115" name="Rectangle 153">
+            <a:extLst>
+              <a:ext uri="{FF2B5EF4-FFF2-40B4-BE49-F238E27FC236}">
+                <a16:creationId xmlns:a16="http://schemas.microsoft.com/office/drawing/2014/main" id="{EA4A294F-6D36-425B-8632-27FD6A284D09}"/>
+              </a:ext>
+              <a:ext uri="{C183D7F6-B498-43B3-948B-1728B52AA6E4}">
+                <adec:decorative xmlns:adec="http://schemas.microsoft.com/office/drawing/2017/decorative" val="1"/>
+              </a:ext>
+            </a:extLst>
+          </p:cNvPr>
+          <p:cNvSpPr>
+            <a:spLocks noGrp="1" noRot="1" noChangeAspect="1" noMove="1" noResize="1" noEditPoints="1" noAdjustHandles="1" noChangeArrowheads="1" noChangeShapeType="1" noTextEdit="1"/>
+          </p:cNvSpPr>
+          <p:nvPr>
+            <p:extLst>
+              <p:ext uri="{386F3935-93C4-4BCD-93E2-E3B085C9AB24}">
+                <p16:designElem xmlns:p16="http://schemas.microsoft.com/office/powerpoint/2015/main" val="1"/>
+              </p:ext>
+            </p:extLst>
+          </p:nvPr>
+        </p:nvSpPr>
+        <p:spPr>
+          <a:xfrm>
+            <a:off x="10585827" y="609600"/>
+            <a:ext cx="1602997" cy="1368198"/>
+          </a:xfrm>
+          <a:prstGeom prst="rect">
+            <a:avLst/>
+          </a:prstGeom>
+          <a:solidFill>
+            <a:schemeClr val="accent1"/>
+          </a:solidFill>
+          <a:ln>
+            <a:noFill/>
+          </a:ln>
+        </p:spPr>
+        <p:style>
+          <a:lnRef idx="2">
+            <a:schemeClr val="accent1">
+              <a:shade val="50000"/>
+            </a:schemeClr>
+          </a:lnRef>
+          <a:fillRef idx="1">
+            <a:schemeClr val="accent1"/>
+          </a:fillRef>
+          <a:effectRef idx="0">
+            <a:schemeClr val="accent1"/>
+          </a:effectRef>
+          <a:fontRef idx="minor">
+            <a:schemeClr val="lt1"/>
+          </a:fontRef>
+        </p:style>
+      </p:sp>
       <p:sp>
         <p:nvSpPr>
           <p:cNvPr id="2" name="Titel 1">
@@ -8956,13 +11807,20 @@
             <p:ph type="title"/>
           </p:nvPr>
         </p:nvSpPr>
-        <p:spPr/>
-        <p:txBody>
-          <a:bodyPr/>
+        <p:spPr>
+          <a:xfrm>
+            <a:off x="680321" y="753228"/>
+            <a:ext cx="9613861" cy="1080938"/>
+          </a:xfrm>
+        </p:spPr>
+        <p:txBody>
+          <a:bodyPr vert="horz" lIns="91440" tIns="45720" rIns="91440" bIns="45720" rtlCol="0" anchor="ctr">
+            <a:normAutofit/>
+          </a:bodyPr>
           <a:lstStyle/>
           <a:p>
             <a:r>
-              <a:rPr lang="de-CH" dirty="0"/>
+              <a:rPr lang="en-US"/>
               <a:t>Ausführende Organe und Personen</a:t>
             </a:r>
           </a:p>
@@ -8984,9 +11842,16 @@
             <p:ph sz="half" idx="1"/>
           </p:nvPr>
         </p:nvSpPr>
-        <p:spPr/>
-        <p:txBody>
-          <a:bodyPr/>
+        <p:spPr>
+          <a:xfrm>
+            <a:off x="680322" y="2336873"/>
+            <a:ext cx="5415678" cy="3980300"/>
+          </a:xfrm>
+        </p:spPr>
+        <p:txBody>
+          <a:bodyPr vert="horz" lIns="91440" tIns="45720" rIns="91440" bIns="45720" rtlCol="0">
+            <a:normAutofit fontScale="92500" lnSpcReduction="10000"/>
+          </a:bodyPr>
           <a:lstStyle/>
           <a:p>
             <a:pPr marL="0" indent="0">
@@ -8999,11 +11864,27 @@
           </a:p>
           <a:p>
             <a:r>
-              <a:rPr lang="en-US" i="1" dirty="0"/>
-              <a:t>House Un-American Activities Committee (</a:t>
-            </a:r>
-            <a:r>
-              <a:rPr lang="en-US" dirty="0"/>
+              <a:rPr lang="de-CH" i="1" dirty="0"/>
+              <a:t>House </a:t>
+            </a:r>
+            <a:r>
+              <a:rPr lang="de-CH" i="1" dirty="0" err="1"/>
+              <a:t>Un</a:t>
+            </a:r>
+            <a:r>
+              <a:rPr lang="de-CH" i="1" dirty="0"/>
+              <a:t>-American </a:t>
+            </a:r>
+            <a:r>
+              <a:rPr lang="de-CH" i="1" dirty="0" err="1"/>
+              <a:t>Activities</a:t>
+            </a:r>
+            <a:r>
+              <a:rPr lang="de-CH" i="1" dirty="0"/>
+              <a:t> Committee (</a:t>
+            </a:r>
+            <a:r>
+              <a:rPr lang="de-CH" dirty="0"/>
               <a:t>HUAC)</a:t>
             </a:r>
           </a:p>
@@ -9013,30 +11894,177 @@
               <a:t> Besonders aktiv: Martin Dies Jr. &amp; Richard Nixon</a:t>
             </a:r>
           </a:p>
-        </p:txBody>
-      </p:sp>
-      <p:sp>
-        <p:nvSpPr>
-          <p:cNvPr id="4" name="Inhaltsplatzhalter 3">
+          <a:p>
+            <a:endParaRPr lang="de-CH" dirty="0"/>
+          </a:p>
+          <a:p>
+            <a:pPr marL="0" indent="0">
+              <a:buNone/>
+            </a:pPr>
+            <a:r>
+              <a:rPr lang="de-CH" dirty="0"/>
+              <a:t>Permanent </a:t>
+            </a:r>
+            <a:r>
+              <a:rPr lang="de-CH" dirty="0" err="1"/>
+              <a:t>Subcommittee</a:t>
+            </a:r>
+            <a:r>
+              <a:rPr lang="de-CH" dirty="0"/>
+              <a:t> on </a:t>
+            </a:r>
+            <a:r>
+              <a:rPr lang="de-CH" dirty="0" err="1"/>
+              <a:t>Investigations</a:t>
+            </a:r>
+            <a:r>
+              <a:rPr lang="de-CH" dirty="0"/>
+              <a:t> </a:t>
+            </a:r>
+          </a:p>
+          <a:p>
+            <a:r>
+              <a:rPr lang="de-CH" dirty="0"/>
+              <a:t>vom Senat gegründet</a:t>
+            </a:r>
+          </a:p>
+          <a:p>
+            <a:r>
+              <a:rPr lang="de-CH" dirty="0"/>
+              <a:t>Joseph McCarthy als Vorstehender</a:t>
+            </a:r>
+          </a:p>
+          <a:p>
+            <a:endParaRPr lang="de-CH" dirty="0"/>
+          </a:p>
+        </p:txBody>
+      </p:sp>
+      <p:pic>
+        <p:nvPicPr>
+          <p:cNvPr id="4098" name="Picture 2" descr="https://i.pinimg.com/originals/70/4e/ee/704eeed42e23d44e305f5639d7b0be1c.jpg">
             <a:extLst>
               <a:ext uri="{FF2B5EF4-FFF2-40B4-BE49-F238E27FC236}">
-                <a16:creationId xmlns:a16="http://schemas.microsoft.com/office/drawing/2014/main" id="{C270582D-E40E-4E5B-8DD3-86477ACDA0E1}"/>
+                <a16:creationId xmlns:a16="http://schemas.microsoft.com/office/drawing/2014/main" id="{BF19A4F6-BC28-4776-ACB6-A63AAB090AC7}"/>
               </a:ext>
             </a:extLst>
           </p:cNvPr>
-          <p:cNvSpPr>
-            <a:spLocks noGrp="1"/>
-          </p:cNvSpPr>
+          <p:cNvPicPr>
+            <a:picLocks noGrp="1" noChangeAspect="1" noChangeArrowheads="1"/>
+          </p:cNvPicPr>
           <p:nvPr>
             <p:ph sz="half" idx="2"/>
           </p:nvPr>
-        </p:nvSpPr>
-        <p:spPr/>
-        <p:txBody>
-          <a:bodyPr/>
+        </p:nvPicPr>
+        <p:blipFill>
+          <a:blip r:embed="rId5">
+            <a:extLst>
+              <a:ext uri="{28A0092B-C50C-407E-A947-70E740481C1C}">
+                <a14:useLocalDpi xmlns:a14="http://schemas.microsoft.com/office/drawing/2010/main" val="0"/>
+              </a:ext>
+            </a:extLst>
+          </a:blip>
+          <a:srcRect/>
+          <a:stretch>
+            <a:fillRect/>
+          </a:stretch>
+        </p:blipFill>
+        <p:spPr bwMode="auto">
+          <a:xfrm>
+            <a:off x="6239435" y="2425806"/>
+            <a:ext cx="5150177" cy="3321864"/>
+          </a:xfrm>
+          <a:prstGeom prst="rect">
+            <a:avLst/>
+          </a:prstGeom>
+          <a:noFill/>
+          <a:ln>
+            <a:noFill/>
+          </a:ln>
+          <a:effectLst>
+            <a:outerShdw blurRad="76200" dist="63500" dir="5040000" algn="tl" rotWithShape="0">
+              <a:srgbClr val="000000">
+                <a:alpha val="41000"/>
+              </a:srgbClr>
+            </a:outerShdw>
+          </a:effectLst>
+          <a:extLst>
+            <a:ext uri="{909E8E84-426E-40DD-AFC4-6F175D3DCCD1}">
+              <a14:hiddenFill xmlns:a14="http://schemas.microsoft.com/office/drawing/2010/main">
+                <a:solidFill>
+                  <a:srgbClr val="FFFFFF"/>
+                </a:solidFill>
+              </a14:hiddenFill>
+            </a:ext>
+          </a:extLst>
+        </p:spPr>
+      </p:pic>
+      <p:sp>
+        <p:nvSpPr>
+          <p:cNvPr id="40" name="Textfeld 39">
+            <a:extLst>
+              <a:ext uri="{FF2B5EF4-FFF2-40B4-BE49-F238E27FC236}">
+                <a16:creationId xmlns:a16="http://schemas.microsoft.com/office/drawing/2014/main" id="{A1ACB2E0-0F4E-43F5-A2F1-085E9B86C4C5}"/>
+              </a:ext>
+            </a:extLst>
+          </p:cNvPr>
+          <p:cNvSpPr txBox="1"/>
+          <p:nvPr/>
+        </p:nvSpPr>
+        <p:spPr>
+          <a:xfrm>
+            <a:off x="0" y="6460805"/>
+            <a:ext cx="2043953" cy="369332"/>
+          </a:xfrm>
+          <a:prstGeom prst="rect">
+            <a:avLst/>
+          </a:prstGeom>
+          <a:noFill/>
+        </p:spPr>
+        <p:txBody>
+          <a:bodyPr wrap="square" rtlCol="0">
+            <a:spAutoFit/>
+          </a:bodyPr>
           <a:lstStyle/>
           <a:p>
-            <a:endParaRPr lang="de-CH"/>
+            <a:r>
+              <a:rPr lang="de-CH" dirty="0"/>
+              <a:t>Quellen 1</a:t>
+            </a:r>
+          </a:p>
+        </p:txBody>
+      </p:sp>
+      <p:sp>
+        <p:nvSpPr>
+          <p:cNvPr id="41" name="Textfeld 40">
+            <a:extLst>
+              <a:ext uri="{FF2B5EF4-FFF2-40B4-BE49-F238E27FC236}">
+                <a16:creationId xmlns:a16="http://schemas.microsoft.com/office/drawing/2014/main" id="{8421CE26-D97D-4693-80DC-5021A0396F89}"/>
+              </a:ext>
+            </a:extLst>
+          </p:cNvPr>
+          <p:cNvSpPr txBox="1"/>
+          <p:nvPr/>
+        </p:nvSpPr>
+        <p:spPr>
+          <a:xfrm>
+            <a:off x="6105376" y="5751523"/>
+            <a:ext cx="4332436" cy="369332"/>
+          </a:xfrm>
+          <a:prstGeom prst="rect">
+            <a:avLst/>
+          </a:prstGeom>
+          <a:noFill/>
+        </p:spPr>
+        <p:txBody>
+          <a:bodyPr wrap="square" rtlCol="0">
+            <a:spAutoFit/>
+          </a:bodyPr>
+          <a:lstStyle/>
+          <a:p>
+            <a:r>
+              <a:rPr lang="de-CH" dirty="0"/>
+              <a:t>Abb.5 HUAC</a:t>
+            </a:r>
           </a:p>
         </p:txBody>
       </p:sp>
@@ -9056,6 +12084,41 @@
 <file path=ppt/slides/slide7.xml><?xml version="1.0" encoding="utf-8"?>
 <p:sld xmlns:a="http://schemas.openxmlformats.org/drawingml/2006/main" xmlns:r="http://schemas.openxmlformats.org/officeDocument/2006/relationships" xmlns:p="http://schemas.openxmlformats.org/presentationml/2006/main">
   <p:cSld>
+    <p:bg>
+      <p:bgPr>
+        <a:gradFill rotWithShape="1">
+          <a:gsLst>
+            <a:gs pos="0">
+              <a:schemeClr val="bg2">
+                <a:tint val="96000"/>
+                <a:shade val="100000"/>
+                <a:hueMod val="270000"/>
+                <a:satMod val="200000"/>
+                <a:lumMod val="128000"/>
+              </a:schemeClr>
+            </a:gs>
+            <a:gs pos="50000">
+              <a:schemeClr val="bg2">
+                <a:shade val="100000"/>
+                <a:hueMod val="100000"/>
+                <a:satMod val="110000"/>
+                <a:lumMod val="130000"/>
+              </a:schemeClr>
+            </a:gs>
+            <a:gs pos="100000">
+              <a:schemeClr val="bg2">
+                <a:shade val="78000"/>
+                <a:hueMod val="44000"/>
+                <a:satMod val="200000"/>
+                <a:lumMod val="69000"/>
+              </a:schemeClr>
+            </a:gs>
+          </a:gsLst>
+          <a:lin ang="2520000" scaled="0"/>
+        </a:gradFill>
+        <a:effectLst/>
+      </p:bgPr>
+    </p:bg>
     <p:spTree>
       <p:nvGrpSpPr>
         <p:cNvPr id="1" name=""/>
@@ -9070,6 +12133,479 @@
           <a:chExt cx="0" cy="0"/>
         </a:xfrm>
       </p:grpSpPr>
+      <p:pic>
+        <p:nvPicPr>
+          <p:cNvPr id="71" name="Picture 70">
+            <a:extLst>
+              <a:ext uri="{FF2B5EF4-FFF2-40B4-BE49-F238E27FC236}">
+                <a16:creationId xmlns:a16="http://schemas.microsoft.com/office/drawing/2014/main" id="{5321D838-2C7E-4177-9DD3-DAC78324A2B2}"/>
+              </a:ext>
+              <a:ext uri="{C183D7F6-B498-43B3-948B-1728B52AA6E4}">
+                <adec:decorative xmlns:adec="http://schemas.microsoft.com/office/drawing/2017/decorative" val="1"/>
+              </a:ext>
+            </a:extLst>
+          </p:cNvPr>
+          <p:cNvPicPr>
+            <a:picLocks noGrp="1" noRot="1" noChangeAspect="1" noMove="1" noResize="1" noEditPoints="1" noAdjustHandles="1" noChangeArrowheads="1" noChangeShapeType="1" noCrop="1"/>
+          </p:cNvPicPr>
+          <p:nvPr>
+            <p:extLst>
+              <p:ext uri="{386F3935-93C4-4BCD-93E2-E3B085C9AB24}">
+                <p16:designElem xmlns:p16="http://schemas.microsoft.com/office/powerpoint/2015/main" val="1"/>
+              </p:ext>
+            </p:extLst>
+          </p:nvPr>
+        </p:nvPicPr>
+        <p:blipFill>
+          <a:blip r:embed="rId2">
+            <a:alphaModFix amt="10000"/>
+            <a:extLst>
+              <a:ext uri="{28A0092B-C50C-407E-A947-70E740481C1C}">
+                <a14:useLocalDpi xmlns:a14="http://schemas.microsoft.com/office/drawing/2010/main" val="0"/>
+              </a:ext>
+            </a:extLst>
+          </a:blip>
+          <a:stretch>
+            <a:fillRect/>
+          </a:stretch>
+        </p:blipFill>
+        <p:spPr>
+          <a:xfrm>
+            <a:off x="0" y="0"/>
+            <a:ext cx="12192000" cy="6858000"/>
+          </a:xfrm>
+          <a:prstGeom prst="rect">
+            <a:avLst/>
+          </a:prstGeom>
+        </p:spPr>
+      </p:pic>
+      <p:pic>
+        <p:nvPicPr>
+          <p:cNvPr id="73" name="Picture 72">
+            <a:extLst>
+              <a:ext uri="{FF2B5EF4-FFF2-40B4-BE49-F238E27FC236}">
+                <a16:creationId xmlns:a16="http://schemas.microsoft.com/office/drawing/2014/main" id="{224C28B3-E902-49D1-98A0-582D277A0E00}"/>
+              </a:ext>
+              <a:ext uri="{C183D7F6-B498-43B3-948B-1728B52AA6E4}">
+                <adec:decorative xmlns:adec="http://schemas.microsoft.com/office/drawing/2017/decorative" val="1"/>
+              </a:ext>
+            </a:extLst>
+          </p:cNvPr>
+          <p:cNvPicPr>
+            <a:picLocks noGrp="1" noRot="1" noChangeAspect="1" noMove="1" noResize="1" noEditPoints="1" noAdjustHandles="1" noChangeArrowheads="1" noChangeShapeType="1" noCrop="1"/>
+          </p:cNvPicPr>
+          <p:nvPr>
+            <p:extLst>
+              <p:ext uri="{386F3935-93C4-4BCD-93E2-E3B085C9AB24}">
+                <p16:designElem xmlns:p16="http://schemas.microsoft.com/office/powerpoint/2015/main" val="1"/>
+              </p:ext>
+            </p:extLst>
+          </p:nvPr>
+        </p:nvPicPr>
+        <p:blipFill>
+          <a:blip r:embed="rId3">
+            <a:extLst>
+              <a:ext uri="{28A0092B-C50C-407E-A947-70E740481C1C}">
+                <a14:useLocalDpi xmlns:a14="http://schemas.microsoft.com/office/drawing/2010/main" val="0"/>
+              </a:ext>
+            </a:extLst>
+          </a:blip>
+          <a:stretch>
+            <a:fillRect/>
+          </a:stretch>
+        </p:blipFill>
+        <p:spPr>
+          <a:xfrm>
+            <a:off x="1" y="1970240"/>
+            <a:ext cx="10437812" cy="321164"/>
+          </a:xfrm>
+          <a:prstGeom prst="rect">
+            <a:avLst/>
+          </a:prstGeom>
+        </p:spPr>
+      </p:pic>
+      <p:pic>
+        <p:nvPicPr>
+          <p:cNvPr id="75" name="Picture 74">
+            <a:extLst>
+              <a:ext uri="{FF2B5EF4-FFF2-40B4-BE49-F238E27FC236}">
+                <a16:creationId xmlns:a16="http://schemas.microsoft.com/office/drawing/2014/main" id="{F3A6C14C-E755-4A02-821B-6EA2D4C9F20D}"/>
+              </a:ext>
+              <a:ext uri="{C183D7F6-B498-43B3-948B-1728B52AA6E4}">
+                <adec:decorative xmlns:adec="http://schemas.microsoft.com/office/drawing/2017/decorative" val="1"/>
+              </a:ext>
+            </a:extLst>
+          </p:cNvPr>
+          <p:cNvPicPr>
+            <a:picLocks noGrp="1" noRot="1" noChangeAspect="1" noMove="1" noResize="1" noEditPoints="1" noAdjustHandles="1" noChangeArrowheads="1" noChangeShapeType="1" noCrop="1"/>
+          </p:cNvPicPr>
+          <p:nvPr>
+            <p:extLst>
+              <p:ext uri="{386F3935-93C4-4BCD-93E2-E3B085C9AB24}">
+                <p16:designElem xmlns:p16="http://schemas.microsoft.com/office/powerpoint/2015/main" val="1"/>
+              </p:ext>
+            </p:extLst>
+          </p:nvPr>
+        </p:nvPicPr>
+        <p:blipFill>
+          <a:blip r:embed="rId4" cstate="print">
+            <a:extLst>
+              <a:ext uri="{28A0092B-C50C-407E-A947-70E740481C1C}">
+                <a14:useLocalDpi xmlns:a14="http://schemas.microsoft.com/office/drawing/2010/main" val="0"/>
+              </a:ext>
+            </a:extLst>
+          </a:blip>
+          <a:stretch>
+            <a:fillRect/>
+          </a:stretch>
+        </p:blipFill>
+        <p:spPr>
+          <a:xfrm>
+            <a:off x="10585826" y="1971234"/>
+            <a:ext cx="1602997" cy="144270"/>
+          </a:xfrm>
+          <a:prstGeom prst="rect">
+            <a:avLst/>
+          </a:prstGeom>
+        </p:spPr>
+      </p:pic>
+      <p:sp>
+        <p:nvSpPr>
+          <p:cNvPr id="77" name="Rectangle 76">
+            <a:extLst>
+              <a:ext uri="{FF2B5EF4-FFF2-40B4-BE49-F238E27FC236}">
+                <a16:creationId xmlns:a16="http://schemas.microsoft.com/office/drawing/2014/main" id="{6478287C-E119-4E9C-95B0-518478BD9D07}"/>
+              </a:ext>
+              <a:ext uri="{C183D7F6-B498-43B3-948B-1728B52AA6E4}">
+                <adec:decorative xmlns:adec="http://schemas.microsoft.com/office/drawing/2017/decorative" val="1"/>
+              </a:ext>
+            </a:extLst>
+          </p:cNvPr>
+          <p:cNvSpPr>
+            <a:spLocks noGrp="1" noRot="1" noChangeAspect="1" noMove="1" noResize="1" noEditPoints="1" noAdjustHandles="1" noChangeArrowheads="1" noChangeShapeType="1" noTextEdit="1"/>
+          </p:cNvSpPr>
+          <p:nvPr>
+            <p:extLst>
+              <p:ext uri="{386F3935-93C4-4BCD-93E2-E3B085C9AB24}">
+                <p16:designElem xmlns:p16="http://schemas.microsoft.com/office/powerpoint/2015/main" val="1"/>
+              </p:ext>
+            </p:extLst>
+          </p:nvPr>
+        </p:nvSpPr>
+        <p:spPr>
+          <a:xfrm>
+            <a:off x="0" y="609600"/>
+            <a:ext cx="10437812" cy="1368198"/>
+          </a:xfrm>
+          <a:prstGeom prst="rect">
+            <a:avLst/>
+          </a:prstGeom>
+          <a:solidFill>
+            <a:schemeClr val="bg1">
+              <a:lumMod val="85000"/>
+              <a:lumOff val="15000"/>
+            </a:schemeClr>
+          </a:solidFill>
+          <a:ln>
+            <a:noFill/>
+          </a:ln>
+        </p:spPr>
+        <p:style>
+          <a:lnRef idx="2">
+            <a:schemeClr val="accent1">
+              <a:shade val="50000"/>
+            </a:schemeClr>
+          </a:lnRef>
+          <a:fillRef idx="1">
+            <a:schemeClr val="accent1"/>
+          </a:fillRef>
+          <a:effectRef idx="0">
+            <a:schemeClr val="accent1"/>
+          </a:effectRef>
+          <a:fontRef idx="minor">
+            <a:schemeClr val="lt1"/>
+          </a:fontRef>
+        </p:style>
+      </p:sp>
+      <p:sp>
+        <p:nvSpPr>
+          <p:cNvPr id="79" name="Rectangle 78">
+            <a:extLst>
+              <a:ext uri="{FF2B5EF4-FFF2-40B4-BE49-F238E27FC236}">
+                <a16:creationId xmlns:a16="http://schemas.microsoft.com/office/drawing/2014/main" id="{EA4A294F-6D36-425B-8632-27FD6A284D09}"/>
+              </a:ext>
+              <a:ext uri="{C183D7F6-B498-43B3-948B-1728B52AA6E4}">
+                <adec:decorative xmlns:adec="http://schemas.microsoft.com/office/drawing/2017/decorative" val="1"/>
+              </a:ext>
+            </a:extLst>
+          </p:cNvPr>
+          <p:cNvSpPr>
+            <a:spLocks noGrp="1" noRot="1" noChangeAspect="1" noMove="1" noResize="1" noEditPoints="1" noAdjustHandles="1" noChangeArrowheads="1" noChangeShapeType="1" noTextEdit="1"/>
+          </p:cNvSpPr>
+          <p:nvPr>
+            <p:extLst>
+              <p:ext uri="{386F3935-93C4-4BCD-93E2-E3B085C9AB24}">
+                <p16:designElem xmlns:p16="http://schemas.microsoft.com/office/powerpoint/2015/main" val="1"/>
+              </p:ext>
+            </p:extLst>
+          </p:nvPr>
+        </p:nvSpPr>
+        <p:spPr>
+          <a:xfrm>
+            <a:off x="10585827" y="609600"/>
+            <a:ext cx="1602997" cy="1368198"/>
+          </a:xfrm>
+          <a:prstGeom prst="rect">
+            <a:avLst/>
+          </a:prstGeom>
+          <a:solidFill>
+            <a:schemeClr val="accent1"/>
+          </a:solidFill>
+          <a:ln>
+            <a:noFill/>
+          </a:ln>
+        </p:spPr>
+        <p:style>
+          <a:lnRef idx="2">
+            <a:schemeClr val="accent1">
+              <a:shade val="50000"/>
+            </a:schemeClr>
+          </a:lnRef>
+          <a:fillRef idx="1">
+            <a:schemeClr val="accent1"/>
+          </a:fillRef>
+          <a:effectRef idx="0">
+            <a:schemeClr val="accent1"/>
+          </a:effectRef>
+          <a:fontRef idx="minor">
+            <a:schemeClr val="lt1"/>
+          </a:fontRef>
+        </p:style>
+      </p:sp>
+      <p:sp useBgFill="1">
+        <p:nvSpPr>
+          <p:cNvPr id="81" name="Rectangle 80">
+            <a:extLst>
+              <a:ext uri="{FF2B5EF4-FFF2-40B4-BE49-F238E27FC236}">
+                <a16:creationId xmlns:a16="http://schemas.microsoft.com/office/drawing/2014/main" id="{3FECAD23-900F-4F1B-A441-6A68749F88D4}"/>
+              </a:ext>
+              <a:ext uri="{C183D7F6-B498-43B3-948B-1728B52AA6E4}">
+                <adec:decorative xmlns:adec="http://schemas.microsoft.com/office/drawing/2017/decorative" val="1"/>
+              </a:ext>
+            </a:extLst>
+          </p:cNvPr>
+          <p:cNvSpPr>
+            <a:spLocks noGrp="1" noRot="1" noChangeAspect="1" noMove="1" noResize="1" noEditPoints="1" noAdjustHandles="1" noChangeArrowheads="1" noChangeShapeType="1" noTextEdit="1"/>
+          </p:cNvSpPr>
+          <p:nvPr>
+            <p:extLst>
+              <p:ext uri="{386F3935-93C4-4BCD-93E2-E3B085C9AB24}">
+                <p16:designElem xmlns:p16="http://schemas.microsoft.com/office/powerpoint/2015/main" val="1"/>
+              </p:ext>
+            </p:extLst>
+          </p:nvPr>
+        </p:nvSpPr>
+        <p:spPr>
+          <a:xfrm>
+            <a:off x="0" y="-1"/>
+            <a:ext cx="12188824" cy="6858001"/>
+          </a:xfrm>
+          <a:prstGeom prst="rect">
+            <a:avLst/>
+          </a:prstGeom>
+          <a:ln>
+            <a:noFill/>
+          </a:ln>
+        </p:spPr>
+        <p:style>
+          <a:lnRef idx="2">
+            <a:schemeClr val="accent1">
+              <a:shade val="50000"/>
+            </a:schemeClr>
+          </a:lnRef>
+          <a:fillRef idx="1">
+            <a:schemeClr val="accent1"/>
+          </a:fillRef>
+          <a:effectRef idx="0">
+            <a:schemeClr val="accent1"/>
+          </a:effectRef>
+          <a:fontRef idx="minor">
+            <a:schemeClr val="lt1"/>
+          </a:fontRef>
+        </p:style>
+        <p:txBody>
+          <a:bodyPr rtlCol="0" anchor="ctr"/>
+          <a:lstStyle/>
+          <a:p>
+            <a:pPr algn="ctr"/>
+            <a:endParaRPr lang="en-US"/>
+          </a:p>
+        </p:txBody>
+      </p:sp>
+      <p:pic>
+        <p:nvPicPr>
+          <p:cNvPr id="83" name="Picture 82">
+            <a:extLst>
+              <a:ext uri="{FF2B5EF4-FFF2-40B4-BE49-F238E27FC236}">
+                <a16:creationId xmlns:a16="http://schemas.microsoft.com/office/drawing/2014/main" id="{57943801-CAEC-4F98-9332-2A4D9128463E}"/>
+              </a:ext>
+              <a:ext uri="{C183D7F6-B498-43B3-948B-1728B52AA6E4}">
+                <adec:decorative xmlns:adec="http://schemas.microsoft.com/office/drawing/2017/decorative" val="1"/>
+              </a:ext>
+            </a:extLst>
+          </p:cNvPr>
+          <p:cNvPicPr>
+            <a:picLocks noGrp="1" noRot="1" noChangeAspect="1" noMove="1" noResize="1" noEditPoints="1" noAdjustHandles="1" noChangeArrowheads="1" noChangeShapeType="1" noCrop="1"/>
+          </p:cNvPicPr>
+          <p:nvPr>
+            <p:extLst>
+              <p:ext uri="{386F3935-93C4-4BCD-93E2-E3B085C9AB24}">
+                <p16:designElem xmlns:p16="http://schemas.microsoft.com/office/powerpoint/2015/main" val="1"/>
+              </p:ext>
+            </p:extLst>
+          </p:nvPr>
+        </p:nvPicPr>
+        <p:blipFill>
+          <a:blip r:embed="rId2">
+            <a:alphaModFix amt="10000"/>
+            <a:extLst>
+              <a:ext uri="{28A0092B-C50C-407E-A947-70E740481C1C}">
+                <a14:useLocalDpi xmlns:a14="http://schemas.microsoft.com/office/drawing/2010/main" val="0"/>
+              </a:ext>
+            </a:extLst>
+          </a:blip>
+          <a:stretch>
+            <a:fillRect/>
+          </a:stretch>
+        </p:blipFill>
+        <p:spPr>
+          <a:xfrm>
+            <a:off x="0" y="0"/>
+            <a:ext cx="12192000" cy="6858000"/>
+          </a:xfrm>
+          <a:prstGeom prst="rect">
+            <a:avLst/>
+          </a:prstGeom>
+        </p:spPr>
+      </p:pic>
+      <p:sp>
+        <p:nvSpPr>
+          <p:cNvPr id="85" name="Rectangle 84">
+            <a:extLst>
+              <a:ext uri="{FF2B5EF4-FFF2-40B4-BE49-F238E27FC236}">
+                <a16:creationId xmlns:a16="http://schemas.microsoft.com/office/drawing/2014/main" id="{8A233090-6C39-4F59-8A0F-86F011A7EEEB}"/>
+              </a:ext>
+              <a:ext uri="{C183D7F6-B498-43B3-948B-1728B52AA6E4}">
+                <adec:decorative xmlns:adec="http://schemas.microsoft.com/office/drawing/2017/decorative" val="1"/>
+              </a:ext>
+            </a:extLst>
+          </p:cNvPr>
+          <p:cNvSpPr>
+            <a:spLocks noGrp="1" noRot="1" noChangeAspect="1" noMove="1" noResize="1" noEditPoints="1" noAdjustHandles="1" noChangeArrowheads="1" noChangeShapeType="1" noTextEdit="1"/>
+          </p:cNvSpPr>
+          <p:nvPr>
+            <p:extLst>
+              <p:ext uri="{386F3935-93C4-4BCD-93E2-E3B085C9AB24}">
+                <p16:designElem xmlns:p16="http://schemas.microsoft.com/office/powerpoint/2015/main" val="1"/>
+              </p:ext>
+            </p:extLst>
+          </p:nvPr>
+        </p:nvSpPr>
+        <p:spPr>
+          <a:xfrm>
+            <a:off x="7555992" y="0"/>
+            <a:ext cx="4636008" cy="6858001"/>
+          </a:xfrm>
+          <a:prstGeom prst="rect">
+            <a:avLst/>
+          </a:prstGeom>
+          <a:ln>
+            <a:noFill/>
+          </a:ln>
+        </p:spPr>
+        <p:style>
+          <a:lnRef idx="2">
+            <a:schemeClr val="accent1">
+              <a:shade val="50000"/>
+            </a:schemeClr>
+          </a:lnRef>
+          <a:fillRef idx="1">
+            <a:schemeClr val="accent1"/>
+          </a:fillRef>
+          <a:effectRef idx="0">
+            <a:schemeClr val="accent1"/>
+          </a:effectRef>
+          <a:fontRef idx="minor">
+            <a:schemeClr val="lt1"/>
+          </a:fontRef>
+        </p:style>
+        <p:txBody>
+          <a:bodyPr rtlCol="0" anchor="ctr"/>
+          <a:lstStyle/>
+          <a:p>
+            <a:pPr algn="ctr"/>
+            <a:endParaRPr lang="en-US"/>
+          </a:p>
+        </p:txBody>
+      </p:sp>
+      <p:sp>
+        <p:nvSpPr>
+          <p:cNvPr id="87" name="Rectangle 86">
+            <a:extLst>
+              <a:ext uri="{FF2B5EF4-FFF2-40B4-BE49-F238E27FC236}">
+                <a16:creationId xmlns:a16="http://schemas.microsoft.com/office/drawing/2014/main" id="{484DCAA0-4BF1-4FB9-97BA-D6BA630419A0}"/>
+              </a:ext>
+              <a:ext uri="{C183D7F6-B498-43B3-948B-1728B52AA6E4}">
+                <adec:decorative xmlns:adec="http://schemas.microsoft.com/office/drawing/2017/decorative" val="1"/>
+              </a:ext>
+            </a:extLst>
+          </p:cNvPr>
+          <p:cNvSpPr>
+            <a:spLocks noGrp="1" noRot="1" noChangeAspect="1" noMove="1" noResize="1" noEditPoints="1" noAdjustHandles="1" noChangeArrowheads="1" noChangeShapeType="1" noTextEdit="1"/>
+          </p:cNvSpPr>
+          <p:nvPr>
+            <p:extLst>
+              <p:ext uri="{386F3935-93C4-4BCD-93E2-E3B085C9AB24}">
+                <p16:designElem xmlns:p16="http://schemas.microsoft.com/office/powerpoint/2015/main" val="1"/>
+              </p:ext>
+            </p:extLst>
+          </p:nvPr>
+        </p:nvSpPr>
+        <p:spPr bwMode="grayWhite">
+          <a:xfrm>
+            <a:off x="2" y="609600"/>
+            <a:ext cx="7876030" cy="1368198"/>
+          </a:xfrm>
+          <a:prstGeom prst="rect">
+            <a:avLst/>
+          </a:prstGeom>
+          <a:solidFill>
+            <a:schemeClr val="bg1">
+              <a:lumMod val="85000"/>
+              <a:lumOff val="15000"/>
+            </a:schemeClr>
+          </a:solidFill>
+          <a:ln>
+            <a:noFill/>
+          </a:ln>
+        </p:spPr>
+        <p:style>
+          <a:lnRef idx="2">
+            <a:schemeClr val="accent1">
+              <a:shade val="50000"/>
+            </a:schemeClr>
+          </a:lnRef>
+          <a:fillRef idx="1">
+            <a:schemeClr val="accent1"/>
+          </a:fillRef>
+          <a:effectRef idx="0">
+            <a:schemeClr val="accent1"/>
+          </a:effectRef>
+          <a:fontRef idx="minor">
+            <a:schemeClr val="lt1"/>
+          </a:fontRef>
+        </p:style>
+      </p:sp>
       <p:sp>
         <p:nvSpPr>
           <p:cNvPr id="2" name="Titel 1">
@@ -9086,18 +12622,70 @@
             <p:ph type="title"/>
           </p:nvPr>
         </p:nvSpPr>
-        <p:spPr/>
-        <p:txBody>
-          <a:bodyPr/>
+        <p:spPr>
+          <a:xfrm>
+            <a:off x="680321" y="753228"/>
+            <a:ext cx="7087552" cy="1080938"/>
+          </a:xfrm>
+        </p:spPr>
+        <p:txBody>
+          <a:bodyPr vert="horz" lIns="91440" tIns="45720" rIns="91440" bIns="45720" rtlCol="0" anchor="ctr">
+            <a:normAutofit/>
+          </a:bodyPr>
           <a:lstStyle/>
           <a:p>
             <a:r>
-              <a:rPr lang="de-CH" dirty="0"/>
+              <a:rPr lang="en-US"/>
               <a:t>Ausführende Organe und Personen</a:t>
             </a:r>
           </a:p>
         </p:txBody>
       </p:sp>
+      <p:pic>
+        <p:nvPicPr>
+          <p:cNvPr id="89" name="Picture 88">
+            <a:extLst>
+              <a:ext uri="{FF2B5EF4-FFF2-40B4-BE49-F238E27FC236}">
+                <a16:creationId xmlns:a16="http://schemas.microsoft.com/office/drawing/2014/main" id="{9BC2FEA5-B399-458A-8393-E06CE40DB89C}"/>
+              </a:ext>
+              <a:ext uri="{C183D7F6-B498-43B3-948B-1728B52AA6E4}">
+                <adec:decorative xmlns:adec="http://schemas.microsoft.com/office/drawing/2017/decorative" val="1"/>
+              </a:ext>
+            </a:extLst>
+          </p:cNvPr>
+          <p:cNvPicPr>
+            <a:picLocks noGrp="1" noRot="1" noChangeAspect="1" noMove="1" noResize="1" noEditPoints="1" noAdjustHandles="1" noChangeArrowheads="1" noChangeShapeType="1" noCrop="1"/>
+          </p:cNvPicPr>
+          <p:nvPr>
+            <p:extLst>
+              <p:ext uri="{386F3935-93C4-4BCD-93E2-E3B085C9AB24}">
+                <p16:designElem xmlns:p16="http://schemas.microsoft.com/office/powerpoint/2015/main" val="1"/>
+              </p:ext>
+            </p:extLst>
+          </p:nvPr>
+        </p:nvPicPr>
+        <p:blipFill>
+          <a:blip r:embed="rId3">
+            <a:extLst>
+              <a:ext uri="{28A0092B-C50C-407E-A947-70E740481C1C}">
+                <a14:useLocalDpi xmlns:a14="http://schemas.microsoft.com/office/drawing/2010/main" val="0"/>
+              </a:ext>
+            </a:extLst>
+          </a:blip>
+          <a:stretch>
+            <a:fillRect/>
+          </a:stretch>
+        </p:blipFill>
+        <p:spPr>
+          <a:xfrm>
+            <a:off x="2" y="1970240"/>
+            <a:ext cx="7967048" cy="321164"/>
+          </a:xfrm>
+          <a:prstGeom prst="rect">
+            <a:avLst/>
+          </a:prstGeom>
+        </p:spPr>
+      </p:pic>
       <p:sp>
         <p:nvSpPr>
           <p:cNvPr id="3" name="Inhaltsplatzhalter 2">
@@ -9116,85 +12704,169 @@
         </p:nvSpPr>
         <p:spPr>
           <a:xfrm>
-            <a:off x="680319" y="2336873"/>
-            <a:ext cx="5141640" cy="3599316"/>
-          </a:xfrm>
-        </p:spPr>
-        <p:txBody>
-          <a:bodyPr/>
+            <a:off x="680321" y="2336873"/>
+            <a:ext cx="6423211" cy="3599316"/>
+          </a:xfrm>
+        </p:spPr>
+        <p:txBody>
+          <a:bodyPr vert="horz" lIns="91440" tIns="45720" rIns="91440" bIns="45720" rtlCol="0">
+            <a:normAutofit/>
+          </a:bodyPr>
           <a:lstStyle/>
           <a:p>
-            <a:pPr marL="0" indent="0">
-              <a:buNone/>
-            </a:pPr>
-            <a:r>
-              <a:rPr lang="en-US" dirty="0"/>
-              <a:t>Permanent Subcommittee on Investigations </a:t>
-            </a:r>
-          </a:p>
-          <a:p>
+            <a:pPr marL="0"/>
             <a:r>
               <a:rPr lang="de-CH" dirty="0"/>
-              <a:t>vom Senat gegründet</a:t>
+              <a:t>FBI Untersuchungen</a:t>
             </a:r>
           </a:p>
           <a:p>
             <a:r>
               <a:rPr lang="de-CH" dirty="0"/>
-              <a:t>Joseph McCarthy als Vorstehender</a:t>
+              <a:t>Leitung unter J. Edgar Hoover</a:t>
             </a:r>
           </a:p>
           <a:p>
             <a:r>
               <a:rPr lang="de-CH" dirty="0"/>
-              <a:t>Liste ehemaliger Mitglieder der komm. Partei, die staatlich angestellt sind</a:t>
-            </a:r>
-          </a:p>
+              <a:t>Arbeitetet eng mit den anderen Organisationen zusammen</a:t>
+            </a:r>
+          </a:p>
+        </p:txBody>
+      </p:sp>
+      <p:pic>
+        <p:nvPicPr>
+          <p:cNvPr id="6146" name="Picture 2" descr="https://upload.wikimedia.org/wikipedia/commons/thumb/b/b0/Hoover-JEdgar-LOC.jpg/800px-Hoover-JEdgar-LOC.jpg">
+            <a:extLst>
+              <a:ext uri="{FF2B5EF4-FFF2-40B4-BE49-F238E27FC236}">
+                <a16:creationId xmlns:a16="http://schemas.microsoft.com/office/drawing/2014/main" id="{F1329DE8-7C8A-4F03-A4A3-A3661E7A6E68}"/>
+              </a:ext>
+            </a:extLst>
+          </p:cNvPr>
+          <p:cNvPicPr>
+            <a:picLocks noGrp="1" noChangeAspect="1" noChangeArrowheads="1"/>
+          </p:cNvPicPr>
+          <p:nvPr>
+            <p:ph sz="half" idx="2"/>
+          </p:nvPr>
+        </p:nvPicPr>
+        <p:blipFill>
+          <a:blip r:embed="rId5">
+            <a:extLst>
+              <a:ext uri="{28A0092B-C50C-407E-A947-70E740481C1C}">
+                <a14:useLocalDpi xmlns:a14="http://schemas.microsoft.com/office/drawing/2010/main" val="0"/>
+              </a:ext>
+            </a:extLst>
+          </a:blip>
+          <a:srcRect/>
+          <a:stretch>
+            <a:fillRect/>
+          </a:stretch>
+        </p:blipFill>
+        <p:spPr bwMode="auto">
+          <a:xfrm>
+            <a:off x="8187091" y="1310086"/>
+            <a:ext cx="3358478" cy="4237827"/>
+          </a:xfrm>
+          <a:prstGeom prst="rect">
+            <a:avLst/>
+          </a:prstGeom>
+          <a:noFill/>
+          <a:ln>
+            <a:noFill/>
+          </a:ln>
+          <a:effectLst>
+            <a:outerShdw blurRad="76200" dist="63500" dir="5040000" algn="tl" rotWithShape="0">
+              <a:srgbClr val="000000">
+                <a:alpha val="41000"/>
+              </a:srgbClr>
+            </a:outerShdw>
+          </a:effectLst>
+          <a:extLst>
+            <a:ext uri="{909E8E84-426E-40DD-AFC4-6F175D3DCCD1}">
+              <a14:hiddenFill xmlns:a14="http://schemas.microsoft.com/office/drawing/2010/main">
+                <a:solidFill>
+                  <a:srgbClr val="FFFFFF"/>
+                </a:solidFill>
+              </a14:hiddenFill>
+            </a:ext>
+          </a:extLst>
+        </p:spPr>
+      </p:pic>
+      <p:sp>
+        <p:nvSpPr>
+          <p:cNvPr id="16" name="Textfeld 15">
+            <a:extLst>
+              <a:ext uri="{FF2B5EF4-FFF2-40B4-BE49-F238E27FC236}">
+                <a16:creationId xmlns:a16="http://schemas.microsoft.com/office/drawing/2014/main" id="{05995BB2-F3B9-4D3C-AA9D-AD47AD84919B}"/>
+              </a:ext>
+            </a:extLst>
+          </p:cNvPr>
+          <p:cNvSpPr txBox="1"/>
+          <p:nvPr/>
+        </p:nvSpPr>
+        <p:spPr>
+          <a:xfrm>
+            <a:off x="0" y="6460805"/>
+            <a:ext cx="2043953" cy="369332"/>
+          </a:xfrm>
+          <a:prstGeom prst="rect">
+            <a:avLst/>
+          </a:prstGeom>
+          <a:noFill/>
+        </p:spPr>
+        <p:txBody>
+          <a:bodyPr wrap="square" rtlCol="0">
+            <a:spAutoFit/>
+          </a:bodyPr>
+          <a:lstStyle/>
           <a:p>
             <a:r>
               <a:rPr lang="de-CH" dirty="0"/>
-              <a:t>Keine Beweise</a:t>
-            </a:r>
-          </a:p>
-          <a:p>
-            <a:endParaRPr lang="en-US" dirty="0"/>
-          </a:p>
-        </p:txBody>
-      </p:sp>
-      <p:sp>
-        <p:nvSpPr>
-          <p:cNvPr id="4" name="Inhaltsplatzhalter 3">
+              <a:t>Quellen 1</a:t>
+            </a:r>
+          </a:p>
+        </p:txBody>
+      </p:sp>
+      <p:sp>
+        <p:nvSpPr>
+          <p:cNvPr id="17" name="Textfeld 16">
             <a:extLst>
               <a:ext uri="{FF2B5EF4-FFF2-40B4-BE49-F238E27FC236}">
-                <a16:creationId xmlns:a16="http://schemas.microsoft.com/office/drawing/2014/main" id="{7B1FEBCD-B7D5-4766-B08D-15EA0F746F4C}"/>
+                <a16:creationId xmlns:a16="http://schemas.microsoft.com/office/drawing/2014/main" id="{51CDF2DC-3247-495D-8123-12A8CF90C117}"/>
               </a:ext>
             </a:extLst>
           </p:cNvPr>
-          <p:cNvSpPr>
-            <a:spLocks noGrp="1"/>
-          </p:cNvSpPr>
-          <p:nvPr>
-            <p:ph sz="half" idx="2"/>
-          </p:nvPr>
-        </p:nvSpPr>
-        <p:spPr>
-          <a:xfrm>
-            <a:off x="5821959" y="2336873"/>
-            <a:ext cx="4472221" cy="3599316"/>
-          </a:xfrm>
-        </p:spPr>
-        <p:txBody>
-          <a:bodyPr/>
+          <p:cNvSpPr txBox="1"/>
+          <p:nvPr/>
+        </p:nvSpPr>
+        <p:spPr>
+          <a:xfrm>
+            <a:off x="8187091" y="5566857"/>
+            <a:ext cx="2806911" cy="369332"/>
+          </a:xfrm>
+          <a:prstGeom prst="rect">
+            <a:avLst/>
+          </a:prstGeom>
+          <a:noFill/>
+        </p:spPr>
+        <p:txBody>
+          <a:bodyPr wrap="square" rtlCol="0">
+            <a:spAutoFit/>
+          </a:bodyPr>
           <a:lstStyle/>
           <a:p>
-            <a:endParaRPr lang="de-CH" dirty="0"/>
+            <a:r>
+              <a:rPr lang="de-CH" dirty="0"/>
+              <a:t>Abb.6 J. Edgar Hoover</a:t>
+            </a:r>
           </a:p>
         </p:txBody>
       </p:sp>
     </p:spTree>
     <p:extLst>
       <p:ext uri="{BB962C8B-B14F-4D97-AF65-F5344CB8AC3E}">
-        <p14:creationId xmlns:p14="http://schemas.microsoft.com/office/powerpoint/2010/main" val="1565272174"/>
+        <p14:creationId xmlns:p14="http://schemas.microsoft.com/office/powerpoint/2010/main" val="700425204"/>
       </p:ext>
     </p:extLst>
   </p:cSld>
@@ -9237,9 +12909,16 @@
             <p:ph type="title"/>
           </p:nvPr>
         </p:nvSpPr>
-        <p:spPr/>
-        <p:txBody>
-          <a:bodyPr/>
+        <p:spPr>
+          <a:xfrm>
+            <a:off x="680321" y="753228"/>
+            <a:ext cx="9613861" cy="1080938"/>
+          </a:xfrm>
+        </p:spPr>
+        <p:txBody>
+          <a:bodyPr vert="horz" lIns="91440" tIns="45720" rIns="91440" bIns="45720" rtlCol="0" anchor="ctr">
+            <a:normAutofit/>
+          </a:bodyPr>
           <a:lstStyle/>
           <a:p>
             <a:r>
@@ -9267,12 +12946,14 @@
         </p:nvSpPr>
         <p:spPr>
           <a:xfrm>
-            <a:off x="680319" y="2336873"/>
-            <a:ext cx="5141640" cy="3599316"/>
-          </a:xfrm>
-        </p:spPr>
-        <p:txBody>
-          <a:bodyPr/>
+            <a:off x="3777672" y="2336873"/>
+            <a:ext cx="6516509" cy="3599316"/>
+          </a:xfrm>
+        </p:spPr>
+        <p:txBody>
+          <a:bodyPr vert="horz" lIns="91440" tIns="45720" rIns="91440" bIns="45720" rtlCol="0">
+            <a:normAutofit/>
+          </a:bodyPr>
           <a:lstStyle/>
           <a:p>
             <a:pPr marL="0" indent="0">
@@ -9280,57 +12961,163 @@
             </a:pPr>
             <a:r>
               <a:rPr lang="de-CH" dirty="0"/>
-              <a:t>FBI Untersuchungen</a:t>
+              <a:t>Joseph McCarthy </a:t>
             </a:r>
           </a:p>
           <a:p>
             <a:r>
               <a:rPr lang="de-CH" dirty="0"/>
-              <a:t>Leitung unter J. Edgar Hoover</a:t>
+              <a:t>Senator</a:t>
             </a:r>
           </a:p>
           <a:p>
             <a:r>
               <a:rPr lang="de-CH" dirty="0"/>
-              <a:t>Arbeitetet eng mit den anderen Organisationen zusammen</a:t>
-            </a:r>
-          </a:p>
-        </p:txBody>
-      </p:sp>
-      <p:sp>
-        <p:nvSpPr>
-          <p:cNvPr id="4" name="Inhaltsplatzhalter 3">
+              <a:t>Liste mit kommunistischen Spionen  </a:t>
+            </a:r>
+          </a:p>
+          <a:p>
+            <a:r>
+              <a:rPr lang="de-CH" dirty="0"/>
+              <a:t>Die Verkörperung der McCarthyismus / Verfolgung der Linken </a:t>
+            </a:r>
+          </a:p>
+          <a:p>
+            <a:endParaRPr lang="de-CH" dirty="0"/>
+          </a:p>
+        </p:txBody>
+      </p:sp>
+      <p:pic>
+        <p:nvPicPr>
+          <p:cNvPr id="5122" name="Picture 2" descr="https://upload.wikimedia.org/wikipedia/commons/thumb/8/8b/Joseph_McCarthy_adjusted.jpg/220px-Joseph_McCarthy_adjusted.jpg">
             <a:extLst>
               <a:ext uri="{FF2B5EF4-FFF2-40B4-BE49-F238E27FC236}">
-                <a16:creationId xmlns:a16="http://schemas.microsoft.com/office/drawing/2014/main" id="{7B1FEBCD-B7D5-4766-B08D-15EA0F746F4C}"/>
+                <a16:creationId xmlns:a16="http://schemas.microsoft.com/office/drawing/2014/main" id="{1CD50348-A94F-47D5-9760-6BC61942226B}"/>
               </a:ext>
             </a:extLst>
           </p:cNvPr>
-          <p:cNvSpPr>
-            <a:spLocks noGrp="1"/>
-          </p:cNvSpPr>
+          <p:cNvPicPr>
+            <a:picLocks noGrp="1" noChangeAspect="1" noChangeArrowheads="1"/>
+          </p:cNvPicPr>
           <p:nvPr>
             <p:ph sz="half" idx="2"/>
           </p:nvPr>
-        </p:nvSpPr>
-        <p:spPr>
-          <a:xfrm>
-            <a:off x="5821959" y="2336873"/>
-            <a:ext cx="4472221" cy="3599316"/>
-          </a:xfrm>
-        </p:spPr>
-        <p:txBody>
-          <a:bodyPr/>
+        </p:nvPicPr>
+        <p:blipFill rotWithShape="1">
+          <a:blip r:embed="rId2">
+            <a:extLst>
+              <a:ext uri="{28A0092B-C50C-407E-A947-70E740481C1C}">
+                <a14:useLocalDpi xmlns:a14="http://schemas.microsoft.com/office/drawing/2010/main" val="0"/>
+              </a:ext>
+            </a:extLst>
+          </a:blip>
+          <a:srcRect r="229"/>
+          <a:stretch/>
+        </p:blipFill>
+        <p:spPr bwMode="auto">
+          <a:xfrm>
+            <a:off x="794325" y="2336872"/>
+            <a:ext cx="2692907" cy="3598789"/>
+          </a:xfrm>
+          <a:prstGeom prst="rect">
+            <a:avLst/>
+          </a:prstGeom>
+          <a:noFill/>
+          <a:ln>
+            <a:noFill/>
+          </a:ln>
+          <a:effectLst>
+            <a:outerShdw blurRad="76200" dist="63500" dir="5040000" algn="tl" rotWithShape="0">
+              <a:srgbClr val="000000">
+                <a:alpha val="41000"/>
+              </a:srgbClr>
+            </a:outerShdw>
+          </a:effectLst>
+          <a:extLst>
+            <a:ext uri="{909E8E84-426E-40DD-AFC4-6F175D3DCCD1}">
+              <a14:hiddenFill xmlns:a14="http://schemas.microsoft.com/office/drawing/2010/main">
+                <a:solidFill>
+                  <a:srgbClr val="FFFFFF"/>
+                </a:solidFill>
+              </a14:hiddenFill>
+            </a:ext>
+          </a:extLst>
+        </p:spPr>
+      </p:pic>
+      <p:sp>
+        <p:nvSpPr>
+          <p:cNvPr id="11" name="Textfeld 10">
+            <a:extLst>
+              <a:ext uri="{FF2B5EF4-FFF2-40B4-BE49-F238E27FC236}">
+                <a16:creationId xmlns:a16="http://schemas.microsoft.com/office/drawing/2014/main" id="{423702EB-550B-464F-9F39-E35BB3FA4F92}"/>
+              </a:ext>
+            </a:extLst>
+          </p:cNvPr>
+          <p:cNvSpPr txBox="1"/>
+          <p:nvPr/>
+        </p:nvSpPr>
+        <p:spPr>
+          <a:xfrm>
+            <a:off x="0" y="6460805"/>
+            <a:ext cx="2043953" cy="369332"/>
+          </a:xfrm>
+          <a:prstGeom prst="rect">
+            <a:avLst/>
+          </a:prstGeom>
+          <a:noFill/>
+        </p:spPr>
+        <p:txBody>
+          <a:bodyPr wrap="square" rtlCol="0">
+            <a:spAutoFit/>
+          </a:bodyPr>
           <a:lstStyle/>
           <a:p>
-            <a:endParaRPr lang="de-CH" dirty="0"/>
+            <a:r>
+              <a:rPr lang="de-CH" dirty="0"/>
+              <a:t>Quellen 5</a:t>
+            </a:r>
+          </a:p>
+        </p:txBody>
+      </p:sp>
+      <p:sp>
+        <p:nvSpPr>
+          <p:cNvPr id="12" name="Textfeld 11">
+            <a:extLst>
+              <a:ext uri="{FF2B5EF4-FFF2-40B4-BE49-F238E27FC236}">
+                <a16:creationId xmlns:a16="http://schemas.microsoft.com/office/drawing/2014/main" id="{BBDE285A-E1B7-4191-96BD-887575C8C365}"/>
+              </a:ext>
+            </a:extLst>
+          </p:cNvPr>
+          <p:cNvSpPr txBox="1"/>
+          <p:nvPr/>
+        </p:nvSpPr>
+        <p:spPr>
+          <a:xfrm>
+            <a:off x="680321" y="5920106"/>
+            <a:ext cx="2806911" cy="369332"/>
+          </a:xfrm>
+          <a:prstGeom prst="rect">
+            <a:avLst/>
+          </a:prstGeom>
+          <a:noFill/>
+        </p:spPr>
+        <p:txBody>
+          <a:bodyPr wrap="square" rtlCol="0">
+            <a:spAutoFit/>
+          </a:bodyPr>
+          <a:lstStyle/>
+          <a:p>
+            <a:r>
+              <a:rPr lang="de-CH" dirty="0"/>
+              <a:t>Abb.7 Joseph McCarthy</a:t>
+            </a:r>
           </a:p>
         </p:txBody>
       </p:sp>
     </p:spTree>
     <p:extLst>
       <p:ext uri="{BB962C8B-B14F-4D97-AF65-F5344CB8AC3E}">
-        <p14:creationId xmlns:p14="http://schemas.microsoft.com/office/powerpoint/2010/main" val="700425204"/>
+        <p14:creationId xmlns:p14="http://schemas.microsoft.com/office/powerpoint/2010/main" val="2261513037"/>
       </p:ext>
     </p:extLst>
   </p:cSld>
@@ -9343,6 +13130,41 @@
 <file path=ppt/slides/slide9.xml><?xml version="1.0" encoding="utf-8"?>
 <p:sld xmlns:a="http://schemas.openxmlformats.org/drawingml/2006/main" xmlns:r="http://schemas.openxmlformats.org/officeDocument/2006/relationships" xmlns:p="http://schemas.openxmlformats.org/presentationml/2006/main">
   <p:cSld>
+    <p:bg>
+      <p:bgPr>
+        <a:gradFill rotWithShape="1">
+          <a:gsLst>
+            <a:gs pos="0">
+              <a:schemeClr val="bg2">
+                <a:tint val="96000"/>
+                <a:shade val="100000"/>
+                <a:hueMod val="270000"/>
+                <a:satMod val="200000"/>
+                <a:lumMod val="128000"/>
+              </a:schemeClr>
+            </a:gs>
+            <a:gs pos="50000">
+              <a:schemeClr val="bg2">
+                <a:shade val="100000"/>
+                <a:hueMod val="100000"/>
+                <a:satMod val="110000"/>
+                <a:lumMod val="130000"/>
+              </a:schemeClr>
+            </a:gs>
+            <a:gs pos="100000">
+              <a:schemeClr val="bg2">
+                <a:shade val="78000"/>
+                <a:hueMod val="44000"/>
+                <a:satMod val="200000"/>
+                <a:lumMod val="69000"/>
+              </a:schemeClr>
+            </a:gs>
+          </a:gsLst>
+          <a:lin ang="2520000" scaled="0"/>
+        </a:gradFill>
+        <a:effectLst/>
+      </p:bgPr>
+    </p:bg>
     <p:spTree>
       <p:nvGrpSpPr>
         <p:cNvPr id="1" name=""/>
@@ -9357,12 +13179,261 @@
           <a:chExt cx="0" cy="0"/>
         </a:xfrm>
       </p:grpSpPr>
+      <p:pic>
+        <p:nvPicPr>
+          <p:cNvPr id="71" name="Picture 70">
+            <a:extLst>
+              <a:ext uri="{FF2B5EF4-FFF2-40B4-BE49-F238E27FC236}">
+                <a16:creationId xmlns:a16="http://schemas.microsoft.com/office/drawing/2014/main" id="{5321D838-2C7E-4177-9DD3-DAC78324A2B2}"/>
+              </a:ext>
+              <a:ext uri="{C183D7F6-B498-43B3-948B-1728B52AA6E4}">
+                <adec:decorative xmlns:adec="http://schemas.microsoft.com/office/drawing/2017/decorative" val="1"/>
+              </a:ext>
+            </a:extLst>
+          </p:cNvPr>
+          <p:cNvPicPr>
+            <a:picLocks noGrp="1" noRot="1" noChangeAspect="1" noMove="1" noResize="1" noEditPoints="1" noAdjustHandles="1" noChangeArrowheads="1" noChangeShapeType="1" noCrop="1"/>
+          </p:cNvPicPr>
+          <p:nvPr>
+            <p:extLst>
+              <p:ext uri="{386F3935-93C4-4BCD-93E2-E3B085C9AB24}">
+                <p16:designElem xmlns:p16="http://schemas.microsoft.com/office/powerpoint/2015/main" val="1"/>
+              </p:ext>
+            </p:extLst>
+          </p:nvPr>
+        </p:nvPicPr>
+        <p:blipFill>
+          <a:blip r:embed="rId2">
+            <a:alphaModFix amt="10000"/>
+            <a:extLst>
+              <a:ext uri="{28A0092B-C50C-407E-A947-70E740481C1C}">
+                <a14:useLocalDpi xmlns:a14="http://schemas.microsoft.com/office/drawing/2010/main" val="0"/>
+              </a:ext>
+            </a:extLst>
+          </a:blip>
+          <a:stretch>
+            <a:fillRect/>
+          </a:stretch>
+        </p:blipFill>
+        <p:spPr>
+          <a:xfrm>
+            <a:off x="0" y="0"/>
+            <a:ext cx="12192000" cy="6858000"/>
+          </a:xfrm>
+          <a:prstGeom prst="rect">
+            <a:avLst/>
+          </a:prstGeom>
+        </p:spPr>
+      </p:pic>
+      <p:pic>
+        <p:nvPicPr>
+          <p:cNvPr id="73" name="Picture 72">
+            <a:extLst>
+              <a:ext uri="{FF2B5EF4-FFF2-40B4-BE49-F238E27FC236}">
+                <a16:creationId xmlns:a16="http://schemas.microsoft.com/office/drawing/2014/main" id="{224C28B3-E902-49D1-98A0-582D277A0E00}"/>
+              </a:ext>
+              <a:ext uri="{C183D7F6-B498-43B3-948B-1728B52AA6E4}">
+                <adec:decorative xmlns:adec="http://schemas.microsoft.com/office/drawing/2017/decorative" val="1"/>
+              </a:ext>
+            </a:extLst>
+          </p:cNvPr>
+          <p:cNvPicPr>
+            <a:picLocks noGrp="1" noRot="1" noChangeAspect="1" noMove="1" noResize="1" noEditPoints="1" noAdjustHandles="1" noChangeArrowheads="1" noChangeShapeType="1" noCrop="1"/>
+          </p:cNvPicPr>
+          <p:nvPr>
+            <p:extLst>
+              <p:ext uri="{386F3935-93C4-4BCD-93E2-E3B085C9AB24}">
+                <p16:designElem xmlns:p16="http://schemas.microsoft.com/office/powerpoint/2015/main" val="1"/>
+              </p:ext>
+            </p:extLst>
+          </p:nvPr>
+        </p:nvPicPr>
+        <p:blipFill>
+          <a:blip r:embed="rId3">
+            <a:extLst>
+              <a:ext uri="{28A0092B-C50C-407E-A947-70E740481C1C}">
+                <a14:useLocalDpi xmlns:a14="http://schemas.microsoft.com/office/drawing/2010/main" val="0"/>
+              </a:ext>
+            </a:extLst>
+          </a:blip>
+          <a:stretch>
+            <a:fillRect/>
+          </a:stretch>
+        </p:blipFill>
+        <p:spPr>
+          <a:xfrm>
+            <a:off x="1" y="1970240"/>
+            <a:ext cx="10437812" cy="321164"/>
+          </a:xfrm>
+          <a:prstGeom prst="rect">
+            <a:avLst/>
+          </a:prstGeom>
+        </p:spPr>
+      </p:pic>
+      <p:pic>
+        <p:nvPicPr>
+          <p:cNvPr id="75" name="Picture 74">
+            <a:extLst>
+              <a:ext uri="{FF2B5EF4-FFF2-40B4-BE49-F238E27FC236}">
+                <a16:creationId xmlns:a16="http://schemas.microsoft.com/office/drawing/2014/main" id="{F3A6C14C-E755-4A02-821B-6EA2D4C9F20D}"/>
+              </a:ext>
+              <a:ext uri="{C183D7F6-B498-43B3-948B-1728B52AA6E4}">
+                <adec:decorative xmlns:adec="http://schemas.microsoft.com/office/drawing/2017/decorative" val="1"/>
+              </a:ext>
+            </a:extLst>
+          </p:cNvPr>
+          <p:cNvPicPr>
+            <a:picLocks noGrp="1" noRot="1" noChangeAspect="1" noMove="1" noResize="1" noEditPoints="1" noAdjustHandles="1" noChangeArrowheads="1" noChangeShapeType="1" noCrop="1"/>
+          </p:cNvPicPr>
+          <p:nvPr>
+            <p:extLst>
+              <p:ext uri="{386F3935-93C4-4BCD-93E2-E3B085C9AB24}">
+                <p16:designElem xmlns:p16="http://schemas.microsoft.com/office/powerpoint/2015/main" val="1"/>
+              </p:ext>
+            </p:extLst>
+          </p:nvPr>
+        </p:nvPicPr>
+        <p:blipFill>
+          <a:blip r:embed="rId4" cstate="print">
+            <a:extLst>
+              <a:ext uri="{28A0092B-C50C-407E-A947-70E740481C1C}">
+                <a14:useLocalDpi xmlns:a14="http://schemas.microsoft.com/office/drawing/2010/main" val="0"/>
+              </a:ext>
+            </a:extLst>
+          </a:blip>
+          <a:stretch>
+            <a:fillRect/>
+          </a:stretch>
+        </p:blipFill>
+        <p:spPr>
+          <a:xfrm>
+            <a:off x="10585826" y="1971234"/>
+            <a:ext cx="1602997" cy="144270"/>
+          </a:xfrm>
+          <a:prstGeom prst="rect">
+            <a:avLst/>
+          </a:prstGeom>
+        </p:spPr>
+      </p:pic>
+      <p:sp>
+        <p:nvSpPr>
+          <p:cNvPr id="77" name="Rectangle 76">
+            <a:extLst>
+              <a:ext uri="{FF2B5EF4-FFF2-40B4-BE49-F238E27FC236}">
+                <a16:creationId xmlns:a16="http://schemas.microsoft.com/office/drawing/2014/main" id="{6478287C-E119-4E9C-95B0-518478BD9D07}"/>
+              </a:ext>
+              <a:ext uri="{C183D7F6-B498-43B3-948B-1728B52AA6E4}">
+                <adec:decorative xmlns:adec="http://schemas.microsoft.com/office/drawing/2017/decorative" val="1"/>
+              </a:ext>
+            </a:extLst>
+          </p:cNvPr>
+          <p:cNvSpPr>
+            <a:spLocks noGrp="1" noRot="1" noChangeAspect="1" noMove="1" noResize="1" noEditPoints="1" noAdjustHandles="1" noChangeArrowheads="1" noChangeShapeType="1" noTextEdit="1"/>
+          </p:cNvSpPr>
+          <p:nvPr>
+            <p:extLst>
+              <p:ext uri="{386F3935-93C4-4BCD-93E2-E3B085C9AB24}">
+                <p16:designElem xmlns:p16="http://schemas.microsoft.com/office/powerpoint/2015/main" val="1"/>
+              </p:ext>
+            </p:extLst>
+          </p:nvPr>
+        </p:nvSpPr>
+        <p:spPr>
+          <a:xfrm>
+            <a:off x="0" y="609600"/>
+            <a:ext cx="10437812" cy="1368198"/>
+          </a:xfrm>
+          <a:prstGeom prst="rect">
+            <a:avLst/>
+          </a:prstGeom>
+          <a:solidFill>
+            <a:schemeClr val="bg1">
+              <a:lumMod val="85000"/>
+              <a:lumOff val="15000"/>
+            </a:schemeClr>
+          </a:solidFill>
+          <a:ln>
+            <a:noFill/>
+          </a:ln>
+        </p:spPr>
+        <p:style>
+          <a:lnRef idx="2">
+            <a:schemeClr val="accent1">
+              <a:shade val="50000"/>
+            </a:schemeClr>
+          </a:lnRef>
+          <a:fillRef idx="1">
+            <a:schemeClr val="accent1"/>
+          </a:fillRef>
+          <a:effectRef idx="0">
+            <a:schemeClr val="accent1"/>
+          </a:effectRef>
+          <a:fontRef idx="minor">
+            <a:schemeClr val="lt1"/>
+          </a:fontRef>
+        </p:style>
+      </p:sp>
+      <p:sp>
+        <p:nvSpPr>
+          <p:cNvPr id="79" name="Rectangle 78">
+            <a:extLst>
+              <a:ext uri="{FF2B5EF4-FFF2-40B4-BE49-F238E27FC236}">
+                <a16:creationId xmlns:a16="http://schemas.microsoft.com/office/drawing/2014/main" id="{EA4A294F-6D36-425B-8632-27FD6A284D09}"/>
+              </a:ext>
+              <a:ext uri="{C183D7F6-B498-43B3-948B-1728B52AA6E4}">
+                <adec:decorative xmlns:adec="http://schemas.microsoft.com/office/drawing/2017/decorative" val="1"/>
+              </a:ext>
+            </a:extLst>
+          </p:cNvPr>
+          <p:cNvSpPr>
+            <a:spLocks noGrp="1" noRot="1" noChangeAspect="1" noMove="1" noResize="1" noEditPoints="1" noAdjustHandles="1" noChangeArrowheads="1" noChangeShapeType="1" noTextEdit="1"/>
+          </p:cNvSpPr>
+          <p:nvPr>
+            <p:extLst>
+              <p:ext uri="{386F3935-93C4-4BCD-93E2-E3B085C9AB24}">
+                <p16:designElem xmlns:p16="http://schemas.microsoft.com/office/powerpoint/2015/main" val="1"/>
+              </p:ext>
+            </p:extLst>
+          </p:nvPr>
+        </p:nvSpPr>
+        <p:spPr>
+          <a:xfrm>
+            <a:off x="10585827" y="609600"/>
+            <a:ext cx="1602997" cy="1368198"/>
+          </a:xfrm>
+          <a:prstGeom prst="rect">
+            <a:avLst/>
+          </a:prstGeom>
+          <a:solidFill>
+            <a:schemeClr val="accent1"/>
+          </a:solidFill>
+          <a:ln>
+            <a:noFill/>
+          </a:ln>
+        </p:spPr>
+        <p:style>
+          <a:lnRef idx="2">
+            <a:schemeClr val="accent1">
+              <a:shade val="50000"/>
+            </a:schemeClr>
+          </a:lnRef>
+          <a:fillRef idx="1">
+            <a:schemeClr val="accent1"/>
+          </a:fillRef>
+          <a:effectRef idx="0">
+            <a:schemeClr val="accent1"/>
+          </a:effectRef>
+          <a:fontRef idx="minor">
+            <a:schemeClr val="lt1"/>
+          </a:fontRef>
+        </p:style>
+      </p:sp>
       <p:sp>
         <p:nvSpPr>
           <p:cNvPr id="2" name="Titel 1">
             <a:extLst>
               <a:ext uri="{FF2B5EF4-FFF2-40B4-BE49-F238E27FC236}">
-                <a16:creationId xmlns:a16="http://schemas.microsoft.com/office/drawing/2014/main" id="{2FC8ECEC-4CB6-4FA5-A5E2-22B6DAED322A}"/>
+                <a16:creationId xmlns:a16="http://schemas.microsoft.com/office/drawing/2014/main" id="{544C5491-5FE9-4087-9303-86003FC7F47C}"/>
               </a:ext>
             </a:extLst>
           </p:cNvPr>
@@ -9373,90 +13444,211 @@
             <p:ph type="title"/>
           </p:nvPr>
         </p:nvSpPr>
-        <p:spPr/>
-        <p:txBody>
-          <a:bodyPr/>
+        <p:spPr>
+          <a:xfrm>
+            <a:off x="680321" y="753228"/>
+            <a:ext cx="9613861" cy="1080938"/>
+          </a:xfrm>
+        </p:spPr>
+        <p:txBody>
+          <a:bodyPr vert="horz" lIns="91440" tIns="45720" rIns="91440" bIns="45720" rtlCol="0" anchor="ctr">
+            <a:normAutofit/>
+          </a:bodyPr>
           <a:lstStyle/>
           <a:p>
             <a:r>
+              <a:rPr lang="en-US"/>
+              <a:t>Das Ende des McCarthyismus</a:t>
+            </a:r>
+          </a:p>
+        </p:txBody>
+      </p:sp>
+      <p:sp>
+        <p:nvSpPr>
+          <p:cNvPr id="3" name="Inhaltsplatzhalter 2">
+            <a:extLst>
+              <a:ext uri="{FF2B5EF4-FFF2-40B4-BE49-F238E27FC236}">
+                <a16:creationId xmlns:a16="http://schemas.microsoft.com/office/drawing/2014/main" id="{A6E42750-9CAE-465D-8898-4C2BAEE625AA}"/>
+              </a:ext>
+            </a:extLst>
+          </p:cNvPr>
+          <p:cNvSpPr>
+            <a:spLocks noGrp="1"/>
+          </p:cNvSpPr>
+          <p:nvPr>
+            <p:ph sz="half" idx="1"/>
+          </p:nvPr>
+        </p:nvSpPr>
+        <p:spPr>
+          <a:xfrm>
+            <a:off x="680322" y="2336873"/>
+            <a:ext cx="4931045" cy="3599316"/>
+          </a:xfrm>
+        </p:spPr>
+        <p:txBody>
+          <a:bodyPr vert="horz" lIns="91440" tIns="45720" rIns="91440" bIns="45720" rtlCol="0">
+            <a:normAutofit/>
+          </a:bodyPr>
+          <a:lstStyle/>
+          <a:p>
+            <a:r>
               <a:rPr lang="de-CH" dirty="0"/>
-              <a:t>Schwarze Liste</a:t>
-            </a:r>
-          </a:p>
-        </p:txBody>
-      </p:sp>
-      <p:sp>
-        <p:nvSpPr>
-          <p:cNvPr id="3" name="Inhaltsplatzhalter 2">
+              <a:t>1945 Vorladung hochrangiger Armee Mitglieder</a:t>
+            </a:r>
+          </a:p>
+          <a:p>
+            <a:r>
+              <a:rPr lang="de-CH" dirty="0"/>
+              <a:t>Übertragung im Fernsehen</a:t>
+            </a:r>
+          </a:p>
+          <a:p>
+            <a:r>
+              <a:rPr lang="de-CH" dirty="0"/>
+              <a:t>Kritik an McCarthy aus dem Fernsehen</a:t>
+            </a:r>
+          </a:p>
+          <a:p>
+            <a:r>
+              <a:rPr lang="de-CH" dirty="0"/>
+              <a:t>Antrag entmachtet McCarthy</a:t>
+            </a:r>
+          </a:p>
+        </p:txBody>
+      </p:sp>
+      <p:pic>
+        <p:nvPicPr>
+          <p:cNvPr id="7170" name="Picture 2" descr="https://ipswich.files.wordpress.com/2015/11/nytimes_mccarthy.png">
             <a:extLst>
               <a:ext uri="{FF2B5EF4-FFF2-40B4-BE49-F238E27FC236}">
-                <a16:creationId xmlns:a16="http://schemas.microsoft.com/office/drawing/2014/main" id="{852F6732-740F-4804-9DE0-089A6BE0AD03}"/>
+                <a16:creationId xmlns:a16="http://schemas.microsoft.com/office/drawing/2014/main" id="{A036D2B7-DCCA-4A88-97A5-C36490E26DB8}"/>
               </a:ext>
             </a:extLst>
           </p:cNvPr>
-          <p:cNvSpPr>
-            <a:spLocks noGrp="1"/>
-          </p:cNvSpPr>
-          <p:nvPr>
-            <p:ph sz="half" idx="1"/>
-          </p:nvPr>
-        </p:nvSpPr>
-        <p:spPr/>
-        <p:txBody>
-          <a:bodyPr/>
+          <p:cNvPicPr>
+            <a:picLocks noGrp="1" noChangeAspect="1" noChangeArrowheads="1"/>
+          </p:cNvPicPr>
+          <p:nvPr>
+            <p:ph sz="half" idx="2"/>
+          </p:nvPr>
+        </p:nvPicPr>
+        <p:blipFill>
+          <a:blip r:embed="rId5">
+            <a:extLst>
+              <a:ext uri="{28A0092B-C50C-407E-A947-70E740481C1C}">
+                <a14:useLocalDpi xmlns:a14="http://schemas.microsoft.com/office/drawing/2010/main" val="0"/>
+              </a:ext>
+            </a:extLst>
+          </a:blip>
+          <a:srcRect/>
+          <a:stretch>
+            <a:fillRect/>
+          </a:stretch>
+        </p:blipFill>
+        <p:spPr bwMode="auto">
+          <a:xfrm>
+            <a:off x="6763871" y="2407461"/>
+            <a:ext cx="5053759" cy="3386017"/>
+          </a:xfrm>
+          <a:prstGeom prst="rect">
+            <a:avLst/>
+          </a:prstGeom>
+          <a:noFill/>
+          <a:ln>
+            <a:noFill/>
+          </a:ln>
+          <a:effectLst>
+            <a:outerShdw blurRad="76200" dist="63500" dir="5040000" algn="tl" rotWithShape="0">
+              <a:srgbClr val="000000">
+                <a:alpha val="41000"/>
+              </a:srgbClr>
+            </a:outerShdw>
+          </a:effectLst>
+          <a:extLst>
+            <a:ext uri="{909E8E84-426E-40DD-AFC4-6F175D3DCCD1}">
+              <a14:hiddenFill xmlns:a14="http://schemas.microsoft.com/office/drawing/2010/main">
+                <a:solidFill>
+                  <a:srgbClr val="FFFFFF"/>
+                </a:solidFill>
+              </a14:hiddenFill>
+            </a:ext>
+          </a:extLst>
+        </p:spPr>
+      </p:pic>
+      <p:sp>
+        <p:nvSpPr>
+          <p:cNvPr id="11" name="Textfeld 10">
+            <a:extLst>
+              <a:ext uri="{FF2B5EF4-FFF2-40B4-BE49-F238E27FC236}">
+                <a16:creationId xmlns:a16="http://schemas.microsoft.com/office/drawing/2014/main" id="{4B1B3304-D5FC-4795-9638-55342907E14D}"/>
+              </a:ext>
+            </a:extLst>
+          </p:cNvPr>
+          <p:cNvSpPr txBox="1"/>
+          <p:nvPr/>
+        </p:nvSpPr>
+        <p:spPr>
+          <a:xfrm>
+            <a:off x="0" y="6460805"/>
+            <a:ext cx="2043953" cy="369332"/>
+          </a:xfrm>
+          <a:prstGeom prst="rect">
+            <a:avLst/>
+          </a:prstGeom>
+          <a:noFill/>
+        </p:spPr>
+        <p:txBody>
+          <a:bodyPr wrap="square" rtlCol="0">
+            <a:spAutoFit/>
+          </a:bodyPr>
           <a:lstStyle/>
           <a:p>
             <a:r>
               <a:rPr lang="de-CH" dirty="0"/>
-              <a:t>Vorladung Filmschaffende vor HUAC</a:t>
-            </a:r>
-          </a:p>
+              <a:t>Quellen 1</a:t>
+            </a:r>
+          </a:p>
+        </p:txBody>
+      </p:sp>
+      <p:sp>
+        <p:nvSpPr>
+          <p:cNvPr id="12" name="Textfeld 11">
+            <a:extLst>
+              <a:ext uri="{FF2B5EF4-FFF2-40B4-BE49-F238E27FC236}">
+                <a16:creationId xmlns:a16="http://schemas.microsoft.com/office/drawing/2014/main" id="{1A3F3B8B-D256-4A4D-A461-B1D965B6BE3C}"/>
+              </a:ext>
+            </a:extLst>
+          </p:cNvPr>
+          <p:cNvSpPr txBox="1"/>
+          <p:nvPr/>
+        </p:nvSpPr>
+        <p:spPr>
+          <a:xfrm>
+            <a:off x="6653210" y="5793478"/>
+            <a:ext cx="5164420" cy="369332"/>
+          </a:xfrm>
+          <a:prstGeom prst="rect">
+            <a:avLst/>
+          </a:prstGeom>
+          <a:noFill/>
+        </p:spPr>
+        <p:txBody>
+          <a:bodyPr wrap="square" rtlCol="0">
+            <a:spAutoFit/>
+          </a:bodyPr>
+          <a:lstStyle/>
           <a:p>
             <a:r>
               <a:rPr lang="de-CH" dirty="0"/>
-              <a:t>Ausschiessung der Verdächtigten aus der Filmindustrie</a:t>
-            </a:r>
-          </a:p>
-          <a:p>
-            <a:r>
-              <a:rPr lang="de-CH" dirty="0"/>
-              <a:t>Basis für Schwarze Liste</a:t>
-            </a:r>
-          </a:p>
-          <a:p>
-            <a:endParaRPr lang="de-CH" dirty="0"/>
-          </a:p>
-        </p:txBody>
-      </p:sp>
-      <p:sp>
-        <p:nvSpPr>
-          <p:cNvPr id="4" name="Inhaltsplatzhalter 3">
-            <a:extLst>
-              <a:ext uri="{FF2B5EF4-FFF2-40B4-BE49-F238E27FC236}">
-                <a16:creationId xmlns:a16="http://schemas.microsoft.com/office/drawing/2014/main" id="{955AB1EB-DE11-4631-82F5-41504231329D}"/>
-              </a:ext>
-            </a:extLst>
-          </p:cNvPr>
-          <p:cNvSpPr>
-            <a:spLocks noGrp="1"/>
-          </p:cNvSpPr>
-          <p:nvPr>
-            <p:ph sz="half" idx="2"/>
-          </p:nvPr>
-        </p:nvSpPr>
-        <p:spPr/>
-        <p:txBody>
-          <a:bodyPr/>
-          <a:lstStyle/>
-          <a:p>
-            <a:endParaRPr lang="de-CH"/>
+              <a:t>Abb.8 Zeitungsartikel über McCarthy</a:t>
+            </a:r>
           </a:p>
         </p:txBody>
       </p:sp>
     </p:spTree>
     <p:extLst>
       <p:ext uri="{BB962C8B-B14F-4D97-AF65-F5344CB8AC3E}">
-        <p14:creationId xmlns:p14="http://schemas.microsoft.com/office/powerpoint/2010/main" val="3876441890"/>
+        <p14:creationId xmlns:p14="http://schemas.microsoft.com/office/powerpoint/2010/main" val="3720897668"/>
       </p:ext>
     </p:extLst>
   </p:cSld>

--- a/BM/Geschichte/McCathyismus/McCarthyismus.pptx
+++ b/BM/Geschichte/McCathyismus/McCarthyismus.pptx
@@ -15,8 +15,9 @@
     <p:sldId id="270" r:id="rId9"/>
     <p:sldId id="265" r:id="rId10"/>
     <p:sldId id="266" r:id="rId11"/>
-    <p:sldId id="268" r:id="rId12"/>
-    <p:sldId id="267" r:id="rId13"/>
+    <p:sldId id="271" r:id="rId12"/>
+    <p:sldId id="268" r:id="rId13"/>
+    <p:sldId id="267" r:id="rId14"/>
   </p:sldIdLst>
   <p:sldSz cx="12192000" cy="6858000"/>
   <p:notesSz cx="6858000" cy="9144000"/>
@@ -397,7 +398,7 @@
           <a:p>
             <a:fld id="{514D6AD0-04F7-4095-91EC-7936754F6515}" type="datetimeFigureOut">
               <a:rPr lang="de-CH" smtClean="0"/>
-              <a:t>04.03.2019</a:t>
+              <a:t>05.03.2019</a:t>
             </a:fld>
             <a:endParaRPr lang="de-CH"/>
           </a:p>
@@ -811,7 +812,7 @@
           <a:p>
             <a:fld id="{514D6AD0-04F7-4095-91EC-7936754F6515}" type="datetimeFigureOut">
               <a:rPr lang="de-CH" smtClean="0"/>
-              <a:t>04.03.2019</a:t>
+              <a:t>05.03.2019</a:t>
             </a:fld>
             <a:endParaRPr lang="de-CH"/>
           </a:p>
@@ -1147,7 +1148,7 @@
           <a:p>
             <a:fld id="{514D6AD0-04F7-4095-91EC-7936754F6515}" type="datetimeFigureOut">
               <a:rPr lang="de-CH" smtClean="0"/>
-              <a:t>04.03.2019</a:t>
+              <a:t>05.03.2019</a:t>
             </a:fld>
             <a:endParaRPr lang="de-CH"/>
           </a:p>
@@ -1552,7 +1553,7 @@
           <a:p>
             <a:fld id="{514D6AD0-04F7-4095-91EC-7936754F6515}" type="datetimeFigureOut">
               <a:rPr lang="de-CH" smtClean="0"/>
-              <a:t>04.03.2019</a:t>
+              <a:t>05.03.2019</a:t>
             </a:fld>
             <a:endParaRPr lang="de-CH"/>
           </a:p>
@@ -2120,7 +2121,7 @@
           <a:p>
             <a:fld id="{514D6AD0-04F7-4095-91EC-7936754F6515}" type="datetimeFigureOut">
               <a:rPr lang="de-CH" smtClean="0"/>
-              <a:t>04.03.2019</a:t>
+              <a:t>05.03.2019</a:t>
             </a:fld>
             <a:endParaRPr lang="de-CH"/>
           </a:p>
@@ -2801,7 +2802,7 @@
           <a:p>
             <a:fld id="{514D6AD0-04F7-4095-91EC-7936754F6515}" type="datetimeFigureOut">
               <a:rPr lang="de-CH" smtClean="0"/>
-              <a:t>04.03.2019</a:t>
+              <a:t>05.03.2019</a:t>
             </a:fld>
             <a:endParaRPr lang="de-CH"/>
           </a:p>
@@ -3714,7 +3715,7 @@
           <a:p>
             <a:fld id="{514D6AD0-04F7-4095-91EC-7936754F6515}" type="datetimeFigureOut">
               <a:rPr lang="de-CH" smtClean="0"/>
-              <a:t>04.03.2019</a:t>
+              <a:t>05.03.2019</a:t>
             </a:fld>
             <a:endParaRPr lang="de-CH"/>
           </a:p>
@@ -4027,7 +4028,7 @@
           <a:p>
             <a:fld id="{514D6AD0-04F7-4095-91EC-7936754F6515}" type="datetimeFigureOut">
               <a:rPr lang="de-CH" smtClean="0"/>
-              <a:t>04.03.2019</a:t>
+              <a:t>05.03.2019</a:t>
             </a:fld>
             <a:endParaRPr lang="de-CH"/>
           </a:p>
@@ -4291,7 +4292,7 @@
           <a:p>
             <a:fld id="{514D6AD0-04F7-4095-91EC-7936754F6515}" type="datetimeFigureOut">
               <a:rPr lang="de-CH" smtClean="0"/>
-              <a:t>04.03.2019</a:t>
+              <a:t>05.03.2019</a:t>
             </a:fld>
             <a:endParaRPr lang="de-CH"/>
           </a:p>
@@ -4614,7 +4615,7 @@
           <a:p>
             <a:fld id="{514D6AD0-04F7-4095-91EC-7936754F6515}" type="datetimeFigureOut">
               <a:rPr lang="de-CH" smtClean="0"/>
-              <a:t>04.03.2019</a:t>
+              <a:t>05.03.2019</a:t>
             </a:fld>
             <a:endParaRPr lang="de-CH"/>
           </a:p>
@@ -5003,7 +5004,7 @@
           <a:p>
             <a:fld id="{514D6AD0-04F7-4095-91EC-7936754F6515}" type="datetimeFigureOut">
               <a:rPr lang="de-CH" smtClean="0"/>
-              <a:t>04.03.2019</a:t>
+              <a:t>05.03.2019</a:t>
             </a:fld>
             <a:endParaRPr lang="de-CH"/>
           </a:p>
@@ -5379,7 +5380,7 @@
           <a:p>
             <a:fld id="{514D6AD0-04F7-4095-91EC-7936754F6515}" type="datetimeFigureOut">
               <a:rPr lang="de-CH" smtClean="0"/>
-              <a:t>04.03.2019</a:t>
+              <a:t>05.03.2019</a:t>
             </a:fld>
             <a:endParaRPr lang="de-CH"/>
           </a:p>
@@ -5885,7 +5886,7 @@
           <a:p>
             <a:fld id="{514D6AD0-04F7-4095-91EC-7936754F6515}" type="datetimeFigureOut">
               <a:rPr lang="de-CH" smtClean="0"/>
-              <a:t>04.03.2019</a:t>
+              <a:t>05.03.2019</a:t>
             </a:fld>
             <a:endParaRPr lang="de-CH"/>
           </a:p>
@@ -6142,7 +6143,7 @@
           <a:p>
             <a:fld id="{514D6AD0-04F7-4095-91EC-7936754F6515}" type="datetimeFigureOut">
               <a:rPr lang="de-CH" smtClean="0"/>
-              <a:t>04.03.2019</a:t>
+              <a:t>05.03.2019</a:t>
             </a:fld>
             <a:endParaRPr lang="de-CH"/>
           </a:p>
@@ -6305,7 +6306,7 @@
           <a:p>
             <a:fld id="{514D6AD0-04F7-4095-91EC-7936754F6515}" type="datetimeFigureOut">
               <a:rPr lang="de-CH" smtClean="0"/>
-              <a:t>04.03.2019</a:t>
+              <a:t>05.03.2019</a:t>
             </a:fld>
             <a:endParaRPr lang="de-CH"/>
           </a:p>
@@ -6695,7 +6696,7 @@
           <a:p>
             <a:fld id="{514D6AD0-04F7-4095-91EC-7936754F6515}" type="datetimeFigureOut">
               <a:rPr lang="de-CH" smtClean="0"/>
-              <a:t>04.03.2019</a:t>
+              <a:t>05.03.2019</a:t>
             </a:fld>
             <a:endParaRPr lang="de-CH"/>
           </a:p>
@@ -7104,7 +7105,7 @@
           <a:p>
             <a:fld id="{514D6AD0-04F7-4095-91EC-7936754F6515}" type="datetimeFigureOut">
               <a:rPr lang="de-CH" smtClean="0"/>
-              <a:t>04.03.2019</a:t>
+              <a:t>05.03.2019</a:t>
             </a:fld>
             <a:endParaRPr lang="de-CH"/>
           </a:p>
@@ -7348,7 +7349,7 @@
           <a:p>
             <a:fld id="{514D6AD0-04F7-4095-91EC-7936754F6515}" type="datetimeFigureOut">
               <a:rPr lang="de-CH" smtClean="0"/>
-              <a:t>04.03.2019</a:t>
+              <a:t>05.03.2019</a:t>
             </a:fld>
             <a:endParaRPr lang="de-CH"/>
           </a:p>
@@ -7802,7 +7803,7 @@
                 <a16:creationId xmlns:a16="http://schemas.microsoft.com/office/drawing/2014/main" id="{7D3CF8DE-6849-40CA-A1EC-753970FDCB33}"/>
               </a:ext>
               <a:ext uri="{C183D7F6-B498-43B3-948B-1728B52AA6E4}">
-                <adec:decorative xmlns:adec="http://schemas.microsoft.com/office/drawing/2017/decorative" val="1"/>
+                <adec:decorative xmlns:adec="http://schemas.microsoft.com/office/drawing/2017/decorative" xmlns="" val="1"/>
               </a:ext>
             </a:extLst>
           </p:cNvPr>
@@ -7862,7 +7863,7 @@
                 <a16:creationId xmlns:a16="http://schemas.microsoft.com/office/drawing/2014/main" id="{C5D066A5-7DF3-4044-8366-82472E57C91A}"/>
               </a:ext>
               <a:ext uri="{C183D7F6-B498-43B3-948B-1728B52AA6E4}">
-                <adec:decorative xmlns:adec="http://schemas.microsoft.com/office/drawing/2017/decorative" val="1"/>
+                <adec:decorative xmlns:adec="http://schemas.microsoft.com/office/drawing/2017/decorative" xmlns="" val="1"/>
               </a:ext>
             </a:extLst>
           </p:cNvPr>
@@ -7937,7 +7938,7 @@
           <a:p>
             <a:pPr algn="l"/>
             <a:r>
-              <a:rPr lang="de-CH" sz="8100"/>
+              <a:rPr lang="de-CH" sz="8100" dirty="0"/>
               <a:t>McCarthyismus</a:t>
             </a:r>
           </a:p>
@@ -8006,7 +8007,7 @@
                 <a16:creationId xmlns:a16="http://schemas.microsoft.com/office/drawing/2014/main" id="{D44AE4AF-64DE-466A-97C7-E9971A302662}"/>
               </a:ext>
               <a:ext uri="{C183D7F6-B498-43B3-948B-1728B52AA6E4}">
-                <adec:decorative xmlns:adec="http://schemas.microsoft.com/office/drawing/2017/decorative" val="1"/>
+                <adec:decorative xmlns:adec="http://schemas.microsoft.com/office/drawing/2017/decorative" xmlns="" val="1"/>
               </a:ext>
             </a:extLst>
           </p:cNvPr>
@@ -8051,7 +8052,7 @@
                 <a16:creationId xmlns:a16="http://schemas.microsoft.com/office/drawing/2014/main" id="{D91122A9-E50F-49AF-86CE-ACC382FBD860}"/>
               </a:ext>
               <a:ext uri="{C183D7F6-B498-43B3-948B-1728B52AA6E4}">
-                <adec:decorative xmlns:adec="http://schemas.microsoft.com/office/drawing/2017/decorative" val="1"/>
+                <adec:decorative xmlns:adec="http://schemas.microsoft.com/office/drawing/2017/decorative" xmlns="" val="1"/>
               </a:ext>
             </a:extLst>
           </p:cNvPr>
@@ -8108,6 +8109,16 @@
   <p:clrMapOvr>
     <a:masterClrMapping/>
   </p:clrMapOvr>
+  <p:transition spd="slow">
+    <p:wipe/>
+  </p:transition>
+  <p:timing>
+    <p:tnLst>
+      <p:par>
+        <p:cTn id="1" dur="indefinite" restart="never" nodeType="tmRoot"/>
+      </p:par>
+    </p:tnLst>
+  </p:timing>
 </p:sld>
 </file>
 
@@ -8171,7 +8182,7 @@
                 <a16:creationId xmlns:a16="http://schemas.microsoft.com/office/drawing/2014/main" id="{01CFC1BB-C5B3-4479-9752-C53221627F91}"/>
               </a:ext>
               <a:ext uri="{C183D7F6-B498-43B3-948B-1728B52AA6E4}">
-                <adec:decorative xmlns:adec="http://schemas.microsoft.com/office/drawing/2017/decorative" val="1"/>
+                <adec:decorative xmlns:adec="http://schemas.microsoft.com/office/drawing/2017/decorative" xmlns="" val="1"/>
               </a:ext>
             </a:extLst>
           </p:cNvPr>
@@ -8217,7 +8228,7 @@
                 <a16:creationId xmlns:a16="http://schemas.microsoft.com/office/drawing/2014/main" id="{C56FCE19-3103-4473-A92E-E38D00FCD006}"/>
               </a:ext>
               <a:ext uri="{C183D7F6-B498-43B3-948B-1728B52AA6E4}">
-                <adec:decorative xmlns:adec="http://schemas.microsoft.com/office/drawing/2017/decorative" val="1"/>
+                <adec:decorative xmlns:adec="http://schemas.microsoft.com/office/drawing/2017/decorative" xmlns="" val="1"/>
               </a:ext>
             </a:extLst>
           </p:cNvPr>
@@ -8262,7 +8273,7 @@
                 <a16:creationId xmlns:a16="http://schemas.microsoft.com/office/drawing/2014/main" id="{E909C556-FC01-4870-ABC0-8D5C17BD0F3D}"/>
               </a:ext>
               <a:ext uri="{C183D7F6-B498-43B3-948B-1728B52AA6E4}">
-                <adec:decorative xmlns:adec="http://schemas.microsoft.com/office/drawing/2017/decorative" val="1"/>
+                <adec:decorative xmlns:adec="http://schemas.microsoft.com/office/drawing/2017/decorative" xmlns="" val="1"/>
               </a:ext>
             </a:extLst>
           </p:cNvPr>
@@ -8307,7 +8318,7 @@
                 <a16:creationId xmlns:a16="http://schemas.microsoft.com/office/drawing/2014/main" id="{C6DB8A24-0DF2-4AB3-9191-C02AB6937C1F}"/>
               </a:ext>
               <a:ext uri="{C183D7F6-B498-43B3-948B-1728B52AA6E4}">
-                <adec:decorative xmlns:adec="http://schemas.microsoft.com/office/drawing/2017/decorative" val="1"/>
+                <adec:decorative xmlns:adec="http://schemas.microsoft.com/office/drawing/2017/decorative" xmlns="" val="1"/>
               </a:ext>
             </a:extLst>
           </p:cNvPr>
@@ -8365,7 +8376,7 @@
                 <a16:creationId xmlns:a16="http://schemas.microsoft.com/office/drawing/2014/main" id="{6924F406-F250-4FCF-A28E-52F364A5AA1D}"/>
               </a:ext>
               <a:ext uri="{C183D7F6-B498-43B3-948B-1728B52AA6E4}">
-                <adec:decorative xmlns:adec="http://schemas.microsoft.com/office/drawing/2017/decorative" val="1"/>
+                <adec:decorative xmlns:adec="http://schemas.microsoft.com/office/drawing/2017/decorative" xmlns="" val="1"/>
               </a:ext>
             </a:extLst>
           </p:cNvPr>
@@ -8420,7 +8431,7 @@
                 <a16:creationId xmlns:a16="http://schemas.microsoft.com/office/drawing/2014/main" id="{17341052-73F2-435C-A1F0-70961D11B477}"/>
               </a:ext>
               <a:ext uri="{C183D7F6-B498-43B3-948B-1728B52AA6E4}">
-                <adec:decorative xmlns:adec="http://schemas.microsoft.com/office/drawing/2017/decorative" val="1"/>
+                <adec:decorative xmlns:adec="http://schemas.microsoft.com/office/drawing/2017/decorative" xmlns="" val="1"/>
               </a:ext>
             </a:extLst>
           </p:cNvPr>
@@ -8529,7 +8540,7 @@
                 <a16:creationId xmlns:a16="http://schemas.microsoft.com/office/drawing/2014/main" id="{A4D2D0F6-68B7-4A2F-B80D-B3AAC1F4DC24}"/>
               </a:ext>
               <a:ext uri="{C183D7F6-B498-43B3-948B-1728B52AA6E4}">
-                <adec:decorative xmlns:adec="http://schemas.microsoft.com/office/drawing/2017/decorative" val="1"/>
+                <adec:decorative xmlns:adec="http://schemas.microsoft.com/office/drawing/2017/decorative" xmlns="" val="1"/>
               </a:ext>
             </a:extLst>
           </p:cNvPr>
@@ -8574,7 +8585,7 @@
                 <a16:creationId xmlns:a16="http://schemas.microsoft.com/office/drawing/2014/main" id="{A0BCEF11-98AA-4EF8-91CF-8146F647932B}"/>
               </a:ext>
               <a:ext uri="{C183D7F6-B498-43B3-948B-1728B52AA6E4}">
-                <adec:decorative xmlns:adec="http://schemas.microsoft.com/office/drawing/2017/decorative" val="1"/>
+                <adec:decorative xmlns:adec="http://schemas.microsoft.com/office/drawing/2017/decorative" xmlns="" val="1"/>
               </a:ext>
             </a:extLst>
           </p:cNvPr>
@@ -8668,7 +8679,7 @@
                 <a16:creationId xmlns:a16="http://schemas.microsoft.com/office/drawing/2014/main" id="{DB816C00-E2A2-4A28-A8CB-2E9E10E9FDF7}"/>
               </a:ext>
               <a:ext uri="{C183D7F6-B498-43B3-948B-1728B52AA6E4}">
-                <adec:decorative xmlns:adec="http://schemas.microsoft.com/office/drawing/2017/decorative" val="1"/>
+                <adec:decorative xmlns:adec="http://schemas.microsoft.com/office/drawing/2017/decorative" xmlns="" val="1"/>
               </a:ext>
             </a:extLst>
           </p:cNvPr>
@@ -8713,7 +8724,7 @@
                 <a16:creationId xmlns:a16="http://schemas.microsoft.com/office/drawing/2014/main" id="{B2892C6A-FAAA-49A9-B836-6ECC4D48D7E8}"/>
               </a:ext>
               <a:ext uri="{C183D7F6-B498-43B3-948B-1728B52AA6E4}">
-                <adec:decorative xmlns:adec="http://schemas.microsoft.com/office/drawing/2017/decorative" val="1"/>
+                <adec:decorative xmlns:adec="http://schemas.microsoft.com/office/drawing/2017/decorative" xmlns="" val="1"/>
               </a:ext>
             </a:extLst>
           </p:cNvPr>
@@ -8795,9 +8806,10 @@
           </a:p>
           <a:p>
             <a:r>
-              <a:rPr lang="de-CH" dirty="0"/>
-              <a:t>Tausende Leben ruiniert</a:t>
-            </a:r>
+              <a:rPr lang="de-CH" dirty="0" smtClean="0"/>
+              <a:t>Ruinierte viele Leben</a:t>
+            </a:r>
+            <a:endParaRPr lang="de-CH" dirty="0"/>
           </a:p>
           <a:p>
             <a:r>
@@ -8893,6 +8905,16 @@
   <p:clrMapOvr>
     <a:masterClrMapping/>
   </p:clrMapOvr>
+  <p:transition spd="slow">
+    <p:wipe/>
+  </p:transition>
+  <p:timing>
+    <p:tnLst>
+      <p:par>
+        <p:cTn id="1" dur="indefinite" restart="never" nodeType="tmRoot"/>
+      </p:par>
+    </p:tnLst>
+  </p:timing>
 </p:sld>
 </file>
 
@@ -8915,13 +8937,7 @@
       </p:grpSpPr>
       <p:sp>
         <p:nvSpPr>
-          <p:cNvPr id="2" name="Titel 1">
-            <a:extLst>
-              <a:ext uri="{FF2B5EF4-FFF2-40B4-BE49-F238E27FC236}">
-                <a16:creationId xmlns:a16="http://schemas.microsoft.com/office/drawing/2014/main" id="{667409F6-BA4C-4C89-BD13-FD046A61EC68}"/>
-              </a:ext>
-            </a:extLst>
-          </p:cNvPr>
+          <p:cNvPr id="5" name="Titel 4"/>
           <p:cNvSpPr>
             <a:spLocks noGrp="1"/>
           </p:cNvSpPr>
@@ -8934,84 +8950,35 @@
           <a:bodyPr/>
           <a:lstStyle/>
           <a:p>
-            <a:r>
-              <a:rPr lang="de-CH" dirty="0"/>
-              <a:t>Literaturverzeichnis</a:t>
-            </a:r>
-          </a:p>
-        </p:txBody>
-      </p:sp>
-      <p:sp>
-        <p:nvSpPr>
-          <p:cNvPr id="3" name="Inhaltsplatzhalter 2">
-            <a:extLst>
-              <a:ext uri="{FF2B5EF4-FFF2-40B4-BE49-F238E27FC236}">
-                <a16:creationId xmlns:a16="http://schemas.microsoft.com/office/drawing/2014/main" id="{0A49C566-3DAD-4D61-960F-A6CECE1FEC30}"/>
-              </a:ext>
-            </a:extLst>
-          </p:cNvPr>
-          <p:cNvSpPr>
-            <a:spLocks noGrp="1"/>
-          </p:cNvSpPr>
-          <p:nvPr>
-            <p:ph idx="1"/>
-          </p:nvPr>
-        </p:nvSpPr>
-        <p:spPr/>
-        <p:txBody>
-          <a:bodyPr/>
-          <a:lstStyle/>
-          <a:p>
-            <a:r>
-              <a:rPr lang="de-CH" dirty="0"/>
-              <a:t>Quelle1: </a:t>
-            </a:r>
-            <a:r>
-              <a:rPr lang="en-US" dirty="0"/>
-              <a:t>https://de.wikipedia.org/wiki/McCarthy-%C3%84ra</a:t>
-            </a:r>
-          </a:p>
-          <a:p>
-            <a:r>
-              <a:rPr lang="de-CH" dirty="0"/>
-              <a:t>Quelle2: </a:t>
-            </a:r>
-            <a:r>
-              <a:rPr lang="en-US" dirty="0"/>
-              <a:t>https://en.wikipedia.org/wiki/McCarthyism</a:t>
-            </a:r>
-            <a:endParaRPr lang="de-CH" dirty="0"/>
-          </a:p>
-          <a:p>
-            <a:r>
-              <a:rPr lang="de-CH" dirty="0"/>
-              <a:t>Quelle3: https://www.youtube.com/watch?v=N35IugBYH04</a:t>
-            </a:r>
-          </a:p>
-          <a:p>
-            <a:r>
-              <a:rPr lang="de-CH" dirty="0"/>
-              <a:t>Quelle4: https://www.duden.de/rechtschreibung/McCarthyismus</a:t>
-            </a:r>
-          </a:p>
-          <a:p>
-            <a:r>
-              <a:rPr lang="de-CH" dirty="0"/>
-              <a:t>Quelle5: https://www.youtube.com/watch?v=nrrRu6Jb_Ug</a:t>
-            </a:r>
+            <a:pPr algn="ctr"/>
+            <a:r>
+              <a:rPr lang="de-CH" dirty="0" smtClean="0"/>
+              <a:t>Fragen?</a:t>
+            </a:r>
+            <a:endParaRPr lang="en-US" dirty="0"/>
           </a:p>
         </p:txBody>
       </p:sp>
     </p:spTree>
     <p:extLst>
       <p:ext uri="{BB962C8B-B14F-4D97-AF65-F5344CB8AC3E}">
-        <p14:creationId xmlns:p14="http://schemas.microsoft.com/office/powerpoint/2010/main" val="3119168149"/>
+        <p14:creationId xmlns:p14="http://schemas.microsoft.com/office/powerpoint/2010/main" val="1245739254"/>
       </p:ext>
     </p:extLst>
   </p:cSld>
   <p:clrMapOvr>
     <a:masterClrMapping/>
   </p:clrMapOvr>
+  <p:transition spd="slow">
+    <p:wipe/>
+  </p:transition>
+  <p:timing>
+    <p:tnLst>
+      <p:par>
+        <p:cTn id="1" dur="indefinite" restart="never" nodeType="tmRoot"/>
+      </p:par>
+    </p:tnLst>
+  </p:timing>
 </p:sld>
 </file>
 
@@ -9037,6 +9004,135 @@
           <p:cNvPr id="2" name="Titel 1">
             <a:extLst>
               <a:ext uri="{FF2B5EF4-FFF2-40B4-BE49-F238E27FC236}">
+                <a16:creationId xmlns:a16="http://schemas.microsoft.com/office/drawing/2014/main" id="{667409F6-BA4C-4C89-BD13-FD046A61EC68}"/>
+              </a:ext>
+            </a:extLst>
+          </p:cNvPr>
+          <p:cNvSpPr>
+            <a:spLocks noGrp="1"/>
+          </p:cNvSpPr>
+          <p:nvPr>
+            <p:ph type="title"/>
+          </p:nvPr>
+        </p:nvSpPr>
+        <p:spPr/>
+        <p:txBody>
+          <a:bodyPr/>
+          <a:lstStyle/>
+          <a:p>
+            <a:r>
+              <a:rPr lang="de-CH" dirty="0"/>
+              <a:t>Literaturverzeichnis</a:t>
+            </a:r>
+          </a:p>
+        </p:txBody>
+      </p:sp>
+      <p:sp>
+        <p:nvSpPr>
+          <p:cNvPr id="3" name="Inhaltsplatzhalter 2">
+            <a:extLst>
+              <a:ext uri="{FF2B5EF4-FFF2-40B4-BE49-F238E27FC236}">
+                <a16:creationId xmlns:a16="http://schemas.microsoft.com/office/drawing/2014/main" id="{0A49C566-3DAD-4D61-960F-A6CECE1FEC30}"/>
+              </a:ext>
+            </a:extLst>
+          </p:cNvPr>
+          <p:cNvSpPr>
+            <a:spLocks noGrp="1"/>
+          </p:cNvSpPr>
+          <p:nvPr>
+            <p:ph idx="1"/>
+          </p:nvPr>
+        </p:nvSpPr>
+        <p:spPr/>
+        <p:txBody>
+          <a:bodyPr/>
+          <a:lstStyle/>
+          <a:p>
+            <a:r>
+              <a:rPr lang="de-CH" dirty="0"/>
+              <a:t>Quelle1: </a:t>
+            </a:r>
+            <a:r>
+              <a:rPr lang="en-US" dirty="0"/>
+              <a:t>https://de.wikipedia.org/wiki/McCarthy-%C3%84ra</a:t>
+            </a:r>
+          </a:p>
+          <a:p>
+            <a:r>
+              <a:rPr lang="de-CH" dirty="0"/>
+              <a:t>Quelle2: </a:t>
+            </a:r>
+            <a:r>
+              <a:rPr lang="en-US" dirty="0"/>
+              <a:t>https://en.wikipedia.org/wiki/McCarthyism</a:t>
+            </a:r>
+            <a:endParaRPr lang="de-CH" dirty="0"/>
+          </a:p>
+          <a:p>
+            <a:r>
+              <a:rPr lang="de-CH" dirty="0"/>
+              <a:t>Quelle3: https://www.youtube.com/watch?v=N35IugBYH04</a:t>
+            </a:r>
+          </a:p>
+          <a:p>
+            <a:r>
+              <a:rPr lang="de-CH" dirty="0"/>
+              <a:t>Quelle4: https://www.duden.de/rechtschreibung/McCarthyismus</a:t>
+            </a:r>
+          </a:p>
+          <a:p>
+            <a:r>
+              <a:rPr lang="de-CH" dirty="0"/>
+              <a:t>Quelle5: https://www.youtube.com/watch?v=nrrRu6Jb_Ug</a:t>
+            </a:r>
+          </a:p>
+        </p:txBody>
+      </p:sp>
+    </p:spTree>
+    <p:extLst>
+      <p:ext uri="{BB962C8B-B14F-4D97-AF65-F5344CB8AC3E}">
+        <p14:creationId xmlns:p14="http://schemas.microsoft.com/office/powerpoint/2010/main" val="3119168149"/>
+      </p:ext>
+    </p:extLst>
+  </p:cSld>
+  <p:clrMapOvr>
+    <a:masterClrMapping/>
+  </p:clrMapOvr>
+  <p:transition spd="slow">
+    <p:wipe/>
+  </p:transition>
+  <p:timing>
+    <p:tnLst>
+      <p:par>
+        <p:cTn id="1" dur="indefinite" restart="never" nodeType="tmRoot"/>
+      </p:par>
+    </p:tnLst>
+  </p:timing>
+</p:sld>
+</file>
+
+<file path=ppt/slides/slide13.xml><?xml version="1.0" encoding="utf-8"?>
+<p:sld xmlns:a="http://schemas.openxmlformats.org/drawingml/2006/main" xmlns:r="http://schemas.openxmlformats.org/officeDocument/2006/relationships" xmlns:p="http://schemas.openxmlformats.org/presentationml/2006/main">
+  <p:cSld>
+    <p:spTree>
+      <p:nvGrpSpPr>
+        <p:cNvPr id="1" name=""/>
+        <p:cNvGrpSpPr/>
+        <p:nvPr/>
+      </p:nvGrpSpPr>
+      <p:grpSpPr>
+        <a:xfrm>
+          <a:off x="0" y="0"/>
+          <a:ext cx="0" cy="0"/>
+          <a:chOff x="0" y="0"/>
+          <a:chExt cx="0" cy="0"/>
+        </a:xfrm>
+      </p:grpSpPr>
+      <p:sp>
+        <p:nvSpPr>
+          <p:cNvPr id="2" name="Titel 1">
+            <a:extLst>
+              <a:ext uri="{FF2B5EF4-FFF2-40B4-BE49-F238E27FC236}">
                 <a16:creationId xmlns:a16="http://schemas.microsoft.com/office/drawing/2014/main" id="{529DA98D-F1BE-4774-8712-F0B8EF943791}"/>
               </a:ext>
             </a:extLst>
@@ -9108,13 +9204,21 @@
           <a:p>
             <a:r>
               <a:rPr lang="de-CH" dirty="0"/>
-              <a:t>Abb.4: https://en.wikipedia.org/wiki/McCarthyism#/media/File:Dalton_and_Cleo_Trumbo_(1947_HUAC_hearings).png</a:t>
-            </a:r>
-          </a:p>
-          <a:p>
+              <a:t>Abb.4: https://</a:t>
+            </a:r>
+            <a:r>
+              <a:rPr lang="de-CH" dirty="0" smtClean="0"/>
+              <a:t>upload.wikimedia.org/wikipedia/commons/thumb/0/00/Charlie_Chaplin.jpg/220px-Charlie_Chaplin.jpg</a:t>
+            </a:r>
+          </a:p>
+          <a:p>
+            <a:r>
+              <a:rPr lang="de-CH" dirty="0" smtClean="0"/>
+              <a:t>Abb.5</a:t>
+            </a:r>
             <a:r>
               <a:rPr lang="de-CH" dirty="0"/>
-              <a:t>Abb.5: http://www.amistadresource.org/LBimages/image_07_12_010_communism.jpg</a:t>
+              <a:t>: http://www.amistadresource.org/LBimages/image_07_12_010_communism.jpg</a:t>
             </a:r>
           </a:p>
           <a:p>
@@ -9159,6 +9263,16 @@
   <p:clrMapOvr>
     <a:masterClrMapping/>
   </p:clrMapOvr>
+  <p:transition spd="slow">
+    <p:wipe/>
+  </p:transition>
+  <p:timing>
+    <p:tnLst>
+      <p:par>
+        <p:cTn id="1" dur="indefinite" restart="never" nodeType="tmRoot"/>
+      </p:par>
+    </p:tnLst>
+  </p:timing>
 </p:sld>
 </file>
 
@@ -9235,9 +9349,10 @@
           </a:p>
           <a:p>
             <a:r>
-              <a:rPr lang="de-CH" dirty="0"/>
-              <a:t>Vorgeschichte</a:t>
-            </a:r>
+              <a:rPr lang="de-CH" dirty="0" smtClean="0"/>
+              <a:t>Ursache</a:t>
+            </a:r>
+            <a:endParaRPr lang="de-CH" dirty="0"/>
           </a:p>
           <a:p>
             <a:r>
@@ -9253,14 +9368,12 @@
           </a:p>
           <a:p>
             <a:r>
+              <a:rPr lang="de-CH" dirty="0" smtClean="0"/>
+              <a:t>Das </a:t>
+            </a:r>
+            <a:r>
               <a:rPr lang="de-CH" dirty="0"/>
-              <a:t>Schwarze Liste</a:t>
-            </a:r>
-          </a:p>
-          <a:p>
-            <a:r>
-              <a:rPr lang="de-CH" dirty="0"/>
-              <a:t>Das Ende des McCarthyismus</a:t>
+              <a:t>Ende des McCarthyismus</a:t>
             </a:r>
           </a:p>
           <a:p>
@@ -9281,6 +9394,16 @@
   <p:clrMapOvr>
     <a:masterClrMapping/>
   </p:clrMapOvr>
+  <p:transition spd="slow">
+    <p:wipe/>
+  </p:transition>
+  <p:timing>
+    <p:tnLst>
+      <p:par>
+        <p:cTn id="1" dur="indefinite" restart="never" nodeType="tmRoot"/>
+      </p:par>
+    </p:tnLst>
+  </p:timing>
 </p:sld>
 </file>
 
@@ -9344,7 +9467,7 @@
                 <a16:creationId xmlns:a16="http://schemas.microsoft.com/office/drawing/2014/main" id="{01A3CA1B-1530-4046-A299-90F41FE7FBFA}"/>
               </a:ext>
               <a:ext uri="{C183D7F6-B498-43B3-948B-1728B52AA6E4}">
-                <adec:decorative xmlns:adec="http://schemas.microsoft.com/office/drawing/2017/decorative" val="1"/>
+                <adec:decorative xmlns:adec="http://schemas.microsoft.com/office/drawing/2017/decorative" xmlns="" val="1"/>
               </a:ext>
             </a:extLst>
           </p:cNvPr>
@@ -9390,7 +9513,7 @@
                 <a16:creationId xmlns:a16="http://schemas.microsoft.com/office/drawing/2014/main" id="{126A6064-3EEB-4D82-B8AB-85EC8287EF25}"/>
               </a:ext>
               <a:ext uri="{C183D7F6-B498-43B3-948B-1728B52AA6E4}">
-                <adec:decorative xmlns:adec="http://schemas.microsoft.com/office/drawing/2017/decorative" val="1"/>
+                <adec:decorative xmlns:adec="http://schemas.microsoft.com/office/drawing/2017/decorative" xmlns="" val="1"/>
               </a:ext>
             </a:extLst>
           </p:cNvPr>
@@ -9435,7 +9558,7 @@
                 <a16:creationId xmlns:a16="http://schemas.microsoft.com/office/drawing/2014/main" id="{70EB3F8A-0655-4D47-B546-F7EC731E02CF}"/>
               </a:ext>
               <a:ext uri="{C183D7F6-B498-43B3-948B-1728B52AA6E4}">
-                <adec:decorative xmlns:adec="http://schemas.microsoft.com/office/drawing/2017/decorative" val="1"/>
+                <adec:decorative xmlns:adec="http://schemas.microsoft.com/office/drawing/2017/decorative" xmlns="" val="1"/>
               </a:ext>
             </a:extLst>
           </p:cNvPr>
@@ -9480,7 +9603,7 @@
                 <a16:creationId xmlns:a16="http://schemas.microsoft.com/office/drawing/2014/main" id="{FC563705-9678-4052-A909-B5114B9A20BD}"/>
               </a:ext>
               <a:ext uri="{C183D7F6-B498-43B3-948B-1728B52AA6E4}">
-                <adec:decorative xmlns:adec="http://schemas.microsoft.com/office/drawing/2017/decorative" val="1"/>
+                <adec:decorative xmlns:adec="http://schemas.microsoft.com/office/drawing/2017/decorative" xmlns="" val="1"/>
               </a:ext>
             </a:extLst>
           </p:cNvPr>
@@ -9538,7 +9661,7 @@
                 <a16:creationId xmlns:a16="http://schemas.microsoft.com/office/drawing/2014/main" id="{22FEEF27-DE57-43BD-AD75-1F367403B6D4}"/>
               </a:ext>
               <a:ext uri="{C183D7F6-B498-43B3-948B-1728B52AA6E4}">
-                <adec:decorative xmlns:adec="http://schemas.microsoft.com/office/drawing/2017/decorative" val="1"/>
+                <adec:decorative xmlns:adec="http://schemas.microsoft.com/office/drawing/2017/decorative" xmlns="" val="1"/>
               </a:ext>
             </a:extLst>
           </p:cNvPr>
@@ -9593,7 +9716,7 @@
                 <a16:creationId xmlns:a16="http://schemas.microsoft.com/office/drawing/2014/main" id="{E54517AE-487C-4EA9-971B-0CC193B00428}"/>
               </a:ext>
               <a:ext uri="{C183D7F6-B498-43B3-948B-1728B52AA6E4}">
-                <adec:decorative xmlns:adec="http://schemas.microsoft.com/office/drawing/2017/decorative" val="1"/>
+                <adec:decorative xmlns:adec="http://schemas.microsoft.com/office/drawing/2017/decorative" xmlns="" val="1"/>
               </a:ext>
             </a:extLst>
           </p:cNvPr>
@@ -9653,7 +9776,7 @@
                 <a16:creationId xmlns:a16="http://schemas.microsoft.com/office/drawing/2014/main" id="{BD93C34A-7F29-4123-9409-6603859D6097}"/>
               </a:ext>
               <a:ext uri="{C183D7F6-B498-43B3-948B-1728B52AA6E4}">
-                <adec:decorative xmlns:adec="http://schemas.microsoft.com/office/drawing/2017/decorative" val="1"/>
+                <adec:decorative xmlns:adec="http://schemas.microsoft.com/office/drawing/2017/decorative" xmlns="" val="1"/>
               </a:ext>
             </a:extLst>
           </p:cNvPr>
@@ -9699,7 +9822,7 @@
                 <a16:creationId xmlns:a16="http://schemas.microsoft.com/office/drawing/2014/main" id="{734FCDD7-0991-4A44-9DEA-9E801BDC68DA}"/>
               </a:ext>
               <a:ext uri="{C183D7F6-B498-43B3-948B-1728B52AA6E4}">
-                <adec:decorative xmlns:adec="http://schemas.microsoft.com/office/drawing/2017/decorative" val="1"/>
+                <adec:decorative xmlns:adec="http://schemas.microsoft.com/office/drawing/2017/decorative" xmlns="" val="1"/>
               </a:ext>
             </a:extLst>
           </p:cNvPr>
@@ -9759,7 +9882,7 @@
                 <a16:creationId xmlns:a16="http://schemas.microsoft.com/office/drawing/2014/main" id="{566137C5-CC33-411A-86CA-71F4AC350F58}"/>
               </a:ext>
               <a:ext uri="{C183D7F6-B498-43B3-948B-1728B52AA6E4}">
-                <adec:decorative xmlns:adec="http://schemas.microsoft.com/office/drawing/2017/decorative" val="1"/>
+                <adec:decorative xmlns:adec="http://schemas.microsoft.com/office/drawing/2017/decorative" xmlns="" val="1"/>
               </a:ext>
             </a:extLst>
           </p:cNvPr>
@@ -9852,7 +9975,7 @@
                 <a16:creationId xmlns:a16="http://schemas.microsoft.com/office/drawing/2014/main" id="{6E4A315C-05D0-4BD5-8C9C-F1E2E2DBB74A}"/>
               </a:ext>
               <a:ext uri="{C183D7F6-B498-43B3-948B-1728B52AA6E4}">
-                <adec:decorative xmlns:adec="http://schemas.microsoft.com/office/drawing/2017/decorative" val="1"/>
+                <adec:decorative xmlns:adec="http://schemas.microsoft.com/office/drawing/2017/decorative" xmlns="" val="1"/>
               </a:ext>
             </a:extLst>
           </p:cNvPr>
@@ -9919,25 +10042,23 @@
           <a:p>
             <a:r>
               <a:rPr lang="de-CH" dirty="0"/>
-              <a:t>1947-1956</a:t>
-            </a:r>
-          </a:p>
-          <a:p>
+              <a:t>Verfolgung der Kommunisten und Linksintellektuellen in der USA </a:t>
+            </a:r>
+          </a:p>
+          <a:p>
+            <a:r>
+              <a:rPr lang="de-CH" dirty="0" smtClean="0"/>
+              <a:t>Benannt nach Joseph McCarthy</a:t>
+            </a:r>
+          </a:p>
+          <a:p>
+            <a:r>
+              <a:rPr lang="de-CH" dirty="0" smtClean="0"/>
+              <a:t>Meist </a:t>
+            </a:r>
             <a:r>
               <a:rPr lang="de-CH" dirty="0"/>
-              <a:t>Benannt nach Joseph McCarthy</a:t>
-            </a:r>
-          </a:p>
-          <a:p>
-            <a:r>
-              <a:rPr lang="de-CH" dirty="0"/>
-              <a:t>Verfolgung der Kommunisten und Linksintellektuellen in der USA</a:t>
-            </a:r>
-          </a:p>
-          <a:p>
-            <a:r>
-              <a:rPr lang="de-CH" dirty="0"/>
-              <a:t>Meist Entlassungen aber auch Verhaftungen</a:t>
+              <a:t>Entlassungen aber auch Verhaftungen</a:t>
             </a:r>
           </a:p>
           <a:p>
@@ -9959,7 +10080,7 @@
                 <a16:creationId xmlns:a16="http://schemas.microsoft.com/office/drawing/2014/main" id="{90AFE437-7BA8-4824-AC1D-AB01EAF7CE87}"/>
               </a:ext>
               <a:ext uri="{C183D7F6-B498-43B3-948B-1728B52AA6E4}">
-                <adec:decorative xmlns:adec="http://schemas.microsoft.com/office/drawing/2017/decorative" val="1"/>
+                <adec:decorative xmlns:adec="http://schemas.microsoft.com/office/drawing/2017/decorative" xmlns="" val="1"/>
               </a:ext>
             </a:extLst>
           </p:cNvPr>
@@ -10078,7 +10199,7 @@
                 <a16:creationId xmlns:a16="http://schemas.microsoft.com/office/drawing/2014/main" id="{CCB56162-164A-462A-A889-F8A5630F208F}"/>
               </a:ext>
               <a:ext uri="{C183D7F6-B498-43B3-948B-1728B52AA6E4}">
-                <adec:decorative xmlns:adec="http://schemas.microsoft.com/office/drawing/2017/decorative" val="1"/>
+                <adec:decorative xmlns:adec="http://schemas.microsoft.com/office/drawing/2017/decorative" xmlns="" val="1"/>
               </a:ext>
             </a:extLst>
           </p:cNvPr>
@@ -10138,7 +10259,7 @@
                 <a16:creationId xmlns:a16="http://schemas.microsoft.com/office/drawing/2014/main" id="{EE0954D9-982C-4862-B03C-B6DE7754FB38}"/>
               </a:ext>
               <a:ext uri="{C183D7F6-B498-43B3-948B-1728B52AA6E4}">
-                <adec:decorative xmlns:adec="http://schemas.microsoft.com/office/drawing/2017/decorative" val="1"/>
+                <adec:decorative xmlns:adec="http://schemas.microsoft.com/office/drawing/2017/decorative" xmlns="" val="1"/>
               </a:ext>
             </a:extLst>
           </p:cNvPr>
@@ -10198,7 +10319,7 @@
                 <a16:creationId xmlns:a16="http://schemas.microsoft.com/office/drawing/2014/main" id="{5977B758-3028-404D-82D1-5EAE2D909374}"/>
               </a:ext>
               <a:ext uri="{C183D7F6-B498-43B3-948B-1728B52AA6E4}">
-                <adec:decorative xmlns:adec="http://schemas.microsoft.com/office/drawing/2017/decorative" val="1"/>
+                <adec:decorative xmlns:adec="http://schemas.microsoft.com/office/drawing/2017/decorative" xmlns="" val="1"/>
               </a:ext>
             </a:extLst>
           </p:cNvPr>
@@ -10422,6 +10543,16 @@
   <p:clrMapOvr>
     <a:masterClrMapping/>
   </p:clrMapOvr>
+  <p:transition spd="slow">
+    <p:wipe/>
+  </p:transition>
+  <p:timing>
+    <p:tnLst>
+      <p:par>
+        <p:cTn id="1" dur="indefinite" restart="never" nodeType="tmRoot"/>
+      </p:par>
+    </p:tnLst>
+  </p:timing>
 </p:sld>
 </file>
 
@@ -10485,7 +10616,7 @@
                 <a16:creationId xmlns:a16="http://schemas.microsoft.com/office/drawing/2014/main" id="{5321D838-2C7E-4177-9DD3-DAC78324A2B2}"/>
               </a:ext>
               <a:ext uri="{C183D7F6-B498-43B3-948B-1728B52AA6E4}">
-                <adec:decorative xmlns:adec="http://schemas.microsoft.com/office/drawing/2017/decorative" val="1"/>
+                <adec:decorative xmlns:adec="http://schemas.microsoft.com/office/drawing/2017/decorative" xmlns="" val="1"/>
               </a:ext>
             </a:extLst>
           </p:cNvPr>
@@ -10531,7 +10662,7 @@
                 <a16:creationId xmlns:a16="http://schemas.microsoft.com/office/drawing/2014/main" id="{224C28B3-E902-49D1-98A0-582D277A0E00}"/>
               </a:ext>
               <a:ext uri="{C183D7F6-B498-43B3-948B-1728B52AA6E4}">
-                <adec:decorative xmlns:adec="http://schemas.microsoft.com/office/drawing/2017/decorative" val="1"/>
+                <adec:decorative xmlns:adec="http://schemas.microsoft.com/office/drawing/2017/decorative" xmlns="" val="1"/>
               </a:ext>
             </a:extLst>
           </p:cNvPr>
@@ -10576,7 +10707,7 @@
                 <a16:creationId xmlns:a16="http://schemas.microsoft.com/office/drawing/2014/main" id="{F3A6C14C-E755-4A02-821B-6EA2D4C9F20D}"/>
               </a:ext>
               <a:ext uri="{C183D7F6-B498-43B3-948B-1728B52AA6E4}">
-                <adec:decorative xmlns:adec="http://schemas.microsoft.com/office/drawing/2017/decorative" val="1"/>
+                <adec:decorative xmlns:adec="http://schemas.microsoft.com/office/drawing/2017/decorative" xmlns="" val="1"/>
               </a:ext>
             </a:extLst>
           </p:cNvPr>
@@ -10621,7 +10752,7 @@
                 <a16:creationId xmlns:a16="http://schemas.microsoft.com/office/drawing/2014/main" id="{6478287C-E119-4E9C-95B0-518478BD9D07}"/>
               </a:ext>
               <a:ext uri="{C183D7F6-B498-43B3-948B-1728B52AA6E4}">
-                <adec:decorative xmlns:adec="http://schemas.microsoft.com/office/drawing/2017/decorative" val="1"/>
+                <adec:decorative xmlns:adec="http://schemas.microsoft.com/office/drawing/2017/decorative" xmlns="" val="1"/>
               </a:ext>
             </a:extLst>
           </p:cNvPr>
@@ -10679,7 +10810,7 @@
                 <a16:creationId xmlns:a16="http://schemas.microsoft.com/office/drawing/2014/main" id="{EA4A294F-6D36-425B-8632-27FD6A284D09}"/>
               </a:ext>
               <a:ext uri="{C183D7F6-B498-43B3-948B-1728B52AA6E4}">
-                <adec:decorative xmlns:adec="http://schemas.microsoft.com/office/drawing/2017/decorative" val="1"/>
+                <adec:decorative xmlns:adec="http://schemas.microsoft.com/office/drawing/2017/decorative" xmlns="" val="1"/>
               </a:ext>
             </a:extLst>
           </p:cNvPr>
@@ -10755,9 +10886,10 @@
           <a:lstStyle/>
           <a:p>
             <a:r>
-              <a:rPr lang="en-US"/>
-              <a:t>Vorgeschichte</a:t>
-            </a:r>
+              <a:rPr lang="en-US" dirty="0" err="1" smtClean="0"/>
+              <a:t>Ursache</a:t>
+            </a:r>
+            <a:endParaRPr lang="en-US" dirty="0"/>
           </a:p>
         </p:txBody>
       </p:sp>
@@ -10791,7 +10923,15 @@
           <a:p>
             <a:r>
               <a:rPr lang="de-CH" dirty="0"/>
-              <a:t>Während Krieg viele Deutsch Immigranten</a:t>
+              <a:t>Während </a:t>
+            </a:r>
+            <a:r>
+              <a:rPr lang="de-CH" dirty="0" smtClean="0"/>
+              <a:t>Krieg, </a:t>
+            </a:r>
+            <a:r>
+              <a:rPr lang="de-CH" dirty="0"/>
+              <a:t>viele Deutsch Immigranten</a:t>
             </a:r>
           </a:p>
           <a:p>
@@ -10959,6 +11099,16 @@
   <p:clrMapOvr>
     <a:masterClrMapping/>
   </p:clrMapOvr>
+  <p:transition spd="slow">
+    <p:wipe/>
+  </p:transition>
+  <p:timing>
+    <p:tnLst>
+      <p:par>
+        <p:cTn id="1" dur="indefinite" restart="never" nodeType="tmRoot"/>
+      </p:par>
+    </p:tnLst>
+  </p:timing>
 </p:sld>
 </file>
 
@@ -11022,7 +11172,7 @@
                 <a16:creationId xmlns:a16="http://schemas.microsoft.com/office/drawing/2014/main" id="{5321D838-2C7E-4177-9DD3-DAC78324A2B2}"/>
               </a:ext>
               <a:ext uri="{C183D7F6-B498-43B3-948B-1728B52AA6E4}">
-                <adec:decorative xmlns:adec="http://schemas.microsoft.com/office/drawing/2017/decorative" val="1"/>
+                <adec:decorative xmlns:adec="http://schemas.microsoft.com/office/drawing/2017/decorative" xmlns="" val="1"/>
               </a:ext>
             </a:extLst>
           </p:cNvPr>
@@ -11068,7 +11218,7 @@
                 <a16:creationId xmlns:a16="http://schemas.microsoft.com/office/drawing/2014/main" id="{224C28B3-E902-49D1-98A0-582D277A0E00}"/>
               </a:ext>
               <a:ext uri="{C183D7F6-B498-43B3-948B-1728B52AA6E4}">
-                <adec:decorative xmlns:adec="http://schemas.microsoft.com/office/drawing/2017/decorative" val="1"/>
+                <adec:decorative xmlns:adec="http://schemas.microsoft.com/office/drawing/2017/decorative" xmlns="" val="1"/>
               </a:ext>
             </a:extLst>
           </p:cNvPr>
@@ -11113,7 +11263,7 @@
                 <a16:creationId xmlns:a16="http://schemas.microsoft.com/office/drawing/2014/main" id="{F3A6C14C-E755-4A02-821B-6EA2D4C9F20D}"/>
               </a:ext>
               <a:ext uri="{C183D7F6-B498-43B3-948B-1728B52AA6E4}">
-                <adec:decorative xmlns:adec="http://schemas.microsoft.com/office/drawing/2017/decorative" val="1"/>
+                <adec:decorative xmlns:adec="http://schemas.microsoft.com/office/drawing/2017/decorative" xmlns="" val="1"/>
               </a:ext>
             </a:extLst>
           </p:cNvPr>
@@ -11158,7 +11308,7 @@
                 <a16:creationId xmlns:a16="http://schemas.microsoft.com/office/drawing/2014/main" id="{6478287C-E119-4E9C-95B0-518478BD9D07}"/>
               </a:ext>
               <a:ext uri="{C183D7F6-B498-43B3-948B-1728B52AA6E4}">
-                <adec:decorative xmlns:adec="http://schemas.microsoft.com/office/drawing/2017/decorative" val="1"/>
+                <adec:decorative xmlns:adec="http://schemas.microsoft.com/office/drawing/2017/decorative" xmlns="" val="1"/>
               </a:ext>
             </a:extLst>
           </p:cNvPr>
@@ -11216,7 +11366,7 @@
                 <a16:creationId xmlns:a16="http://schemas.microsoft.com/office/drawing/2014/main" id="{EA4A294F-6D36-425B-8632-27FD6A284D09}"/>
               </a:ext>
               <a:ext uri="{C183D7F6-B498-43B3-948B-1728B52AA6E4}">
-                <adec:decorative xmlns:adec="http://schemas.microsoft.com/office/drawing/2017/decorative" val="1"/>
+                <adec:decorative xmlns:adec="http://schemas.microsoft.com/office/drawing/2017/decorative" xmlns="" val="1"/>
               </a:ext>
             </a:extLst>
           </p:cNvPr>
@@ -11348,17 +11498,85 @@
           </a:p>
         </p:txBody>
       </p:sp>
+      <p:sp>
+        <p:nvSpPr>
+          <p:cNvPr id="11" name="Textfeld 10">
+            <a:extLst>
+              <a:ext uri="{FF2B5EF4-FFF2-40B4-BE49-F238E27FC236}">
+                <a16:creationId xmlns:a16="http://schemas.microsoft.com/office/drawing/2014/main" id="{19CDE25A-9FF1-463D-A16E-76DC313D7E70}"/>
+              </a:ext>
+            </a:extLst>
+          </p:cNvPr>
+          <p:cNvSpPr txBox="1"/>
+          <p:nvPr/>
+        </p:nvSpPr>
+        <p:spPr>
+          <a:xfrm>
+            <a:off x="0" y="6460805"/>
+            <a:ext cx="2043953" cy="369332"/>
+          </a:xfrm>
+          <a:prstGeom prst="rect">
+            <a:avLst/>
+          </a:prstGeom>
+          <a:noFill/>
+        </p:spPr>
+        <p:txBody>
+          <a:bodyPr wrap="square" rtlCol="0">
+            <a:spAutoFit/>
+          </a:bodyPr>
+          <a:lstStyle/>
+          <a:p>
+            <a:r>
+              <a:rPr lang="de-CH" dirty="0"/>
+              <a:t>Quellen 1</a:t>
+            </a:r>
+          </a:p>
+        </p:txBody>
+      </p:sp>
+      <p:sp>
+        <p:nvSpPr>
+          <p:cNvPr id="12" name="Textfeld 11">
+            <a:extLst>
+              <a:ext uri="{FF2B5EF4-FFF2-40B4-BE49-F238E27FC236}">
+                <a16:creationId xmlns:a16="http://schemas.microsoft.com/office/drawing/2014/main" id="{DB8C75CA-37A1-405F-9B2F-2B1EA3C25FE0}"/>
+              </a:ext>
+            </a:extLst>
+          </p:cNvPr>
+          <p:cNvSpPr txBox="1"/>
+          <p:nvPr/>
+        </p:nvSpPr>
+        <p:spPr>
+          <a:xfrm>
+            <a:off x="6815629" y="5763255"/>
+            <a:ext cx="2548178" cy="369332"/>
+          </a:xfrm>
+          <a:prstGeom prst="rect">
+            <a:avLst/>
+          </a:prstGeom>
+          <a:noFill/>
+        </p:spPr>
+        <p:txBody>
+          <a:bodyPr wrap="square" rtlCol="0">
+            <a:spAutoFit/>
+          </a:bodyPr>
+          <a:lstStyle/>
+          <a:p>
+            <a:r>
+              <a:rPr lang="de-CH" dirty="0"/>
+              <a:t>Abb.4 </a:t>
+            </a:r>
+            <a:r>
+              <a:rPr lang="en-US" dirty="0"/>
+              <a:t>Charlie Chaplin</a:t>
+            </a:r>
+          </a:p>
+        </p:txBody>
+      </p:sp>
       <p:pic>
         <p:nvPicPr>
-          <p:cNvPr id="9218" name="Picture 2" descr="https://upload.wikimedia.org/wikipedia/commons/0/04/Dalton_and_Cleo_Trumbo_%281947_HUAC_hearings%29.png">
-            <a:extLst>
-              <a:ext uri="{FF2B5EF4-FFF2-40B4-BE49-F238E27FC236}">
-                <a16:creationId xmlns:a16="http://schemas.microsoft.com/office/drawing/2014/main" id="{FC79E42B-8A02-4366-ADC4-C323DDE6F3DB}"/>
-              </a:ext>
-            </a:extLst>
-          </p:cNvPr>
+          <p:cNvPr id="7" name="Inhaltsplatzhalter 6"/>
           <p:cNvPicPr>
-            <a:picLocks noGrp="1" noChangeAspect="1" noChangeArrowheads="1"/>
+            <a:picLocks noGrp="1" noChangeAspect="1"/>
           </p:cNvPicPr>
           <p:nvPr>
             <p:ph sz="half" idx="2"/>
@@ -11372,30 +11590,19 @@
               </a:ext>
             </a:extLst>
           </a:blip>
-          <a:srcRect/>
           <a:stretch>
             <a:fillRect/>
           </a:stretch>
         </p:blipFill>
         <p:spPr bwMode="auto">
           <a:xfrm>
-            <a:off x="6949883" y="2396970"/>
-            <a:ext cx="4198182" cy="3379536"/>
+            <a:off x="6923270" y="2693966"/>
+            <a:ext cx="2440537" cy="3050671"/>
           </a:xfrm>
           <a:prstGeom prst="rect">
             <a:avLst/>
           </a:prstGeom>
           <a:noFill/>
-          <a:ln>
-            <a:noFill/>
-          </a:ln>
-          <a:effectLst>
-            <a:outerShdw blurRad="76200" dist="63500" dir="5040000" algn="tl" rotWithShape="0">
-              <a:srgbClr val="000000">
-                <a:alpha val="41000"/>
-              </a:srgbClr>
-            </a:outerShdw>
-          </a:effectLst>
           <a:extLst>
             <a:ext uri="{909E8E84-426E-40DD-AFC4-6F175D3DCCD1}">
               <a14:hiddenFill xmlns:a14="http://schemas.microsoft.com/office/drawing/2010/main">
@@ -11407,76 +11614,6 @@
           </a:extLst>
         </p:spPr>
       </p:pic>
-      <p:sp>
-        <p:nvSpPr>
-          <p:cNvPr id="11" name="Textfeld 10">
-            <a:extLst>
-              <a:ext uri="{FF2B5EF4-FFF2-40B4-BE49-F238E27FC236}">
-                <a16:creationId xmlns:a16="http://schemas.microsoft.com/office/drawing/2014/main" id="{19CDE25A-9FF1-463D-A16E-76DC313D7E70}"/>
-              </a:ext>
-            </a:extLst>
-          </p:cNvPr>
-          <p:cNvSpPr txBox="1"/>
-          <p:nvPr/>
-        </p:nvSpPr>
-        <p:spPr>
-          <a:xfrm>
-            <a:off x="0" y="6460805"/>
-            <a:ext cx="2043953" cy="369332"/>
-          </a:xfrm>
-          <a:prstGeom prst="rect">
-            <a:avLst/>
-          </a:prstGeom>
-          <a:noFill/>
-        </p:spPr>
-        <p:txBody>
-          <a:bodyPr wrap="square" rtlCol="0">
-            <a:spAutoFit/>
-          </a:bodyPr>
-          <a:lstStyle/>
-          <a:p>
-            <a:r>
-              <a:rPr lang="de-CH" dirty="0"/>
-              <a:t>Quellen 1</a:t>
-            </a:r>
-          </a:p>
-        </p:txBody>
-      </p:sp>
-      <p:sp>
-        <p:nvSpPr>
-          <p:cNvPr id="12" name="Textfeld 11">
-            <a:extLst>
-              <a:ext uri="{FF2B5EF4-FFF2-40B4-BE49-F238E27FC236}">
-                <a16:creationId xmlns:a16="http://schemas.microsoft.com/office/drawing/2014/main" id="{DB8C75CA-37A1-405F-9B2F-2B1EA3C25FE0}"/>
-              </a:ext>
-            </a:extLst>
-          </p:cNvPr>
-          <p:cNvSpPr txBox="1"/>
-          <p:nvPr/>
-        </p:nvSpPr>
-        <p:spPr>
-          <a:xfrm>
-            <a:off x="6815629" y="5763255"/>
-            <a:ext cx="4332436" cy="369332"/>
-          </a:xfrm>
-          <a:prstGeom prst="rect">
-            <a:avLst/>
-          </a:prstGeom>
-          <a:noFill/>
-        </p:spPr>
-        <p:txBody>
-          <a:bodyPr wrap="square" rtlCol="0">
-            <a:spAutoFit/>
-          </a:bodyPr>
-          <a:lstStyle/>
-          <a:p>
-            <a:r>
-              <a:rPr lang="de-CH" dirty="0"/>
-              <a:t>Abb.4 Dalton Trumbo (Filmschaffender)</a:t>
-            </a:r>
-          </a:p>
-        </p:txBody>
-      </p:sp>
     </p:spTree>
     <p:extLst>
       <p:ext uri="{BB962C8B-B14F-4D97-AF65-F5344CB8AC3E}">
@@ -11487,6 +11624,16 @@
   <p:clrMapOvr>
     <a:masterClrMapping/>
   </p:clrMapOvr>
+  <p:transition spd="slow">
+    <p:wipe/>
+  </p:transition>
+  <p:timing>
+    <p:tnLst>
+      <p:par>
+        <p:cTn id="1" dur="indefinite" restart="never" nodeType="tmRoot"/>
+      </p:par>
+    </p:tnLst>
+  </p:timing>
 </p:sld>
 </file>
 
@@ -11550,7 +11697,7 @@
                 <a16:creationId xmlns:a16="http://schemas.microsoft.com/office/drawing/2014/main" id="{5321D838-2C7E-4177-9DD3-DAC78324A2B2}"/>
               </a:ext>
               <a:ext uri="{C183D7F6-B498-43B3-948B-1728B52AA6E4}">
-                <adec:decorative xmlns:adec="http://schemas.microsoft.com/office/drawing/2017/decorative" val="1"/>
+                <adec:decorative xmlns:adec="http://schemas.microsoft.com/office/drawing/2017/decorative" xmlns="" val="1"/>
               </a:ext>
             </a:extLst>
           </p:cNvPr>
@@ -11596,7 +11743,7 @@
                 <a16:creationId xmlns:a16="http://schemas.microsoft.com/office/drawing/2014/main" id="{224C28B3-E902-49D1-98A0-582D277A0E00}"/>
               </a:ext>
               <a:ext uri="{C183D7F6-B498-43B3-948B-1728B52AA6E4}">
-                <adec:decorative xmlns:adec="http://schemas.microsoft.com/office/drawing/2017/decorative" val="1"/>
+                <adec:decorative xmlns:adec="http://schemas.microsoft.com/office/drawing/2017/decorative" xmlns="" val="1"/>
               </a:ext>
             </a:extLst>
           </p:cNvPr>
@@ -11641,7 +11788,7 @@
                 <a16:creationId xmlns:a16="http://schemas.microsoft.com/office/drawing/2014/main" id="{F3A6C14C-E755-4A02-821B-6EA2D4C9F20D}"/>
               </a:ext>
               <a:ext uri="{C183D7F6-B498-43B3-948B-1728B52AA6E4}">
-                <adec:decorative xmlns:adec="http://schemas.microsoft.com/office/drawing/2017/decorative" val="1"/>
+                <adec:decorative xmlns:adec="http://schemas.microsoft.com/office/drawing/2017/decorative" xmlns="" val="1"/>
               </a:ext>
             </a:extLst>
           </p:cNvPr>
@@ -11686,7 +11833,7 @@
                 <a16:creationId xmlns:a16="http://schemas.microsoft.com/office/drawing/2014/main" id="{6478287C-E119-4E9C-95B0-518478BD9D07}"/>
               </a:ext>
               <a:ext uri="{C183D7F6-B498-43B3-948B-1728B52AA6E4}">
-                <adec:decorative xmlns:adec="http://schemas.microsoft.com/office/drawing/2017/decorative" val="1"/>
+                <adec:decorative xmlns:adec="http://schemas.microsoft.com/office/drawing/2017/decorative" xmlns="" val="1"/>
               </a:ext>
             </a:extLst>
           </p:cNvPr>
@@ -11744,7 +11891,7 @@
                 <a16:creationId xmlns:a16="http://schemas.microsoft.com/office/drawing/2014/main" id="{EA4A294F-6D36-425B-8632-27FD6A284D09}"/>
               </a:ext>
               <a:ext uri="{C183D7F6-B498-43B3-948B-1728B52AA6E4}">
-                <adec:decorative xmlns:adec="http://schemas.microsoft.com/office/drawing/2017/decorative" val="1"/>
+                <adec:decorative xmlns:adec="http://schemas.microsoft.com/office/drawing/2017/decorative" xmlns="" val="1"/>
               </a:ext>
             </a:extLst>
           </p:cNvPr>
@@ -11858,9 +12005,10 @@
               <a:buNone/>
             </a:pPr>
             <a:r>
-              <a:rPr lang="de-CH" dirty="0"/>
-              <a:t>Parlamentarischen Untersuchungsausschüssen</a:t>
-            </a:r>
+              <a:rPr lang="de-CH" dirty="0" smtClean="0"/>
+              <a:t>Parlamentarischer Untersuchungsausschuss</a:t>
+            </a:r>
+            <a:endParaRPr lang="de-CH" dirty="0"/>
           </a:p>
           <a:p>
             <a:r>
@@ -12078,6 +12226,16 @@
   <p:clrMapOvr>
     <a:masterClrMapping/>
   </p:clrMapOvr>
+  <p:transition spd="slow">
+    <p:wipe/>
+  </p:transition>
+  <p:timing>
+    <p:tnLst>
+      <p:par>
+        <p:cTn id="1" dur="indefinite" restart="never" nodeType="tmRoot"/>
+      </p:par>
+    </p:tnLst>
+  </p:timing>
 </p:sld>
 </file>
 
@@ -12141,7 +12299,7 @@
                 <a16:creationId xmlns:a16="http://schemas.microsoft.com/office/drawing/2014/main" id="{5321D838-2C7E-4177-9DD3-DAC78324A2B2}"/>
               </a:ext>
               <a:ext uri="{C183D7F6-B498-43B3-948B-1728B52AA6E4}">
-                <adec:decorative xmlns:adec="http://schemas.microsoft.com/office/drawing/2017/decorative" val="1"/>
+                <adec:decorative xmlns:adec="http://schemas.microsoft.com/office/drawing/2017/decorative" xmlns="" val="1"/>
               </a:ext>
             </a:extLst>
           </p:cNvPr>
@@ -12187,7 +12345,7 @@
                 <a16:creationId xmlns:a16="http://schemas.microsoft.com/office/drawing/2014/main" id="{224C28B3-E902-49D1-98A0-582D277A0E00}"/>
               </a:ext>
               <a:ext uri="{C183D7F6-B498-43B3-948B-1728B52AA6E4}">
-                <adec:decorative xmlns:adec="http://schemas.microsoft.com/office/drawing/2017/decorative" val="1"/>
+                <adec:decorative xmlns:adec="http://schemas.microsoft.com/office/drawing/2017/decorative" xmlns="" val="1"/>
               </a:ext>
             </a:extLst>
           </p:cNvPr>
@@ -12232,7 +12390,7 @@
                 <a16:creationId xmlns:a16="http://schemas.microsoft.com/office/drawing/2014/main" id="{F3A6C14C-E755-4A02-821B-6EA2D4C9F20D}"/>
               </a:ext>
               <a:ext uri="{C183D7F6-B498-43B3-948B-1728B52AA6E4}">
-                <adec:decorative xmlns:adec="http://schemas.microsoft.com/office/drawing/2017/decorative" val="1"/>
+                <adec:decorative xmlns:adec="http://schemas.microsoft.com/office/drawing/2017/decorative" xmlns="" val="1"/>
               </a:ext>
             </a:extLst>
           </p:cNvPr>
@@ -12277,7 +12435,7 @@
                 <a16:creationId xmlns:a16="http://schemas.microsoft.com/office/drawing/2014/main" id="{6478287C-E119-4E9C-95B0-518478BD9D07}"/>
               </a:ext>
               <a:ext uri="{C183D7F6-B498-43B3-948B-1728B52AA6E4}">
-                <adec:decorative xmlns:adec="http://schemas.microsoft.com/office/drawing/2017/decorative" val="1"/>
+                <adec:decorative xmlns:adec="http://schemas.microsoft.com/office/drawing/2017/decorative" xmlns="" val="1"/>
               </a:ext>
             </a:extLst>
           </p:cNvPr>
@@ -12335,7 +12493,7 @@
                 <a16:creationId xmlns:a16="http://schemas.microsoft.com/office/drawing/2014/main" id="{EA4A294F-6D36-425B-8632-27FD6A284D09}"/>
               </a:ext>
               <a:ext uri="{C183D7F6-B498-43B3-948B-1728B52AA6E4}">
-                <adec:decorative xmlns:adec="http://schemas.microsoft.com/office/drawing/2017/decorative" val="1"/>
+                <adec:decorative xmlns:adec="http://schemas.microsoft.com/office/drawing/2017/decorative" xmlns="" val="1"/>
               </a:ext>
             </a:extLst>
           </p:cNvPr>
@@ -12390,7 +12548,7 @@
                 <a16:creationId xmlns:a16="http://schemas.microsoft.com/office/drawing/2014/main" id="{3FECAD23-900F-4F1B-A441-6A68749F88D4}"/>
               </a:ext>
               <a:ext uri="{C183D7F6-B498-43B3-948B-1728B52AA6E4}">
-                <adec:decorative xmlns:adec="http://schemas.microsoft.com/office/drawing/2017/decorative" val="1"/>
+                <adec:decorative xmlns:adec="http://schemas.microsoft.com/office/drawing/2017/decorative" xmlns="" val="1"/>
               </a:ext>
             </a:extLst>
           </p:cNvPr>
@@ -12450,7 +12608,7 @@
                 <a16:creationId xmlns:a16="http://schemas.microsoft.com/office/drawing/2014/main" id="{57943801-CAEC-4F98-9332-2A4D9128463E}"/>
               </a:ext>
               <a:ext uri="{C183D7F6-B498-43B3-948B-1728B52AA6E4}">
-                <adec:decorative xmlns:adec="http://schemas.microsoft.com/office/drawing/2017/decorative" val="1"/>
+                <adec:decorative xmlns:adec="http://schemas.microsoft.com/office/drawing/2017/decorative" xmlns="" val="1"/>
               </a:ext>
             </a:extLst>
           </p:cNvPr>
@@ -12496,7 +12654,7 @@
                 <a16:creationId xmlns:a16="http://schemas.microsoft.com/office/drawing/2014/main" id="{8A233090-6C39-4F59-8A0F-86F011A7EEEB}"/>
               </a:ext>
               <a:ext uri="{C183D7F6-B498-43B3-948B-1728B52AA6E4}">
-                <adec:decorative xmlns:adec="http://schemas.microsoft.com/office/drawing/2017/decorative" val="1"/>
+                <adec:decorative xmlns:adec="http://schemas.microsoft.com/office/drawing/2017/decorative" xmlns="" val="1"/>
               </a:ext>
             </a:extLst>
           </p:cNvPr>
@@ -12556,7 +12714,7 @@
                 <a16:creationId xmlns:a16="http://schemas.microsoft.com/office/drawing/2014/main" id="{484DCAA0-4BF1-4FB9-97BA-D6BA630419A0}"/>
               </a:ext>
               <a:ext uri="{C183D7F6-B498-43B3-948B-1728B52AA6E4}">
-                <adec:decorative xmlns:adec="http://schemas.microsoft.com/office/drawing/2017/decorative" val="1"/>
+                <adec:decorative xmlns:adec="http://schemas.microsoft.com/office/drawing/2017/decorative" xmlns="" val="1"/>
               </a:ext>
             </a:extLst>
           </p:cNvPr>
@@ -12649,7 +12807,7 @@
                 <a16:creationId xmlns:a16="http://schemas.microsoft.com/office/drawing/2014/main" id="{9BC2FEA5-B399-458A-8393-E06CE40DB89C}"/>
               </a:ext>
               <a:ext uri="{C183D7F6-B498-43B3-948B-1728B52AA6E4}">
-                <adec:decorative xmlns:adec="http://schemas.microsoft.com/office/drawing/2017/decorative" val="1"/>
+                <adec:decorative xmlns:adec="http://schemas.microsoft.com/office/drawing/2017/decorative" xmlns="" val="1"/>
               </a:ext>
             </a:extLst>
           </p:cNvPr>
@@ -12729,7 +12887,15 @@
           <a:p>
             <a:r>
               <a:rPr lang="de-CH" dirty="0"/>
-              <a:t>Arbeitetet eng mit den anderen Organisationen zusammen</a:t>
+              <a:t>Arbeitetet eng mit den anderen </a:t>
+            </a:r>
+            <a:r>
+              <a:rPr lang="de-CH" dirty="0" smtClean="0"/>
+              <a:t>Komitees </a:t>
+            </a:r>
+            <a:r>
+              <a:rPr lang="de-CH" dirty="0"/>
+              <a:t>zusammen</a:t>
             </a:r>
           </a:p>
         </p:txBody>
@@ -12873,6 +13039,16 @@
   <p:clrMapOvr>
     <a:masterClrMapping/>
   </p:clrMapOvr>
+  <p:transition spd="slow">
+    <p:wipe/>
+  </p:transition>
+  <p:timing>
+    <p:tnLst>
+      <p:par>
+        <p:cTn id="1" dur="indefinite" restart="never" nodeType="tmRoot"/>
+      </p:par>
+    </p:tnLst>
+  </p:timing>
 </p:sld>
 </file>
 
@@ -13124,6 +13300,16 @@
   <p:clrMapOvr>
     <a:masterClrMapping/>
   </p:clrMapOvr>
+  <p:transition spd="slow">
+    <p:wipe/>
+  </p:transition>
+  <p:timing>
+    <p:tnLst>
+      <p:par>
+        <p:cTn id="1" dur="indefinite" restart="never" nodeType="tmRoot"/>
+      </p:par>
+    </p:tnLst>
+  </p:timing>
 </p:sld>
 </file>
 
@@ -13187,7 +13373,7 @@
                 <a16:creationId xmlns:a16="http://schemas.microsoft.com/office/drawing/2014/main" id="{5321D838-2C7E-4177-9DD3-DAC78324A2B2}"/>
               </a:ext>
               <a:ext uri="{C183D7F6-B498-43B3-948B-1728B52AA6E4}">
-                <adec:decorative xmlns:adec="http://schemas.microsoft.com/office/drawing/2017/decorative" val="1"/>
+                <adec:decorative xmlns:adec="http://schemas.microsoft.com/office/drawing/2017/decorative" xmlns="" val="1"/>
               </a:ext>
             </a:extLst>
           </p:cNvPr>
@@ -13233,7 +13419,7 @@
                 <a16:creationId xmlns:a16="http://schemas.microsoft.com/office/drawing/2014/main" id="{224C28B3-E902-49D1-98A0-582D277A0E00}"/>
               </a:ext>
               <a:ext uri="{C183D7F6-B498-43B3-948B-1728B52AA6E4}">
-                <adec:decorative xmlns:adec="http://schemas.microsoft.com/office/drawing/2017/decorative" val="1"/>
+                <adec:decorative xmlns:adec="http://schemas.microsoft.com/office/drawing/2017/decorative" xmlns="" val="1"/>
               </a:ext>
             </a:extLst>
           </p:cNvPr>
@@ -13278,7 +13464,7 @@
                 <a16:creationId xmlns:a16="http://schemas.microsoft.com/office/drawing/2014/main" id="{F3A6C14C-E755-4A02-821B-6EA2D4C9F20D}"/>
               </a:ext>
               <a:ext uri="{C183D7F6-B498-43B3-948B-1728B52AA6E4}">
-                <adec:decorative xmlns:adec="http://schemas.microsoft.com/office/drawing/2017/decorative" val="1"/>
+                <adec:decorative xmlns:adec="http://schemas.microsoft.com/office/drawing/2017/decorative" xmlns="" val="1"/>
               </a:ext>
             </a:extLst>
           </p:cNvPr>
@@ -13323,7 +13509,7 @@
                 <a16:creationId xmlns:a16="http://schemas.microsoft.com/office/drawing/2014/main" id="{6478287C-E119-4E9C-95B0-518478BD9D07}"/>
               </a:ext>
               <a:ext uri="{C183D7F6-B498-43B3-948B-1728B52AA6E4}">
-                <adec:decorative xmlns:adec="http://schemas.microsoft.com/office/drawing/2017/decorative" val="1"/>
+                <adec:decorative xmlns:adec="http://schemas.microsoft.com/office/drawing/2017/decorative" xmlns="" val="1"/>
               </a:ext>
             </a:extLst>
           </p:cNvPr>
@@ -13381,7 +13567,7 @@
                 <a16:creationId xmlns:a16="http://schemas.microsoft.com/office/drawing/2014/main" id="{EA4A294F-6D36-425B-8632-27FD6A284D09}"/>
               </a:ext>
               <a:ext uri="{C183D7F6-B498-43B3-948B-1728B52AA6E4}">
-                <adec:decorative xmlns:adec="http://schemas.microsoft.com/office/drawing/2017/decorative" val="1"/>
+                <adec:decorative xmlns:adec="http://schemas.microsoft.com/office/drawing/2017/decorative" xmlns="" val="1"/>
               </a:ext>
             </a:extLst>
           </p:cNvPr>
@@ -13655,6 +13841,16 @@
   <p:clrMapOvr>
     <a:masterClrMapping/>
   </p:clrMapOvr>
+  <p:transition spd="slow">
+    <p:wipe/>
+  </p:transition>
+  <p:timing>
+    <p:tnLst>
+      <p:par>
+        <p:cTn id="1" dur="indefinite" restart="never" nodeType="tmRoot"/>
+      </p:par>
+    </p:tnLst>
+  </p:timing>
 </p:sld>
 </file>
 
